--- a/FluentBDD/Fluent BDD.pptx
+++ b/FluentBDD/Fluent BDD.pptx
@@ -389,7 +389,8 @@
           <a:p>
             <a:fld id="{8B68E00E-70CF-462C-A5AB-C8C5EA91F4E5}" type="datetimeFigureOut">
               <a:rPr lang="en-GB" smtClean="0"/>
-              <a:t>24/03/2011</a:t>
+              <a:pPr/>
+              <a:t>28/03/2011</a:t>
             </a:fld>
             <a:endParaRPr lang="en-GB"/>
           </a:p>
@@ -431,6 +432,7 @@
           <a:p>
             <a:fld id="{CBBA419B-C880-4466-8BE0-479B9BB661ED}" type="slidenum">
               <a:rPr lang="en-GB" smtClean="0"/>
+              <a:pPr/>
               <a:t>‹#›</a:t>
             </a:fld>
             <a:endParaRPr lang="en-GB"/>
@@ -440,7 +442,7 @@
     </p:spTree>
     <p:extLst>
       <p:ext uri="{BB962C8B-B14F-4D97-AF65-F5344CB8AC3E}">
-        <p14:creationId xmlns:p14="http://schemas.microsoft.com/office/powerpoint/2010/main" val="3456427007"/>
+        <p14:creationId xmlns:p14="http://schemas.microsoft.com/office/powerpoint/2010/main" xmlns="" val="3456427007"/>
       </p:ext>
     </p:extLst>
   </p:cSld>
@@ -559,7 +561,8 @@
           <a:p>
             <a:fld id="{8B68E00E-70CF-462C-A5AB-C8C5EA91F4E5}" type="datetimeFigureOut">
               <a:rPr lang="en-GB" smtClean="0"/>
-              <a:t>24/03/2011</a:t>
+              <a:pPr/>
+              <a:t>28/03/2011</a:t>
             </a:fld>
             <a:endParaRPr lang="en-GB"/>
           </a:p>
@@ -601,6 +604,7 @@
           <a:p>
             <a:fld id="{CBBA419B-C880-4466-8BE0-479B9BB661ED}" type="slidenum">
               <a:rPr lang="en-GB" smtClean="0"/>
+              <a:pPr/>
               <a:t>‹#›</a:t>
             </a:fld>
             <a:endParaRPr lang="en-GB"/>
@@ -610,7 +614,7 @@
     </p:spTree>
     <p:extLst>
       <p:ext uri="{BB962C8B-B14F-4D97-AF65-F5344CB8AC3E}">
-        <p14:creationId xmlns:p14="http://schemas.microsoft.com/office/powerpoint/2010/main" val="1686052195"/>
+        <p14:creationId xmlns:p14="http://schemas.microsoft.com/office/powerpoint/2010/main" xmlns="" val="1686052195"/>
       </p:ext>
     </p:extLst>
   </p:cSld>
@@ -739,7 +743,8 @@
           <a:p>
             <a:fld id="{8B68E00E-70CF-462C-A5AB-C8C5EA91F4E5}" type="datetimeFigureOut">
               <a:rPr lang="en-GB" smtClean="0"/>
-              <a:t>24/03/2011</a:t>
+              <a:pPr/>
+              <a:t>28/03/2011</a:t>
             </a:fld>
             <a:endParaRPr lang="en-GB"/>
           </a:p>
@@ -781,6 +786,7 @@
           <a:p>
             <a:fld id="{CBBA419B-C880-4466-8BE0-479B9BB661ED}" type="slidenum">
               <a:rPr lang="en-GB" smtClean="0"/>
+              <a:pPr/>
               <a:t>‹#›</a:t>
             </a:fld>
             <a:endParaRPr lang="en-GB"/>
@@ -790,7 +796,7 @@
     </p:spTree>
     <p:extLst>
       <p:ext uri="{BB962C8B-B14F-4D97-AF65-F5344CB8AC3E}">
-        <p14:creationId xmlns:p14="http://schemas.microsoft.com/office/powerpoint/2010/main" val="1492167689"/>
+        <p14:creationId xmlns:p14="http://schemas.microsoft.com/office/powerpoint/2010/main" xmlns="" val="1492167689"/>
       </p:ext>
     </p:extLst>
   </p:cSld>
@@ -909,7 +915,8 @@
           <a:p>
             <a:fld id="{8B68E00E-70CF-462C-A5AB-C8C5EA91F4E5}" type="datetimeFigureOut">
               <a:rPr lang="en-GB" smtClean="0"/>
-              <a:t>24/03/2011</a:t>
+              <a:pPr/>
+              <a:t>28/03/2011</a:t>
             </a:fld>
             <a:endParaRPr lang="en-GB"/>
           </a:p>
@@ -951,6 +958,7 @@
           <a:p>
             <a:fld id="{CBBA419B-C880-4466-8BE0-479B9BB661ED}" type="slidenum">
               <a:rPr lang="en-GB" smtClean="0"/>
+              <a:pPr/>
               <a:t>‹#›</a:t>
             </a:fld>
             <a:endParaRPr lang="en-GB"/>
@@ -960,7 +968,7 @@
     </p:spTree>
     <p:extLst>
       <p:ext uri="{BB962C8B-B14F-4D97-AF65-F5344CB8AC3E}">
-        <p14:creationId xmlns:p14="http://schemas.microsoft.com/office/powerpoint/2010/main" val="1158043084"/>
+        <p14:creationId xmlns:p14="http://schemas.microsoft.com/office/powerpoint/2010/main" xmlns="" val="1158043084"/>
       </p:ext>
     </p:extLst>
   </p:cSld>
@@ -1155,7 +1163,8 @@
           <a:p>
             <a:fld id="{8B68E00E-70CF-462C-A5AB-C8C5EA91F4E5}" type="datetimeFigureOut">
               <a:rPr lang="en-GB" smtClean="0"/>
-              <a:t>24/03/2011</a:t>
+              <a:pPr/>
+              <a:t>28/03/2011</a:t>
             </a:fld>
             <a:endParaRPr lang="en-GB"/>
           </a:p>
@@ -1197,6 +1206,7 @@
           <a:p>
             <a:fld id="{CBBA419B-C880-4466-8BE0-479B9BB661ED}" type="slidenum">
               <a:rPr lang="en-GB" smtClean="0"/>
+              <a:pPr/>
               <a:t>‹#›</a:t>
             </a:fld>
             <a:endParaRPr lang="en-GB"/>
@@ -1206,7 +1216,7 @@
     </p:spTree>
     <p:extLst>
       <p:ext uri="{BB962C8B-B14F-4D97-AF65-F5344CB8AC3E}">
-        <p14:creationId xmlns:p14="http://schemas.microsoft.com/office/powerpoint/2010/main" val="2318530888"/>
+        <p14:creationId xmlns:p14="http://schemas.microsoft.com/office/powerpoint/2010/main" xmlns="" val="2318530888"/>
       </p:ext>
     </p:extLst>
   </p:cSld>
@@ -1443,7 +1453,8 @@
           <a:p>
             <a:fld id="{8B68E00E-70CF-462C-A5AB-C8C5EA91F4E5}" type="datetimeFigureOut">
               <a:rPr lang="en-GB" smtClean="0"/>
-              <a:t>24/03/2011</a:t>
+              <a:pPr/>
+              <a:t>28/03/2011</a:t>
             </a:fld>
             <a:endParaRPr lang="en-GB"/>
           </a:p>
@@ -1485,6 +1496,7 @@
           <a:p>
             <a:fld id="{CBBA419B-C880-4466-8BE0-479B9BB661ED}" type="slidenum">
               <a:rPr lang="en-GB" smtClean="0"/>
+              <a:pPr/>
               <a:t>‹#›</a:t>
             </a:fld>
             <a:endParaRPr lang="en-GB"/>
@@ -1494,7 +1506,7 @@
     </p:spTree>
     <p:extLst>
       <p:ext uri="{BB962C8B-B14F-4D97-AF65-F5344CB8AC3E}">
-        <p14:creationId xmlns:p14="http://schemas.microsoft.com/office/powerpoint/2010/main" val="3101983427"/>
+        <p14:creationId xmlns:p14="http://schemas.microsoft.com/office/powerpoint/2010/main" xmlns="" val="3101983427"/>
       </p:ext>
     </p:extLst>
   </p:cSld>
@@ -1865,7 +1877,8 @@
           <a:p>
             <a:fld id="{8B68E00E-70CF-462C-A5AB-C8C5EA91F4E5}" type="datetimeFigureOut">
               <a:rPr lang="en-GB" smtClean="0"/>
-              <a:t>24/03/2011</a:t>
+              <a:pPr/>
+              <a:t>28/03/2011</a:t>
             </a:fld>
             <a:endParaRPr lang="en-GB"/>
           </a:p>
@@ -1907,6 +1920,7 @@
           <a:p>
             <a:fld id="{CBBA419B-C880-4466-8BE0-479B9BB661ED}" type="slidenum">
               <a:rPr lang="en-GB" smtClean="0"/>
+              <a:pPr/>
               <a:t>‹#›</a:t>
             </a:fld>
             <a:endParaRPr lang="en-GB"/>
@@ -1916,7 +1930,7 @@
     </p:spTree>
     <p:extLst>
       <p:ext uri="{BB962C8B-B14F-4D97-AF65-F5344CB8AC3E}">
-        <p14:creationId xmlns:p14="http://schemas.microsoft.com/office/powerpoint/2010/main" val="2520579388"/>
+        <p14:creationId xmlns:p14="http://schemas.microsoft.com/office/powerpoint/2010/main" xmlns="" val="2520579388"/>
       </p:ext>
     </p:extLst>
   </p:cSld>
@@ -1983,7 +1997,8 @@
           <a:p>
             <a:fld id="{8B68E00E-70CF-462C-A5AB-C8C5EA91F4E5}" type="datetimeFigureOut">
               <a:rPr lang="en-GB" smtClean="0"/>
-              <a:t>24/03/2011</a:t>
+              <a:pPr/>
+              <a:t>28/03/2011</a:t>
             </a:fld>
             <a:endParaRPr lang="en-GB"/>
           </a:p>
@@ -2025,6 +2040,7 @@
           <a:p>
             <a:fld id="{CBBA419B-C880-4466-8BE0-479B9BB661ED}" type="slidenum">
               <a:rPr lang="en-GB" smtClean="0"/>
+              <a:pPr/>
               <a:t>‹#›</a:t>
             </a:fld>
             <a:endParaRPr lang="en-GB"/>
@@ -2034,7 +2050,7 @@
     </p:spTree>
     <p:extLst>
       <p:ext uri="{BB962C8B-B14F-4D97-AF65-F5344CB8AC3E}">
-        <p14:creationId xmlns:p14="http://schemas.microsoft.com/office/powerpoint/2010/main" val="1715617365"/>
+        <p14:creationId xmlns:p14="http://schemas.microsoft.com/office/powerpoint/2010/main" xmlns="" val="1715617365"/>
       </p:ext>
     </p:extLst>
   </p:cSld>
@@ -2078,7 +2094,8 @@
           <a:p>
             <a:fld id="{8B68E00E-70CF-462C-A5AB-C8C5EA91F4E5}" type="datetimeFigureOut">
               <a:rPr lang="en-GB" smtClean="0"/>
-              <a:t>24/03/2011</a:t>
+              <a:pPr/>
+              <a:t>28/03/2011</a:t>
             </a:fld>
             <a:endParaRPr lang="en-GB"/>
           </a:p>
@@ -2120,6 +2137,7 @@
           <a:p>
             <a:fld id="{CBBA419B-C880-4466-8BE0-479B9BB661ED}" type="slidenum">
               <a:rPr lang="en-GB" smtClean="0"/>
+              <a:pPr/>
               <a:t>‹#›</a:t>
             </a:fld>
             <a:endParaRPr lang="en-GB"/>
@@ -2129,7 +2147,7 @@
     </p:spTree>
     <p:extLst>
       <p:ext uri="{BB962C8B-B14F-4D97-AF65-F5344CB8AC3E}">
-        <p14:creationId xmlns:p14="http://schemas.microsoft.com/office/powerpoint/2010/main" val="2671941056"/>
+        <p14:creationId xmlns:p14="http://schemas.microsoft.com/office/powerpoint/2010/main" xmlns="" val="2671941056"/>
       </p:ext>
     </p:extLst>
   </p:cSld>
@@ -2355,7 +2373,8 @@
           <a:p>
             <a:fld id="{8B68E00E-70CF-462C-A5AB-C8C5EA91F4E5}" type="datetimeFigureOut">
               <a:rPr lang="en-GB" smtClean="0"/>
-              <a:t>24/03/2011</a:t>
+              <a:pPr/>
+              <a:t>28/03/2011</a:t>
             </a:fld>
             <a:endParaRPr lang="en-GB"/>
           </a:p>
@@ -2397,6 +2416,7 @@
           <a:p>
             <a:fld id="{CBBA419B-C880-4466-8BE0-479B9BB661ED}" type="slidenum">
               <a:rPr lang="en-GB" smtClean="0"/>
+              <a:pPr/>
               <a:t>‹#›</a:t>
             </a:fld>
             <a:endParaRPr lang="en-GB"/>
@@ -2406,7 +2426,7 @@
     </p:spTree>
     <p:extLst>
       <p:ext uri="{BB962C8B-B14F-4D97-AF65-F5344CB8AC3E}">
-        <p14:creationId xmlns:p14="http://schemas.microsoft.com/office/powerpoint/2010/main" val="1843820350"/>
+        <p14:creationId xmlns:p14="http://schemas.microsoft.com/office/powerpoint/2010/main" xmlns="" val="1843820350"/>
       </p:ext>
     </p:extLst>
   </p:cSld>
@@ -2608,7 +2628,8 @@
           <a:p>
             <a:fld id="{8B68E00E-70CF-462C-A5AB-C8C5EA91F4E5}" type="datetimeFigureOut">
               <a:rPr lang="en-GB" smtClean="0"/>
-              <a:t>24/03/2011</a:t>
+              <a:pPr/>
+              <a:t>28/03/2011</a:t>
             </a:fld>
             <a:endParaRPr lang="en-GB"/>
           </a:p>
@@ -2650,6 +2671,7 @@
           <a:p>
             <a:fld id="{CBBA419B-C880-4466-8BE0-479B9BB661ED}" type="slidenum">
               <a:rPr lang="en-GB" smtClean="0"/>
+              <a:pPr/>
               <a:t>‹#›</a:t>
             </a:fld>
             <a:endParaRPr lang="en-GB"/>
@@ -2659,7 +2681,7 @@
     </p:spTree>
     <p:extLst>
       <p:ext uri="{BB962C8B-B14F-4D97-AF65-F5344CB8AC3E}">
-        <p14:creationId xmlns:p14="http://schemas.microsoft.com/office/powerpoint/2010/main" val="2309615908"/>
+        <p14:creationId xmlns:p14="http://schemas.microsoft.com/office/powerpoint/2010/main" xmlns="" val="2309615908"/>
       </p:ext>
     </p:extLst>
   </p:cSld>
@@ -2821,7 +2843,8 @@
           <a:p>
             <a:fld id="{8B68E00E-70CF-462C-A5AB-C8C5EA91F4E5}" type="datetimeFigureOut">
               <a:rPr lang="en-GB" smtClean="0"/>
-              <a:t>24/03/2011</a:t>
+              <a:pPr/>
+              <a:t>28/03/2011</a:t>
             </a:fld>
             <a:endParaRPr lang="en-GB"/>
           </a:p>
@@ -2899,6 +2922,7 @@
           <a:p>
             <a:fld id="{CBBA419B-C880-4466-8BE0-479B9BB661ED}" type="slidenum">
               <a:rPr lang="en-GB" smtClean="0"/>
+              <a:pPr/>
               <a:t>‹#›</a:t>
             </a:fld>
             <a:endParaRPr lang="en-GB"/>
@@ -2908,7 +2932,7 @@
     </p:spTree>
     <p:extLst>
       <p:ext uri="{BB962C8B-B14F-4D97-AF65-F5344CB8AC3E}">
-        <p14:creationId xmlns:p14="http://schemas.microsoft.com/office/powerpoint/2010/main" val="1456661484"/>
+        <p14:creationId xmlns:p14="http://schemas.microsoft.com/office/powerpoint/2010/main" xmlns="" val="1456661484"/>
       </p:ext>
     </p:extLst>
   </p:cSld>
@@ -3245,7 +3269,7 @@
     </p:spTree>
     <p:extLst>
       <p:ext uri="{BB962C8B-B14F-4D97-AF65-F5344CB8AC3E}">
-        <p14:creationId xmlns:p14="http://schemas.microsoft.com/office/powerpoint/2010/main" val="4092477541"/>
+        <p14:creationId xmlns:p14="http://schemas.microsoft.com/office/powerpoint/2010/main" xmlns="" val="4092477541"/>
       </p:ext>
     </p:extLst>
   </p:cSld>
@@ -3500,7 +3524,7 @@
     </p:spTree>
     <p:extLst>
       <p:ext uri="{BB962C8B-B14F-4D97-AF65-F5344CB8AC3E}">
-        <p14:creationId xmlns:p14="http://schemas.microsoft.com/office/powerpoint/2010/main" val="3447382126"/>
+        <p14:creationId xmlns:p14="http://schemas.microsoft.com/office/powerpoint/2010/main" xmlns="" val="3447382126"/>
       </p:ext>
     </p:extLst>
   </p:cSld>
@@ -3596,37 +3620,7 @@
                   </a:schemeClr>
                 </a:solidFill>
               </a:rPr>
-              <a:t>Notice that the test results have only one </a:t>
-            </a:r>
-            <a:r>
-              <a:rPr lang="en-GB" sz="1800" dirty="0" smtClean="0">
-                <a:solidFill>
-                  <a:schemeClr val="bg1">
-                    <a:lumMod val="50000"/>
-                  </a:schemeClr>
-                </a:solidFill>
-              </a:rPr>
-              <a:t>‘Given’, </a:t>
-            </a:r>
-            <a:r>
-              <a:rPr lang="en-GB" sz="1800" dirty="0" smtClean="0">
-                <a:solidFill>
-                  <a:schemeClr val="bg1">
-                    <a:lumMod val="50000"/>
-                  </a:schemeClr>
-                </a:solidFill>
-              </a:rPr>
-              <a:t>but two </a:t>
-            </a:r>
-            <a:r>
-              <a:rPr lang="en-GB" sz="1800" dirty="0" smtClean="0">
-                <a:solidFill>
-                  <a:schemeClr val="bg1">
-                    <a:lumMod val="50000"/>
-                  </a:schemeClr>
-                </a:solidFill>
-              </a:rPr>
-              <a:t>‘When’s</a:t>
+              <a:t>Notice that the test results have only one ‘Given’, but two ‘When’s</a:t>
             </a:r>
             <a:endParaRPr lang="en-GB" sz="1800" i="1" dirty="0">
               <a:solidFill>
@@ -3647,10 +3641,10 @@
           <p:nvPr/>
         </p:nvPicPr>
         <p:blipFill>
-          <a:blip r:embed="rId2">
+          <a:blip r:embed="rId2" cstate="print">
             <a:extLst>
               <a:ext uri="{28A0092B-C50C-407E-A947-70E740481C1C}">
-                <a14:useLocalDpi xmlns:a14="http://schemas.microsoft.com/office/drawing/2010/main" val="0"/>
+                <a14:useLocalDpi xmlns:a14="http://schemas.microsoft.com/office/drawing/2010/main" xmlns="" val="0"/>
               </a:ext>
             </a:extLst>
           </a:blip>
@@ -3674,14 +3668,14 @@
           <a:effectLst/>
           <a:extLst>
             <a:ext uri="{909E8E84-426E-40DD-AFC4-6F175D3DCCD1}">
-              <a14:hiddenFill xmlns:a14="http://schemas.microsoft.com/office/drawing/2010/main">
+              <a14:hiddenFill xmlns:a14="http://schemas.microsoft.com/office/drawing/2010/main" xmlns="">
                 <a:solidFill>
                   <a:schemeClr val="accent1"/>
                 </a:solidFill>
               </a14:hiddenFill>
             </a:ext>
             <a:ext uri="{91240B29-F687-4F45-9708-019B960494DF}">
-              <a14:hiddenLine xmlns:a14="http://schemas.microsoft.com/office/drawing/2010/main" w="9525">
+              <a14:hiddenLine xmlns:a14="http://schemas.microsoft.com/office/drawing/2010/main" xmlns="" w="9525">
                 <a:solidFill>
                   <a:schemeClr val="tx1"/>
                 </a:solidFill>
@@ -3691,7 +3685,7 @@
               </a14:hiddenLine>
             </a:ext>
             <a:ext uri="{AF507438-7753-43E0-B8FC-AC1667EBCBE1}">
-              <a14:hiddenEffects xmlns:a14="http://schemas.microsoft.com/office/drawing/2010/main">
+              <a14:hiddenEffects xmlns:a14="http://schemas.microsoft.com/office/drawing/2010/main" xmlns="">
                 <a:effectLst>
                   <a:outerShdw dist="35921" dir="2700000" algn="ctr" rotWithShape="0">
                     <a:schemeClr val="bg2"/>
@@ -3705,7 +3699,7 @@
     </p:spTree>
     <p:extLst>
       <p:ext uri="{BB962C8B-B14F-4D97-AF65-F5344CB8AC3E}">
-        <p14:creationId xmlns:p14="http://schemas.microsoft.com/office/powerpoint/2010/main" val="2339559511"/>
+        <p14:creationId xmlns:p14="http://schemas.microsoft.com/office/powerpoint/2010/main" xmlns="" val="2339559511"/>
       </p:ext>
     </p:extLst>
   </p:cSld>
@@ -3922,7 +3916,7 @@
     </p:spTree>
     <p:extLst>
       <p:ext uri="{BB962C8B-B14F-4D97-AF65-F5344CB8AC3E}">
-        <p14:creationId xmlns:p14="http://schemas.microsoft.com/office/powerpoint/2010/main" val="1901756291"/>
+        <p14:creationId xmlns:p14="http://schemas.microsoft.com/office/powerpoint/2010/main" xmlns="" val="1901756291"/>
       </p:ext>
     </p:extLst>
   </p:cSld>
@@ -4021,7 +4015,7 @@
     </p:spTree>
     <p:extLst>
       <p:ext uri="{BB962C8B-B14F-4D97-AF65-F5344CB8AC3E}">
-        <p14:creationId xmlns:p14="http://schemas.microsoft.com/office/powerpoint/2010/main" val="2970710769"/>
+        <p14:creationId xmlns:p14="http://schemas.microsoft.com/office/powerpoint/2010/main" xmlns="" val="2970710769"/>
       </p:ext>
     </p:extLst>
   </p:cSld>
@@ -4226,7 +4220,7 @@
     </p:spTree>
     <p:extLst>
       <p:ext uri="{BB962C8B-B14F-4D97-AF65-F5344CB8AC3E}">
-        <p14:creationId xmlns:p14="http://schemas.microsoft.com/office/powerpoint/2010/main" val="1233478361"/>
+        <p14:creationId xmlns:p14="http://schemas.microsoft.com/office/powerpoint/2010/main" xmlns="" val="1233478361"/>
       </p:ext>
     </p:extLst>
   </p:cSld>
@@ -4530,7 +4524,7 @@
     </p:spTree>
     <p:extLst>
       <p:ext uri="{BB962C8B-B14F-4D97-AF65-F5344CB8AC3E}">
-        <p14:creationId xmlns:p14="http://schemas.microsoft.com/office/powerpoint/2010/main" val="2527146003"/>
+        <p14:creationId xmlns:p14="http://schemas.microsoft.com/office/powerpoint/2010/main" xmlns="" val="2527146003"/>
       </p:ext>
     </p:extLst>
   </p:cSld>
@@ -4748,7 +4742,7 @@
     </p:spTree>
     <p:extLst>
       <p:ext uri="{BB962C8B-B14F-4D97-AF65-F5344CB8AC3E}">
-        <p14:creationId xmlns:p14="http://schemas.microsoft.com/office/powerpoint/2010/main" val="1792334376"/>
+        <p14:creationId xmlns:p14="http://schemas.microsoft.com/office/powerpoint/2010/main" xmlns="" val="1792334376"/>
       </p:ext>
     </p:extLst>
   </p:cSld>
@@ -4884,8 +4878,12 @@
               <a:buNone/>
             </a:pPr>
             <a:r>
+              <a:rPr lang="en-GB" b="1" dirty="0" smtClean="0"/>
+              <a:t>Given</a:t>
+            </a:r>
+            <a:r>
               <a:rPr lang="en-GB" dirty="0" smtClean="0"/>
-              <a:t>With </a:t>
+              <a:t> </a:t>
             </a:r>
             <a:r>
               <a:rPr lang="en-GB" sz="2800" i="1" dirty="0" smtClean="0"/>
@@ -4984,7 +4982,7 @@
     </p:spTree>
     <p:extLst>
       <p:ext uri="{BB962C8B-B14F-4D97-AF65-F5344CB8AC3E}">
-        <p14:creationId xmlns:p14="http://schemas.microsoft.com/office/powerpoint/2010/main" val="1834247687"/>
+        <p14:creationId xmlns:p14="http://schemas.microsoft.com/office/powerpoint/2010/main" xmlns="" val="1834247687"/>
       </p:ext>
     </p:extLst>
   </p:cSld>
@@ -5143,15 +5141,15 @@
             </a:pPr>
             <a:r>
               <a:rPr lang="en-GB" b="1" dirty="0" smtClean="0"/>
-              <a:t>With</a:t>
-            </a:r>
-            <a:r>
-              <a:rPr lang="en-GB" dirty="0" smtClean="0"/>
-              <a:t> </a:t>
+              <a:t>Given </a:t>
             </a:r>
             <a:r>
               <a:rPr lang="en-GB" sz="2800" i="1" dirty="0" smtClean="0"/>
-              <a:t>A game scorer that records pins knocked down</a:t>
+              <a:t>A </a:t>
+            </a:r>
+            <a:r>
+              <a:rPr lang="en-GB" sz="2800" i="1" dirty="0" smtClean="0"/>
+              <a:t>game scorer that records pins knocked down</a:t>
             </a:r>
           </a:p>
           <a:p>
@@ -5355,7 +5353,7 @@
     </p:spTree>
     <p:extLst>
       <p:ext uri="{BB962C8B-B14F-4D97-AF65-F5344CB8AC3E}">
-        <p14:creationId xmlns:p14="http://schemas.microsoft.com/office/powerpoint/2010/main" val="3325380939"/>
+        <p14:creationId xmlns:p14="http://schemas.microsoft.com/office/powerpoint/2010/main" xmlns="" val="3325380939"/>
       </p:ext>
     </p:extLst>
   </p:cSld>
@@ -5494,15 +5492,15 @@
             </a:pPr>
             <a:r>
               <a:rPr lang="en-GB" b="1" dirty="0" smtClean="0"/>
-              <a:t>With</a:t>
-            </a:r>
-            <a:r>
-              <a:rPr lang="en-GB" dirty="0" smtClean="0"/>
-              <a:t> </a:t>
+              <a:t>Given </a:t>
             </a:r>
             <a:r>
               <a:rPr lang="en-GB" sz="2800" i="1" dirty="0" smtClean="0"/>
-              <a:t>A game scorer that records pins knocked down</a:t>
+              <a:t>A </a:t>
+            </a:r>
+            <a:r>
+              <a:rPr lang="en-GB" sz="2800" i="1" dirty="0" smtClean="0"/>
+              <a:t>game scorer that records pins knocked down</a:t>
             </a:r>
           </a:p>
           <a:p>
@@ -5609,7 +5607,7 @@
     </p:spTree>
     <p:extLst>
       <p:ext uri="{BB962C8B-B14F-4D97-AF65-F5344CB8AC3E}">
-        <p14:creationId xmlns:p14="http://schemas.microsoft.com/office/powerpoint/2010/main" val="346276006"/>
+        <p14:creationId xmlns:p14="http://schemas.microsoft.com/office/powerpoint/2010/main" xmlns="" val="346276006"/>
       </p:ext>
     </p:extLst>
   </p:cSld>
@@ -5742,24 +5740,24 @@
             </a:pPr>
             <a:r>
               <a:rPr lang="en-GB" sz="2400" dirty="0" smtClean="0"/>
-              <a:t>Scenario</a:t>
-            </a:r>
+              <a:t>Scenario:</a:t>
+            </a:r>
+          </a:p>
+          <a:p>
+            <a:pPr marL="400050" lvl="1" indent="0">
+              <a:buNone/>
+            </a:pPr>
             <a:r>
               <a:rPr lang="en-GB" sz="2400" dirty="0" smtClean="0"/>
-              <a:t>:</a:t>
-            </a:r>
-          </a:p>
-          <a:p>
-            <a:pPr marL="400050" lvl="1" indent="0">
-              <a:buNone/>
-            </a:pPr>
-            <a:r>
-              <a:rPr lang="en-GB" sz="2400" dirty="0" smtClean="0"/>
-              <a:t>With </a:t>
+              <a:t>Given </a:t>
             </a:r>
             <a:r>
               <a:rPr lang="en-GB" sz="2400" i="1" dirty="0" smtClean="0"/>
-              <a:t>A game scorer that records pins knocked down</a:t>
+              <a:t>A </a:t>
+            </a:r>
+            <a:r>
+              <a:rPr lang="en-GB" sz="2400" i="1" dirty="0" smtClean="0"/>
+              <a:t>game scorer that records pins knocked down</a:t>
             </a:r>
           </a:p>
           <a:p>
@@ -5826,7 +5824,7 @@
     </p:spTree>
     <p:extLst>
       <p:ext uri="{BB962C8B-B14F-4D97-AF65-F5344CB8AC3E}">
-        <p14:creationId xmlns:p14="http://schemas.microsoft.com/office/powerpoint/2010/main" val="1931606875"/>
+        <p14:creationId xmlns:p14="http://schemas.microsoft.com/office/powerpoint/2010/main" xmlns="" val="1931606875"/>
       </p:ext>
     </p:extLst>
   </p:cSld>
@@ -5944,20 +5942,20 @@
             </a:pPr>
             <a:r>
               <a:rPr lang="en-GB" sz="1800" dirty="0" smtClean="0"/>
-              <a:t>Scenario</a:t>
-            </a:r>
+              <a:t>Scenario: a complete game</a:t>
+            </a:r>
+          </a:p>
+          <a:p>
+            <a:pPr marL="400050" lvl="1" indent="0">
+              <a:buNone/>
+            </a:pPr>
             <a:r>
               <a:rPr lang="en-GB" sz="1800" dirty="0" smtClean="0"/>
-              <a:t>: a complete game</a:t>
-            </a:r>
-          </a:p>
-          <a:p>
-            <a:pPr marL="400050" lvl="1" indent="0">
-              <a:buNone/>
-            </a:pPr>
+              <a:t>Given a </a:t>
+            </a:r>
             <a:r>
               <a:rPr lang="en-GB" sz="1800" dirty="0" smtClean="0"/>
-              <a:t>With a game scorer that records pins knocked down</a:t>
+              <a:t>game scorer that records pins knocked down</a:t>
             </a:r>
           </a:p>
           <a:p>
@@ -6006,7 +6004,11 @@
             </a:pPr>
             <a:r>
               <a:rPr lang="en-GB" sz="1800" dirty="0" smtClean="0"/>
-              <a:t>With a game scorer that records pins knocked down</a:t>
+              <a:t>Given a </a:t>
+            </a:r>
+            <a:r>
+              <a:rPr lang="en-GB" sz="1800" dirty="0" smtClean="0"/>
+              <a:t>game scorer that records pins knocked down</a:t>
             </a:r>
           </a:p>
           <a:p>
@@ -6063,7 +6065,7 @@
     </p:spTree>
     <p:extLst>
       <p:ext uri="{BB962C8B-B14F-4D97-AF65-F5344CB8AC3E}">
-        <p14:creationId xmlns:p14="http://schemas.microsoft.com/office/powerpoint/2010/main" val="617101705"/>
+        <p14:creationId xmlns:p14="http://schemas.microsoft.com/office/powerpoint/2010/main" xmlns="" val="617101705"/>
       </p:ext>
     </p:extLst>
   </p:cSld>
@@ -6181,11 +6183,7 @@
             </a:pPr>
             <a:r>
               <a:rPr lang="en-GB" sz="1800" dirty="0" smtClean="0"/>
-              <a:t>Scenario</a:t>
-            </a:r>
-            <a:r>
-              <a:rPr lang="en-GB" sz="1800" dirty="0" smtClean="0"/>
-              <a:t>: a complete game</a:t>
+              <a:t>Scenario: a complete game</a:t>
             </a:r>
           </a:p>
           <a:p>
@@ -6198,7 +6196,15 @@
                   <a:srgbClr val="FF0000"/>
                 </a:solidFill>
               </a:rPr>
-              <a:t>With a game scorer that records pins knocked down</a:t>
+              <a:t>Given a </a:t>
+            </a:r>
+            <a:r>
+              <a:rPr lang="en-GB" sz="1800" dirty="0" smtClean="0">
+                <a:solidFill>
+                  <a:srgbClr val="FF0000"/>
+                </a:solidFill>
+              </a:rPr>
+              <a:t>game scorer that records pins knocked down</a:t>
             </a:r>
           </a:p>
           <a:p>
@@ -6260,7 +6266,15 @@
                   <a:srgbClr val="FF0000"/>
                 </a:solidFill>
               </a:rPr>
-              <a:t>With a game scorer that records pins knocked down</a:t>
+              <a:t>Given a </a:t>
+            </a:r>
+            <a:r>
+              <a:rPr lang="en-GB" sz="1800" dirty="0" smtClean="0">
+                <a:solidFill>
+                  <a:srgbClr val="FF0000"/>
+                </a:solidFill>
+              </a:rPr>
+              <a:t>game scorer that records pins knocked down</a:t>
             </a:r>
           </a:p>
           <a:p>
@@ -6325,7 +6339,7 @@
     </p:spTree>
     <p:extLst>
       <p:ext uri="{BB962C8B-B14F-4D97-AF65-F5344CB8AC3E}">
-        <p14:creationId xmlns:p14="http://schemas.microsoft.com/office/powerpoint/2010/main" val="2989772277"/>
+        <p14:creationId xmlns:p14="http://schemas.microsoft.com/office/powerpoint/2010/main" xmlns="" val="2989772277"/>
       </p:ext>
     </p:extLst>
   </p:cSld>
@@ -6471,7 +6485,7 @@
     </p:spTree>
     <p:extLst>
       <p:ext uri="{BB962C8B-B14F-4D97-AF65-F5344CB8AC3E}">
-        <p14:creationId xmlns:p14="http://schemas.microsoft.com/office/powerpoint/2010/main" val="2902029224"/>
+        <p14:creationId xmlns:p14="http://schemas.microsoft.com/office/powerpoint/2010/main" xmlns="" val="2902029224"/>
       </p:ext>
     </p:extLst>
   </p:cSld>
@@ -6589,20 +6603,20 @@
             </a:pPr>
             <a:r>
               <a:rPr lang="en-GB" sz="1800" dirty="0" smtClean="0"/>
-              <a:t>Scenario</a:t>
-            </a:r>
+              <a:t>Scenario: a complete game</a:t>
+            </a:r>
+          </a:p>
+          <a:p>
+            <a:pPr marL="400050" lvl="1" indent="0">
+              <a:buNone/>
+            </a:pPr>
             <a:r>
               <a:rPr lang="en-GB" sz="1800" dirty="0" smtClean="0"/>
-              <a:t>: a complete game</a:t>
-            </a:r>
-          </a:p>
-          <a:p>
-            <a:pPr marL="400050" lvl="1" indent="0">
-              <a:buNone/>
-            </a:pPr>
+              <a:t>Given a </a:t>
+            </a:r>
             <a:r>
               <a:rPr lang="en-GB" sz="1800" dirty="0" smtClean="0"/>
-              <a:t>With a game scorer that records pins knocked down</a:t>
+              <a:t>game scorer that records pins knocked down</a:t>
             </a:r>
           </a:p>
           <a:p>
@@ -6656,7 +6670,11 @@
             </a:pPr>
             <a:r>
               <a:rPr lang="en-GB" sz="1800" dirty="0" smtClean="0"/>
-              <a:t>With a game scorer that records pins knocked down</a:t>
+              <a:t>Given a </a:t>
+            </a:r>
+            <a:r>
+              <a:rPr lang="en-GB" sz="1800" dirty="0" smtClean="0"/>
+              <a:t>game scorer that records pins knocked down</a:t>
             </a:r>
           </a:p>
           <a:p>
@@ -6741,7 +6759,7 @@
     </p:spTree>
     <p:extLst>
       <p:ext uri="{BB962C8B-B14F-4D97-AF65-F5344CB8AC3E}">
-        <p14:creationId xmlns:p14="http://schemas.microsoft.com/office/powerpoint/2010/main" val="2046335305"/>
+        <p14:creationId xmlns:p14="http://schemas.microsoft.com/office/powerpoint/2010/main" xmlns="" val="2046335305"/>
       </p:ext>
     </p:extLst>
   </p:cSld>
@@ -6859,20 +6877,20 @@
             </a:pPr>
             <a:r>
               <a:rPr lang="en-GB" sz="1800" dirty="0" smtClean="0"/>
-              <a:t>Scenario</a:t>
-            </a:r>
+              <a:t>Scenario: a complete game</a:t>
+            </a:r>
+          </a:p>
+          <a:p>
+            <a:pPr marL="400050" lvl="1" indent="0">
+              <a:buNone/>
+            </a:pPr>
             <a:r>
               <a:rPr lang="en-GB" sz="1800" dirty="0" smtClean="0"/>
-              <a:t>: a complete game</a:t>
-            </a:r>
-          </a:p>
-          <a:p>
-            <a:pPr marL="400050" lvl="1" indent="0">
-              <a:buNone/>
-            </a:pPr>
+              <a:t>Given a </a:t>
+            </a:r>
             <a:r>
               <a:rPr lang="en-GB" sz="1800" dirty="0" smtClean="0"/>
-              <a:t>With a game scorer that records pins knocked down</a:t>
+              <a:t>game scorer that records pins knocked down</a:t>
             </a:r>
           </a:p>
           <a:p>
@@ -6929,7 +6947,11 @@
             </a:pPr>
             <a:r>
               <a:rPr lang="en-GB" sz="1800" dirty="0" smtClean="0"/>
-              <a:t>With a game scorer that records pins knocked down</a:t>
+              <a:t>Given a </a:t>
+            </a:r>
+            <a:r>
+              <a:rPr lang="en-GB" sz="1800" dirty="0" smtClean="0"/>
+              <a:t>game scorer that records pins knocked down</a:t>
             </a:r>
           </a:p>
           <a:p>
@@ -6990,7 +7012,7 @@
     </p:spTree>
     <p:extLst>
       <p:ext uri="{BB962C8B-B14F-4D97-AF65-F5344CB8AC3E}">
-        <p14:creationId xmlns:p14="http://schemas.microsoft.com/office/powerpoint/2010/main" val="2749300182"/>
+        <p14:creationId xmlns:p14="http://schemas.microsoft.com/office/powerpoint/2010/main" xmlns="" val="2749300182"/>
       </p:ext>
     </p:extLst>
   </p:cSld>
@@ -7108,20 +7130,20 @@
             </a:pPr>
             <a:r>
               <a:rPr lang="en-GB" sz="1050" dirty="0" smtClean="0"/>
-              <a:t>Scenario</a:t>
-            </a:r>
+              <a:t>Scenario: a complete game</a:t>
+            </a:r>
+          </a:p>
+          <a:p>
+            <a:pPr marL="400050" lvl="1" indent="0">
+              <a:buNone/>
+            </a:pPr>
             <a:r>
               <a:rPr lang="en-GB" sz="1050" dirty="0" smtClean="0"/>
-              <a:t>: a complete game</a:t>
-            </a:r>
-          </a:p>
-          <a:p>
-            <a:pPr marL="400050" lvl="1" indent="0">
-              <a:buNone/>
-            </a:pPr>
+              <a:t>Given a </a:t>
+            </a:r>
             <a:r>
               <a:rPr lang="en-GB" sz="1050" dirty="0" smtClean="0"/>
-              <a:t>With a game scorer that records pins knocked down</a:t>
+              <a:t>game scorer that records pins knocked down</a:t>
             </a:r>
           </a:p>
           <a:p>
@@ -7170,7 +7192,11 @@
             </a:pPr>
             <a:r>
               <a:rPr lang="en-GB" sz="1050" dirty="0" smtClean="0"/>
-              <a:t>With a game scorer that records pins knocked down</a:t>
+              <a:t>Given a </a:t>
+            </a:r>
+            <a:r>
+              <a:rPr lang="en-GB" sz="1050" dirty="0" smtClean="0"/>
+              <a:t>game scorer that records pins knocked down</a:t>
             </a:r>
           </a:p>
           <a:p>
@@ -7215,7 +7241,11 @@
             </a:pPr>
             <a:r>
               <a:rPr lang="en-GB" sz="1050" dirty="0" smtClean="0"/>
-              <a:t>With a game scorer that records pins knocked down</a:t>
+              <a:t>Given a </a:t>
+            </a:r>
+            <a:r>
+              <a:rPr lang="en-GB" sz="1050" dirty="0" smtClean="0"/>
+              <a:t>game scorer that records pins knocked down</a:t>
             </a:r>
           </a:p>
           <a:p>
@@ -7260,7 +7290,11 @@
             </a:pPr>
             <a:r>
               <a:rPr lang="en-GB" sz="1050" dirty="0" smtClean="0"/>
-              <a:t>With a game scorer that records pins knocked down</a:t>
+              <a:t>Given a </a:t>
+            </a:r>
+            <a:r>
+              <a:rPr lang="en-GB" sz="1050" dirty="0" smtClean="0"/>
+              <a:t>game scorer that records pins knocked down</a:t>
             </a:r>
           </a:p>
           <a:p>
@@ -7322,7 +7356,7 @@
     </p:spTree>
     <p:extLst>
       <p:ext uri="{BB962C8B-B14F-4D97-AF65-F5344CB8AC3E}">
-        <p14:creationId xmlns:p14="http://schemas.microsoft.com/office/powerpoint/2010/main" val="1393512795"/>
+        <p14:creationId xmlns:p14="http://schemas.microsoft.com/office/powerpoint/2010/main" xmlns="" val="1393512795"/>
       </p:ext>
     </p:extLst>
   </p:cSld>
@@ -7440,20 +7474,20 @@
             </a:pPr>
             <a:r>
               <a:rPr lang="en-GB" sz="800" dirty="0" smtClean="0"/>
-              <a:t>Scenario</a:t>
-            </a:r>
+              <a:t>Scenario: a complete game</a:t>
+            </a:r>
+          </a:p>
+          <a:p>
+            <a:pPr marL="400050" lvl="1" indent="0">
+              <a:buNone/>
+            </a:pPr>
             <a:r>
               <a:rPr lang="en-GB" sz="800" dirty="0" smtClean="0"/>
-              <a:t>: a complete game</a:t>
-            </a:r>
-          </a:p>
-          <a:p>
-            <a:pPr marL="400050" lvl="1" indent="0">
-              <a:buNone/>
-            </a:pPr>
+              <a:t>Given a </a:t>
+            </a:r>
             <a:r>
               <a:rPr lang="en-GB" sz="800" dirty="0" smtClean="0"/>
-              <a:t>With a game scorer that records pins knocked down</a:t>
+              <a:t>game scorer that records pins knocked down</a:t>
             </a:r>
           </a:p>
           <a:p>
@@ -7498,7 +7532,11 @@
             </a:pPr>
             <a:r>
               <a:rPr lang="en-GB" sz="800" dirty="0" smtClean="0"/>
-              <a:t>With a game scorer that records pins knocked down</a:t>
+              <a:t>Given a </a:t>
+            </a:r>
+            <a:r>
+              <a:rPr lang="en-GB" sz="800" dirty="0" smtClean="0"/>
+              <a:t>game scorer that records pins knocked down</a:t>
             </a:r>
           </a:p>
           <a:p>
@@ -7543,7 +7581,11 @@
             </a:pPr>
             <a:r>
               <a:rPr lang="en-GB" sz="800" dirty="0" smtClean="0"/>
-              <a:t>With a game scorer that records pins knocked down</a:t>
+              <a:t>Given a </a:t>
+            </a:r>
+            <a:r>
+              <a:rPr lang="en-GB" sz="800" dirty="0" smtClean="0"/>
+              <a:t>game scorer that records pins knocked down</a:t>
             </a:r>
           </a:p>
           <a:p>
@@ -7588,7 +7630,11 @@
             </a:pPr>
             <a:r>
               <a:rPr lang="en-GB" sz="800" dirty="0" smtClean="0"/>
-              <a:t>With a game scorer that records pins knocked down</a:t>
+              <a:t>Given a </a:t>
+            </a:r>
+            <a:r>
+              <a:rPr lang="en-GB" sz="800" dirty="0" smtClean="0"/>
+              <a:t>game scorer that records pins knocked down</a:t>
             </a:r>
           </a:p>
           <a:p>
@@ -7633,7 +7679,11 @@
             </a:pPr>
             <a:r>
               <a:rPr lang="en-GB" sz="800" dirty="0" smtClean="0"/>
-              <a:t>With a game scorer that records pins knocked down</a:t>
+              <a:t>Given a </a:t>
+            </a:r>
+            <a:r>
+              <a:rPr lang="en-GB" sz="800" dirty="0" smtClean="0"/>
+              <a:t>game scorer that records pins knocked down</a:t>
             </a:r>
           </a:p>
           <a:p>
@@ -7678,7 +7728,11 @@
             </a:pPr>
             <a:r>
               <a:rPr lang="en-GB" sz="800" dirty="0" smtClean="0"/>
-              <a:t>With a game scorer that records pins knocked down</a:t>
+              <a:t>Given a </a:t>
+            </a:r>
+            <a:r>
+              <a:rPr lang="en-GB" sz="800" dirty="0" smtClean="0"/>
+              <a:t>game scorer that records pins knocked down</a:t>
             </a:r>
           </a:p>
           <a:p>
@@ -7749,7 +7803,7 @@
     </p:spTree>
     <p:extLst>
       <p:ext uri="{BB962C8B-B14F-4D97-AF65-F5344CB8AC3E}">
-        <p14:creationId xmlns:p14="http://schemas.microsoft.com/office/powerpoint/2010/main" val="3617894392"/>
+        <p14:creationId xmlns:p14="http://schemas.microsoft.com/office/powerpoint/2010/main" xmlns="" val="3617894392"/>
       </p:ext>
     </p:extLst>
   </p:cSld>
@@ -7867,20 +7921,20 @@
             </a:pPr>
             <a:r>
               <a:rPr lang="en-GB" sz="500" dirty="0" smtClean="0"/>
-              <a:t>Scenario</a:t>
-            </a:r>
+              <a:t>Scenario: a complete game</a:t>
+            </a:r>
+          </a:p>
+          <a:p>
+            <a:pPr marL="400050" lvl="1" indent="0">
+              <a:buNone/>
+            </a:pPr>
             <a:r>
               <a:rPr lang="en-GB" sz="500" dirty="0" smtClean="0"/>
-              <a:t>: a complete game</a:t>
-            </a:r>
-          </a:p>
-          <a:p>
-            <a:pPr marL="400050" lvl="1" indent="0">
-              <a:buNone/>
-            </a:pPr>
+              <a:t>Given a </a:t>
+            </a:r>
             <a:r>
               <a:rPr lang="en-GB" sz="500" dirty="0" smtClean="0"/>
-              <a:t>With a game scorer that records pins knocked down</a:t>
+              <a:t>game scorer that records pins knocked down</a:t>
             </a:r>
           </a:p>
           <a:p>
@@ -7925,7 +7979,11 @@
             </a:pPr>
             <a:r>
               <a:rPr lang="en-GB" sz="500" dirty="0" smtClean="0"/>
-              <a:t>With a game scorer that records pins knocked down</a:t>
+              <a:t>Given a </a:t>
+            </a:r>
+            <a:r>
+              <a:rPr lang="en-GB" sz="500" dirty="0" smtClean="0"/>
+              <a:t>game scorer that records pins knocked down</a:t>
             </a:r>
           </a:p>
           <a:p>
@@ -7970,7 +8028,11 @@
             </a:pPr>
             <a:r>
               <a:rPr lang="en-GB" sz="500" dirty="0" smtClean="0"/>
-              <a:t>With a game scorer that records pins knocked down</a:t>
+              <a:t>Given a </a:t>
+            </a:r>
+            <a:r>
+              <a:rPr lang="en-GB" sz="500" dirty="0" smtClean="0"/>
+              <a:t>game scorer that records pins knocked down</a:t>
             </a:r>
           </a:p>
           <a:p>
@@ -8015,7 +8077,11 @@
             </a:pPr>
             <a:r>
               <a:rPr lang="en-GB" sz="500" dirty="0" smtClean="0"/>
-              <a:t>With a game scorer that records pins knocked down</a:t>
+              <a:t>Given a </a:t>
+            </a:r>
+            <a:r>
+              <a:rPr lang="en-GB" sz="500" dirty="0" smtClean="0"/>
+              <a:t>game scorer that records pins knocked down</a:t>
             </a:r>
           </a:p>
           <a:p>
@@ -8060,7 +8126,11 @@
             </a:pPr>
             <a:r>
               <a:rPr lang="en-GB" sz="500" dirty="0" smtClean="0"/>
-              <a:t>With a game scorer that records pins knocked down</a:t>
+              <a:t>Given a </a:t>
+            </a:r>
+            <a:r>
+              <a:rPr lang="en-GB" sz="500" dirty="0" smtClean="0"/>
+              <a:t>game scorer that records pins knocked down</a:t>
             </a:r>
           </a:p>
           <a:p>
@@ -8105,7 +8175,11 @@
             </a:pPr>
             <a:r>
               <a:rPr lang="en-GB" sz="500" dirty="0" smtClean="0"/>
-              <a:t>With a game scorer that records pins knocked down</a:t>
+              <a:t>Given a </a:t>
+            </a:r>
+            <a:r>
+              <a:rPr lang="en-GB" sz="500" dirty="0" smtClean="0"/>
+              <a:t>game scorer that records pins knocked down</a:t>
             </a:r>
           </a:p>
           <a:p>
@@ -8159,7 +8233,11 @@
             </a:pPr>
             <a:r>
               <a:rPr lang="en-GB" sz="500" dirty="0" smtClean="0"/>
-              <a:t>With a game scorer that records pins knocked down</a:t>
+              <a:t>Given a </a:t>
+            </a:r>
+            <a:r>
+              <a:rPr lang="en-GB" sz="500" dirty="0" smtClean="0"/>
+              <a:t>game scorer that records pins knocked down</a:t>
             </a:r>
           </a:p>
           <a:p>
@@ -8204,7 +8282,11 @@
             </a:pPr>
             <a:r>
               <a:rPr lang="en-GB" sz="500" dirty="0" smtClean="0"/>
-              <a:t>With a game scorer that records pins knocked down</a:t>
+              <a:t>Given a </a:t>
+            </a:r>
+            <a:r>
+              <a:rPr lang="en-GB" sz="500" dirty="0" smtClean="0"/>
+              <a:t>game scorer that records pins knocked down</a:t>
             </a:r>
           </a:p>
           <a:p>
@@ -8249,7 +8331,11 @@
             </a:pPr>
             <a:r>
               <a:rPr lang="en-GB" sz="500" dirty="0" smtClean="0"/>
-              <a:t>With a game scorer that records pins knocked down</a:t>
+              <a:t>Given a </a:t>
+            </a:r>
+            <a:r>
+              <a:rPr lang="en-GB" sz="500" dirty="0" smtClean="0"/>
+              <a:t>game scorer that records pins knocked down</a:t>
             </a:r>
           </a:p>
           <a:p>
@@ -8320,7 +8406,7 @@
     </p:spTree>
     <p:extLst>
       <p:ext uri="{BB962C8B-B14F-4D97-AF65-F5344CB8AC3E}">
-        <p14:creationId xmlns:p14="http://schemas.microsoft.com/office/powerpoint/2010/main" val="193543392"/>
+        <p14:creationId xmlns:p14="http://schemas.microsoft.com/office/powerpoint/2010/main" xmlns="" val="193543392"/>
       </p:ext>
     </p:extLst>
   </p:cSld>
@@ -8530,7 +8616,7 @@
     </p:spTree>
     <p:extLst>
       <p:ext uri="{BB962C8B-B14F-4D97-AF65-F5344CB8AC3E}">
-        <p14:creationId xmlns:p14="http://schemas.microsoft.com/office/powerpoint/2010/main" val="2726120088"/>
+        <p14:creationId xmlns:p14="http://schemas.microsoft.com/office/powerpoint/2010/main" xmlns="" val="2726120088"/>
       </p:ext>
     </p:extLst>
   </p:cSld>
@@ -8642,7 +8728,7 @@
     </p:spTree>
     <p:extLst>
       <p:ext uri="{BB962C8B-B14F-4D97-AF65-F5344CB8AC3E}">
-        <p14:creationId xmlns:p14="http://schemas.microsoft.com/office/powerpoint/2010/main" val="4246647249"/>
+        <p14:creationId xmlns:p14="http://schemas.microsoft.com/office/powerpoint/2010/main" xmlns="" val="4246647249"/>
       </p:ext>
     </p:extLst>
   </p:cSld>
@@ -8757,7 +8843,7 @@
     </p:spTree>
     <p:extLst>
       <p:ext uri="{BB962C8B-B14F-4D97-AF65-F5344CB8AC3E}">
-        <p14:creationId xmlns:p14="http://schemas.microsoft.com/office/powerpoint/2010/main" val="1362879128"/>
+        <p14:creationId xmlns:p14="http://schemas.microsoft.com/office/powerpoint/2010/main" xmlns="" val="1362879128"/>
       </p:ext>
     </p:extLst>
   </p:cSld>
@@ -8929,7 +9015,7 @@
     </p:spTree>
     <p:extLst>
       <p:ext uri="{BB962C8B-B14F-4D97-AF65-F5344CB8AC3E}">
-        <p14:creationId xmlns:p14="http://schemas.microsoft.com/office/powerpoint/2010/main" val="735524324"/>
+        <p14:creationId xmlns:p14="http://schemas.microsoft.com/office/powerpoint/2010/main" xmlns="" val="735524324"/>
       </p:ext>
     </p:extLst>
   </p:cSld>
@@ -9095,10 +9181,10 @@
           <p:nvPr/>
         </p:nvPicPr>
         <p:blipFill>
-          <a:blip r:embed="rId2">
+          <a:blip r:embed="rId2" cstate="print">
             <a:extLst>
               <a:ext uri="{28A0092B-C50C-407E-A947-70E740481C1C}">
-                <a14:useLocalDpi xmlns:a14="http://schemas.microsoft.com/office/drawing/2010/main" val="0"/>
+                <a14:useLocalDpi xmlns:a14="http://schemas.microsoft.com/office/drawing/2010/main" xmlns="" val="0"/>
               </a:ext>
             </a:extLst>
           </a:blip>
@@ -9122,14 +9208,14 @@
           <a:effectLst/>
           <a:extLst>
             <a:ext uri="{909E8E84-426E-40DD-AFC4-6F175D3DCCD1}">
-              <a14:hiddenFill xmlns:a14="http://schemas.microsoft.com/office/drawing/2010/main">
+              <a14:hiddenFill xmlns:a14="http://schemas.microsoft.com/office/drawing/2010/main" xmlns="">
                 <a:solidFill>
                   <a:schemeClr val="accent1"/>
                 </a:solidFill>
               </a14:hiddenFill>
             </a:ext>
             <a:ext uri="{91240B29-F687-4F45-9708-019B960494DF}">
-              <a14:hiddenLine xmlns:a14="http://schemas.microsoft.com/office/drawing/2010/main" w="9525">
+              <a14:hiddenLine xmlns:a14="http://schemas.microsoft.com/office/drawing/2010/main" xmlns="" w="9525">
                 <a:solidFill>
                   <a:schemeClr val="tx1"/>
                 </a:solidFill>
@@ -9139,7 +9225,7 @@
               </a14:hiddenLine>
             </a:ext>
             <a:ext uri="{AF507438-7753-43E0-B8FC-AC1667EBCBE1}">
-              <a14:hiddenEffects xmlns:a14="http://schemas.microsoft.com/office/drawing/2010/main">
+              <a14:hiddenEffects xmlns:a14="http://schemas.microsoft.com/office/drawing/2010/main" xmlns="">
                 <a:effectLst>
                   <a:outerShdw dist="35921" dir="2700000" algn="ctr" rotWithShape="0">
                     <a:schemeClr val="bg2"/>
@@ -9153,7 +9239,7 @@
     </p:spTree>
     <p:extLst>
       <p:ext uri="{BB962C8B-B14F-4D97-AF65-F5344CB8AC3E}">
-        <p14:creationId xmlns:p14="http://schemas.microsoft.com/office/powerpoint/2010/main" val="2169281643"/>
+        <p14:creationId xmlns:p14="http://schemas.microsoft.com/office/powerpoint/2010/main" xmlns="" val="2169281643"/>
       </p:ext>
     </p:extLst>
   </p:cSld>
@@ -9254,7 +9340,7 @@
     </p:spTree>
     <p:extLst>
       <p:ext uri="{BB962C8B-B14F-4D97-AF65-F5344CB8AC3E}">
-        <p14:creationId xmlns:p14="http://schemas.microsoft.com/office/powerpoint/2010/main" val="3510737707"/>
+        <p14:creationId xmlns:p14="http://schemas.microsoft.com/office/powerpoint/2010/main" xmlns="" val="3510737707"/>
       </p:ext>
     </p:extLst>
   </p:cSld>
@@ -9402,10 +9488,10 @@
           <p:nvPr/>
         </p:nvPicPr>
         <p:blipFill>
-          <a:blip r:embed="rId2">
+          <a:blip r:embed="rId2" cstate="print">
             <a:extLst>
               <a:ext uri="{28A0092B-C50C-407E-A947-70E740481C1C}">
-                <a14:useLocalDpi xmlns:a14="http://schemas.microsoft.com/office/drawing/2010/main" val="0"/>
+                <a14:useLocalDpi xmlns:a14="http://schemas.microsoft.com/office/drawing/2010/main" xmlns="" val="0"/>
               </a:ext>
             </a:extLst>
           </a:blip>
@@ -9416,7 +9502,7 @@
         </p:blipFill>
         <p:spPr bwMode="auto">
           <a:xfrm>
-            <a:off x="618084" y="836712"/>
+            <a:off x="572319" y="781819"/>
             <a:ext cx="4423410" cy="1427321"/>
           </a:xfrm>
           <a:prstGeom prst="rect">
@@ -9429,14 +9515,14 @@
           <a:effectLst/>
           <a:extLst>
             <a:ext uri="{909E8E84-426E-40DD-AFC4-6F175D3DCCD1}">
-              <a14:hiddenFill xmlns:a14="http://schemas.microsoft.com/office/drawing/2010/main">
+              <a14:hiddenFill xmlns:a14="http://schemas.microsoft.com/office/drawing/2010/main" xmlns="">
                 <a:solidFill>
                   <a:schemeClr val="accent1"/>
                 </a:solidFill>
               </a14:hiddenFill>
             </a:ext>
             <a:ext uri="{91240B29-F687-4F45-9708-019B960494DF}">
-              <a14:hiddenLine xmlns:a14="http://schemas.microsoft.com/office/drawing/2010/main" w="9525">
+              <a14:hiddenLine xmlns:a14="http://schemas.microsoft.com/office/drawing/2010/main" xmlns="" w="9525">
                 <a:solidFill>
                   <a:schemeClr val="tx1"/>
                 </a:solidFill>
@@ -9446,7 +9532,7 @@
               </a14:hiddenLine>
             </a:ext>
             <a:ext uri="{AF507438-7753-43E0-B8FC-AC1667EBCBE1}">
-              <a14:hiddenEffects xmlns:a14="http://schemas.microsoft.com/office/drawing/2010/main">
+              <a14:hiddenEffects xmlns:a14="http://schemas.microsoft.com/office/drawing/2010/main" xmlns="">
                 <a:effectLst>
                   <a:outerShdw dist="35921" dir="2700000" algn="ctr" rotWithShape="0">
                     <a:schemeClr val="bg2"/>
@@ -9460,7 +9546,7 @@
     </p:spTree>
     <p:extLst>
       <p:ext uri="{BB962C8B-B14F-4D97-AF65-F5344CB8AC3E}">
-        <p14:creationId xmlns:p14="http://schemas.microsoft.com/office/powerpoint/2010/main" val="4217163701"/>
+        <p14:creationId xmlns:p14="http://schemas.microsoft.com/office/powerpoint/2010/main" xmlns="" val="4217163701"/>
       </p:ext>
     </p:extLst>
   </p:cSld>
@@ -9593,10 +9679,10 @@
           <p:nvPr/>
         </p:nvPicPr>
         <p:blipFill>
-          <a:blip r:embed="rId2">
+          <a:blip r:embed="rId2" cstate="print">
             <a:extLst>
               <a:ext uri="{28A0092B-C50C-407E-A947-70E740481C1C}">
-                <a14:useLocalDpi xmlns:a14="http://schemas.microsoft.com/office/drawing/2010/main" val="0"/>
+                <a14:useLocalDpi xmlns:a14="http://schemas.microsoft.com/office/drawing/2010/main" xmlns="" val="0"/>
               </a:ext>
             </a:extLst>
           </a:blip>
@@ -9607,7 +9693,7 @@
         </p:blipFill>
         <p:spPr bwMode="auto">
           <a:xfrm>
-            <a:off x="539552" y="836712"/>
+            <a:off x="561776" y="789087"/>
             <a:ext cx="4500563" cy="1427321"/>
           </a:xfrm>
           <a:prstGeom prst="rect">
@@ -9620,14 +9706,14 @@
           <a:effectLst/>
           <a:extLst>
             <a:ext uri="{909E8E84-426E-40DD-AFC4-6F175D3DCCD1}">
-              <a14:hiddenFill xmlns:a14="http://schemas.microsoft.com/office/drawing/2010/main">
+              <a14:hiddenFill xmlns:a14="http://schemas.microsoft.com/office/drawing/2010/main" xmlns="">
                 <a:solidFill>
                   <a:schemeClr val="accent1"/>
                 </a:solidFill>
               </a14:hiddenFill>
             </a:ext>
             <a:ext uri="{91240B29-F687-4F45-9708-019B960494DF}">
-              <a14:hiddenLine xmlns:a14="http://schemas.microsoft.com/office/drawing/2010/main" w="9525">
+              <a14:hiddenLine xmlns:a14="http://schemas.microsoft.com/office/drawing/2010/main" xmlns="" w="9525">
                 <a:solidFill>
                   <a:schemeClr val="tx1"/>
                 </a:solidFill>
@@ -9637,7 +9723,7 @@
               </a14:hiddenLine>
             </a:ext>
             <a:ext uri="{AF507438-7753-43E0-B8FC-AC1667EBCBE1}">
-              <a14:hiddenEffects xmlns:a14="http://schemas.microsoft.com/office/drawing/2010/main">
+              <a14:hiddenEffects xmlns:a14="http://schemas.microsoft.com/office/drawing/2010/main" xmlns="">
                 <a:effectLst>
                   <a:outerShdw dist="35921" dir="2700000" algn="ctr" rotWithShape="0">
                     <a:schemeClr val="bg2"/>
@@ -9651,7 +9737,7 @@
     </p:spTree>
     <p:extLst>
       <p:ext uri="{BB962C8B-B14F-4D97-AF65-F5344CB8AC3E}">
-        <p14:creationId xmlns:p14="http://schemas.microsoft.com/office/powerpoint/2010/main" val="1246242862"/>
+        <p14:creationId xmlns:p14="http://schemas.microsoft.com/office/powerpoint/2010/main" xmlns="" val="1246242862"/>
       </p:ext>
     </p:extLst>
   </p:cSld>
@@ -9784,10 +9870,10 @@
           <p:nvPr/>
         </p:nvPicPr>
         <p:blipFill>
-          <a:blip r:embed="rId2">
+          <a:blip r:embed="rId2" cstate="print">
             <a:extLst>
               <a:ext uri="{28A0092B-C50C-407E-A947-70E740481C1C}">
-                <a14:useLocalDpi xmlns:a14="http://schemas.microsoft.com/office/drawing/2010/main" val="0"/>
+                <a14:useLocalDpi xmlns:a14="http://schemas.microsoft.com/office/drawing/2010/main" xmlns="" val="0"/>
               </a:ext>
             </a:extLst>
           </a:blip>
@@ -9798,7 +9884,7 @@
         </p:blipFill>
         <p:spPr bwMode="auto">
           <a:xfrm>
-            <a:off x="323528" y="764704"/>
+            <a:off x="561653" y="793279"/>
             <a:ext cx="4860608" cy="1877378"/>
           </a:xfrm>
           <a:prstGeom prst="rect">
@@ -9811,14 +9897,14 @@
           <a:effectLst/>
           <a:extLst>
             <a:ext uri="{909E8E84-426E-40DD-AFC4-6F175D3DCCD1}">
-              <a14:hiddenFill xmlns:a14="http://schemas.microsoft.com/office/drawing/2010/main">
+              <a14:hiddenFill xmlns:a14="http://schemas.microsoft.com/office/drawing/2010/main" xmlns="">
                 <a:solidFill>
                   <a:schemeClr val="accent1"/>
                 </a:solidFill>
               </a14:hiddenFill>
             </a:ext>
             <a:ext uri="{91240B29-F687-4F45-9708-019B960494DF}">
-              <a14:hiddenLine xmlns:a14="http://schemas.microsoft.com/office/drawing/2010/main" w="9525">
+              <a14:hiddenLine xmlns:a14="http://schemas.microsoft.com/office/drawing/2010/main" xmlns="" w="9525">
                 <a:solidFill>
                   <a:schemeClr val="tx1"/>
                 </a:solidFill>
@@ -9828,7 +9914,7 @@
               </a14:hiddenLine>
             </a:ext>
             <a:ext uri="{AF507438-7753-43E0-B8FC-AC1667EBCBE1}">
-              <a14:hiddenEffects xmlns:a14="http://schemas.microsoft.com/office/drawing/2010/main">
+              <a14:hiddenEffects xmlns:a14="http://schemas.microsoft.com/office/drawing/2010/main" xmlns="">
                 <a:effectLst>
                   <a:outerShdw dist="35921" dir="2700000" algn="ctr" rotWithShape="0">
                     <a:schemeClr val="bg2"/>
@@ -9842,7 +9928,7 @@
     </p:spTree>
     <p:extLst>
       <p:ext uri="{BB962C8B-B14F-4D97-AF65-F5344CB8AC3E}">
-        <p14:creationId xmlns:p14="http://schemas.microsoft.com/office/powerpoint/2010/main" val="3251587193"/>
+        <p14:creationId xmlns:p14="http://schemas.microsoft.com/office/powerpoint/2010/main" xmlns="" val="3251587193"/>
       </p:ext>
     </p:extLst>
   </p:cSld>
@@ -9970,10 +10056,10 @@
           <p:nvPr/>
         </p:nvPicPr>
         <p:blipFill>
-          <a:blip r:embed="rId2">
+          <a:blip r:embed="rId2" cstate="print">
             <a:extLst>
               <a:ext uri="{28A0092B-C50C-407E-A947-70E740481C1C}">
-                <a14:useLocalDpi xmlns:a14="http://schemas.microsoft.com/office/drawing/2010/main" val="0"/>
+                <a14:useLocalDpi xmlns:a14="http://schemas.microsoft.com/office/drawing/2010/main" xmlns="" val="0"/>
               </a:ext>
             </a:extLst>
           </a:blip>
@@ -9984,7 +10070,7 @@
         </p:blipFill>
         <p:spPr bwMode="auto">
           <a:xfrm>
-            <a:off x="395536" y="764704"/>
+            <a:off x="543694" y="787921"/>
             <a:ext cx="4539139" cy="2263140"/>
           </a:xfrm>
           <a:prstGeom prst="rect">
@@ -9997,14 +10083,14 @@
           <a:effectLst/>
           <a:extLst>
             <a:ext uri="{909E8E84-426E-40DD-AFC4-6F175D3DCCD1}">
-              <a14:hiddenFill xmlns:a14="http://schemas.microsoft.com/office/drawing/2010/main">
+              <a14:hiddenFill xmlns:a14="http://schemas.microsoft.com/office/drawing/2010/main" xmlns="">
                 <a:solidFill>
                   <a:schemeClr val="accent1"/>
                 </a:solidFill>
               </a14:hiddenFill>
             </a:ext>
             <a:ext uri="{91240B29-F687-4F45-9708-019B960494DF}">
-              <a14:hiddenLine xmlns:a14="http://schemas.microsoft.com/office/drawing/2010/main" w="9525">
+              <a14:hiddenLine xmlns:a14="http://schemas.microsoft.com/office/drawing/2010/main" xmlns="" w="9525">
                 <a:solidFill>
                   <a:schemeClr val="tx1"/>
                 </a:solidFill>
@@ -10014,7 +10100,7 @@
               </a14:hiddenLine>
             </a:ext>
             <a:ext uri="{AF507438-7753-43E0-B8FC-AC1667EBCBE1}">
-              <a14:hiddenEffects xmlns:a14="http://schemas.microsoft.com/office/drawing/2010/main">
+              <a14:hiddenEffects xmlns:a14="http://schemas.microsoft.com/office/drawing/2010/main" xmlns="">
                 <a:effectLst>
                   <a:outerShdw dist="35921" dir="2700000" algn="ctr" rotWithShape="0">
                     <a:schemeClr val="bg2"/>
@@ -10028,7 +10114,7 @@
     </p:spTree>
     <p:extLst>
       <p:ext uri="{BB962C8B-B14F-4D97-AF65-F5344CB8AC3E}">
-        <p14:creationId xmlns:p14="http://schemas.microsoft.com/office/powerpoint/2010/main" val="4031251333"/>
+        <p14:creationId xmlns:p14="http://schemas.microsoft.com/office/powerpoint/2010/main" xmlns="" val="4031251333"/>
       </p:ext>
     </p:extLst>
   </p:cSld>
@@ -10156,10 +10242,10 @@
           <p:nvPr/>
         </p:nvPicPr>
         <p:blipFill>
-          <a:blip r:embed="rId2">
+          <a:blip r:embed="rId2" cstate="print">
             <a:extLst>
               <a:ext uri="{28A0092B-C50C-407E-A947-70E740481C1C}">
-                <a14:useLocalDpi xmlns:a14="http://schemas.microsoft.com/office/drawing/2010/main" val="0"/>
+                <a14:useLocalDpi xmlns:a14="http://schemas.microsoft.com/office/drawing/2010/main" xmlns="" val="0"/>
               </a:ext>
             </a:extLst>
           </a:blip>
@@ -10170,7 +10256,7 @@
         </p:blipFill>
         <p:spPr bwMode="auto">
           <a:xfrm>
-            <a:off x="467544" y="836712"/>
+            <a:off x="553269" y="798612"/>
             <a:ext cx="4436269" cy="2481739"/>
           </a:xfrm>
           <a:prstGeom prst="rect">
@@ -10183,14 +10269,14 @@
           <a:effectLst/>
           <a:extLst>
             <a:ext uri="{909E8E84-426E-40DD-AFC4-6F175D3DCCD1}">
-              <a14:hiddenFill xmlns:a14="http://schemas.microsoft.com/office/drawing/2010/main">
+              <a14:hiddenFill xmlns:a14="http://schemas.microsoft.com/office/drawing/2010/main" xmlns="">
                 <a:solidFill>
                   <a:schemeClr val="accent1"/>
                 </a:solidFill>
               </a14:hiddenFill>
             </a:ext>
             <a:ext uri="{91240B29-F687-4F45-9708-019B960494DF}">
-              <a14:hiddenLine xmlns:a14="http://schemas.microsoft.com/office/drawing/2010/main" w="9525">
+              <a14:hiddenLine xmlns:a14="http://schemas.microsoft.com/office/drawing/2010/main" xmlns="" w="9525">
                 <a:solidFill>
                   <a:schemeClr val="tx1"/>
                 </a:solidFill>
@@ -10200,7 +10286,7 @@
               </a14:hiddenLine>
             </a:ext>
             <a:ext uri="{AF507438-7753-43E0-B8FC-AC1667EBCBE1}">
-              <a14:hiddenEffects xmlns:a14="http://schemas.microsoft.com/office/drawing/2010/main">
+              <a14:hiddenEffects xmlns:a14="http://schemas.microsoft.com/office/drawing/2010/main" xmlns="">
                 <a:effectLst>
                   <a:outerShdw dist="35921" dir="2700000" algn="ctr" rotWithShape="0">
                     <a:schemeClr val="bg2"/>
@@ -10214,7 +10300,7 @@
     </p:spTree>
     <p:extLst>
       <p:ext uri="{BB962C8B-B14F-4D97-AF65-F5344CB8AC3E}">
-        <p14:creationId xmlns:p14="http://schemas.microsoft.com/office/powerpoint/2010/main" val="4243782123"/>
+        <p14:creationId xmlns:p14="http://schemas.microsoft.com/office/powerpoint/2010/main" xmlns="" val="4243782123"/>
       </p:ext>
     </p:extLst>
   </p:cSld>
@@ -10342,10 +10428,10 @@
           <p:nvPr/>
         </p:nvPicPr>
         <p:blipFill>
-          <a:blip r:embed="rId2">
+          <a:blip r:embed="rId2" cstate="print">
             <a:extLst>
               <a:ext uri="{28A0092B-C50C-407E-A947-70E740481C1C}">
-                <a14:useLocalDpi xmlns:a14="http://schemas.microsoft.com/office/drawing/2010/main" val="0"/>
+                <a14:useLocalDpi xmlns:a14="http://schemas.microsoft.com/office/drawing/2010/main" xmlns="" val="0"/>
               </a:ext>
             </a:extLst>
           </a:blip>
@@ -10356,7 +10442,7 @@
         </p:blipFill>
         <p:spPr bwMode="auto">
           <a:xfrm>
-            <a:off x="395536" y="908720"/>
+            <a:off x="538411" y="794420"/>
             <a:ext cx="7290911" cy="2661761"/>
           </a:xfrm>
           <a:prstGeom prst="rect">
@@ -10369,14 +10455,14 @@
           <a:effectLst/>
           <a:extLst>
             <a:ext uri="{909E8E84-426E-40DD-AFC4-6F175D3DCCD1}">
-              <a14:hiddenFill xmlns:a14="http://schemas.microsoft.com/office/drawing/2010/main">
+              <a14:hiddenFill xmlns:a14="http://schemas.microsoft.com/office/drawing/2010/main" xmlns="">
                 <a:solidFill>
                   <a:schemeClr val="accent1"/>
                 </a:solidFill>
               </a14:hiddenFill>
             </a:ext>
             <a:ext uri="{91240B29-F687-4F45-9708-019B960494DF}">
-              <a14:hiddenLine xmlns:a14="http://schemas.microsoft.com/office/drawing/2010/main" w="9525">
+              <a14:hiddenLine xmlns:a14="http://schemas.microsoft.com/office/drawing/2010/main" xmlns="" w="9525">
                 <a:solidFill>
                   <a:schemeClr val="tx1"/>
                 </a:solidFill>
@@ -10386,7 +10472,7 @@
               </a14:hiddenLine>
             </a:ext>
             <a:ext uri="{AF507438-7753-43E0-B8FC-AC1667EBCBE1}">
-              <a14:hiddenEffects xmlns:a14="http://schemas.microsoft.com/office/drawing/2010/main">
+              <a14:hiddenEffects xmlns:a14="http://schemas.microsoft.com/office/drawing/2010/main" xmlns="">
                 <a:effectLst>
                   <a:outerShdw dist="35921" dir="2700000" algn="ctr" rotWithShape="0">
                     <a:schemeClr val="bg2"/>
@@ -10400,7 +10486,7 @@
     </p:spTree>
     <p:extLst>
       <p:ext uri="{BB962C8B-B14F-4D97-AF65-F5344CB8AC3E}">
-        <p14:creationId xmlns:p14="http://schemas.microsoft.com/office/powerpoint/2010/main" val="1298826133"/>
+        <p14:creationId xmlns:p14="http://schemas.microsoft.com/office/powerpoint/2010/main" xmlns="" val="1298826133"/>
       </p:ext>
     </p:extLst>
   </p:cSld>
@@ -10553,10 +10639,10 @@
           <p:nvPr/>
         </p:nvPicPr>
         <p:blipFill>
-          <a:blip r:embed="rId2">
+          <a:blip r:embed="rId2" cstate="print">
             <a:extLst>
               <a:ext uri="{28A0092B-C50C-407E-A947-70E740481C1C}">
-                <a14:useLocalDpi xmlns:a14="http://schemas.microsoft.com/office/drawing/2010/main" val="0"/>
+                <a14:useLocalDpi xmlns:a14="http://schemas.microsoft.com/office/drawing/2010/main" xmlns="" val="0"/>
               </a:ext>
             </a:extLst>
           </a:blip>
@@ -10567,7 +10653,7 @@
         </p:blipFill>
         <p:spPr bwMode="auto">
           <a:xfrm>
-            <a:off x="467544" y="908720"/>
+            <a:off x="551706" y="788288"/>
             <a:ext cx="7586663" cy="2674620"/>
           </a:xfrm>
           <a:prstGeom prst="rect">
@@ -10580,14 +10666,14 @@
           <a:effectLst/>
           <a:extLst>
             <a:ext uri="{909E8E84-426E-40DD-AFC4-6F175D3DCCD1}">
-              <a14:hiddenFill xmlns:a14="http://schemas.microsoft.com/office/drawing/2010/main">
+              <a14:hiddenFill xmlns:a14="http://schemas.microsoft.com/office/drawing/2010/main" xmlns="">
                 <a:solidFill>
                   <a:schemeClr val="accent1"/>
                 </a:solidFill>
               </a14:hiddenFill>
             </a:ext>
             <a:ext uri="{91240B29-F687-4F45-9708-019B960494DF}">
-              <a14:hiddenLine xmlns:a14="http://schemas.microsoft.com/office/drawing/2010/main" w="9525">
+              <a14:hiddenLine xmlns:a14="http://schemas.microsoft.com/office/drawing/2010/main" xmlns="" w="9525">
                 <a:solidFill>
                   <a:schemeClr val="tx1"/>
                 </a:solidFill>
@@ -10597,7 +10683,7 @@
               </a14:hiddenLine>
             </a:ext>
             <a:ext uri="{AF507438-7753-43E0-B8FC-AC1667EBCBE1}">
-              <a14:hiddenEffects xmlns:a14="http://schemas.microsoft.com/office/drawing/2010/main">
+              <a14:hiddenEffects xmlns:a14="http://schemas.microsoft.com/office/drawing/2010/main" xmlns="">
                 <a:effectLst>
                   <a:outerShdw dist="35921" dir="2700000" algn="ctr" rotWithShape="0">
                     <a:schemeClr val="bg2"/>
@@ -10611,7 +10697,7 @@
     </p:spTree>
     <p:extLst>
       <p:ext uri="{BB962C8B-B14F-4D97-AF65-F5344CB8AC3E}">
-        <p14:creationId xmlns:p14="http://schemas.microsoft.com/office/powerpoint/2010/main" val="2287349257"/>
+        <p14:creationId xmlns:p14="http://schemas.microsoft.com/office/powerpoint/2010/main" xmlns="" val="2287349257"/>
       </p:ext>
     </p:extLst>
   </p:cSld>
@@ -10744,10 +10830,10 @@
           <p:nvPr/>
         </p:nvPicPr>
         <p:blipFill>
-          <a:blip r:embed="rId2">
+          <a:blip r:embed="rId2" cstate="print">
             <a:extLst>
               <a:ext uri="{28A0092B-C50C-407E-A947-70E740481C1C}">
-                <a14:useLocalDpi xmlns:a14="http://schemas.microsoft.com/office/drawing/2010/main" val="0"/>
+                <a14:useLocalDpi xmlns:a14="http://schemas.microsoft.com/office/drawing/2010/main" xmlns="" val="0"/>
               </a:ext>
             </a:extLst>
           </a:blip>
@@ -10758,7 +10844,7 @@
         </p:blipFill>
         <p:spPr bwMode="auto">
           <a:xfrm>
-            <a:off x="467544" y="908720"/>
+            <a:off x="553269" y="803945"/>
             <a:ext cx="7650956" cy="4243388"/>
           </a:xfrm>
           <a:prstGeom prst="rect">
@@ -10771,14 +10857,14 @@
           <a:effectLst/>
           <a:extLst>
             <a:ext uri="{909E8E84-426E-40DD-AFC4-6F175D3DCCD1}">
-              <a14:hiddenFill xmlns:a14="http://schemas.microsoft.com/office/drawing/2010/main">
+              <a14:hiddenFill xmlns:a14="http://schemas.microsoft.com/office/drawing/2010/main" xmlns="">
                 <a:solidFill>
                   <a:schemeClr val="accent1"/>
                 </a:solidFill>
               </a14:hiddenFill>
             </a:ext>
             <a:ext uri="{91240B29-F687-4F45-9708-019B960494DF}">
-              <a14:hiddenLine xmlns:a14="http://schemas.microsoft.com/office/drawing/2010/main" w="9525">
+              <a14:hiddenLine xmlns:a14="http://schemas.microsoft.com/office/drawing/2010/main" xmlns="" w="9525">
                 <a:solidFill>
                   <a:schemeClr val="tx1"/>
                 </a:solidFill>
@@ -10788,7 +10874,7 @@
               </a14:hiddenLine>
             </a:ext>
             <a:ext uri="{AF507438-7753-43E0-B8FC-AC1667EBCBE1}">
-              <a14:hiddenEffects xmlns:a14="http://schemas.microsoft.com/office/drawing/2010/main">
+              <a14:hiddenEffects xmlns:a14="http://schemas.microsoft.com/office/drawing/2010/main" xmlns="">
                 <a:effectLst>
                   <a:outerShdw dist="35921" dir="2700000" algn="ctr" rotWithShape="0">
                     <a:schemeClr val="bg2"/>
@@ -10802,7 +10888,7 @@
     </p:spTree>
     <p:extLst>
       <p:ext uri="{BB962C8B-B14F-4D97-AF65-F5344CB8AC3E}">
-        <p14:creationId xmlns:p14="http://schemas.microsoft.com/office/powerpoint/2010/main" val="2980929168"/>
+        <p14:creationId xmlns:p14="http://schemas.microsoft.com/office/powerpoint/2010/main" xmlns="" val="2980929168"/>
       </p:ext>
     </p:extLst>
   </p:cSld>
@@ -10935,10 +11021,10 @@
           <p:nvPr/>
         </p:nvPicPr>
         <p:blipFill>
-          <a:blip r:embed="rId2">
+          <a:blip r:embed="rId2" cstate="print">
             <a:extLst>
               <a:ext uri="{28A0092B-C50C-407E-A947-70E740481C1C}">
-                <a14:useLocalDpi xmlns:a14="http://schemas.microsoft.com/office/drawing/2010/main" val="0"/>
+                <a14:useLocalDpi xmlns:a14="http://schemas.microsoft.com/office/drawing/2010/main" xmlns="" val="0"/>
               </a:ext>
             </a:extLst>
           </a:blip>
@@ -10962,14 +11048,14 @@
           <a:effectLst/>
           <a:extLst>
             <a:ext uri="{909E8E84-426E-40DD-AFC4-6F175D3DCCD1}">
-              <a14:hiddenFill xmlns:a14="http://schemas.microsoft.com/office/drawing/2010/main">
+              <a14:hiddenFill xmlns:a14="http://schemas.microsoft.com/office/drawing/2010/main" xmlns="">
                 <a:solidFill>
                   <a:schemeClr val="accent1"/>
                 </a:solidFill>
               </a14:hiddenFill>
             </a:ext>
             <a:ext uri="{91240B29-F687-4F45-9708-019B960494DF}">
-              <a14:hiddenLine xmlns:a14="http://schemas.microsoft.com/office/drawing/2010/main" w="9525">
+              <a14:hiddenLine xmlns:a14="http://schemas.microsoft.com/office/drawing/2010/main" xmlns="" w="9525">
                 <a:solidFill>
                   <a:schemeClr val="tx1"/>
                 </a:solidFill>
@@ -10979,7 +11065,7 @@
               </a14:hiddenLine>
             </a:ext>
             <a:ext uri="{AF507438-7753-43E0-B8FC-AC1667EBCBE1}">
-              <a14:hiddenEffects xmlns:a14="http://schemas.microsoft.com/office/drawing/2010/main">
+              <a14:hiddenEffects xmlns:a14="http://schemas.microsoft.com/office/drawing/2010/main" xmlns="">
                 <a:effectLst>
                   <a:outerShdw dist="35921" dir="2700000" algn="ctr" rotWithShape="0">
                     <a:schemeClr val="bg2"/>
@@ -10993,7 +11079,7 @@
     </p:spTree>
     <p:extLst>
       <p:ext uri="{BB962C8B-B14F-4D97-AF65-F5344CB8AC3E}">
-        <p14:creationId xmlns:p14="http://schemas.microsoft.com/office/powerpoint/2010/main" val="722488595"/>
+        <p14:creationId xmlns:p14="http://schemas.microsoft.com/office/powerpoint/2010/main" xmlns="" val="722488595"/>
       </p:ext>
     </p:extLst>
   </p:cSld>
@@ -11126,10 +11212,10 @@
           <p:nvPr/>
         </p:nvPicPr>
         <p:blipFill>
-          <a:blip r:embed="rId2">
+          <a:blip r:embed="rId2" cstate="print">
             <a:extLst>
               <a:ext uri="{28A0092B-C50C-407E-A947-70E740481C1C}">
-                <a14:useLocalDpi xmlns:a14="http://schemas.microsoft.com/office/drawing/2010/main" val="0"/>
+                <a14:useLocalDpi xmlns:a14="http://schemas.microsoft.com/office/drawing/2010/main" xmlns="" val="0"/>
               </a:ext>
             </a:extLst>
           </a:blip>
@@ -11140,7 +11226,7 @@
         </p:blipFill>
         <p:spPr bwMode="auto">
           <a:xfrm>
-            <a:off x="716955" y="1484784"/>
+            <a:off x="837109" y="1951881"/>
             <a:ext cx="3278981" cy="810101"/>
           </a:xfrm>
           <a:prstGeom prst="rect">
@@ -11153,14 +11239,14 @@
           <a:effectLst/>
           <a:extLst>
             <a:ext uri="{909E8E84-426E-40DD-AFC4-6F175D3DCCD1}">
-              <a14:hiddenFill xmlns:a14="http://schemas.microsoft.com/office/drawing/2010/main">
+              <a14:hiddenFill xmlns:a14="http://schemas.microsoft.com/office/drawing/2010/main" xmlns="">
                 <a:solidFill>
                   <a:schemeClr val="accent1"/>
                 </a:solidFill>
               </a14:hiddenFill>
             </a:ext>
             <a:ext uri="{91240B29-F687-4F45-9708-019B960494DF}">
-              <a14:hiddenLine xmlns:a14="http://schemas.microsoft.com/office/drawing/2010/main" w="9525">
+              <a14:hiddenLine xmlns:a14="http://schemas.microsoft.com/office/drawing/2010/main" xmlns="" w="9525">
                 <a:solidFill>
                   <a:schemeClr val="tx1"/>
                 </a:solidFill>
@@ -11170,7 +11256,7 @@
               </a14:hiddenLine>
             </a:ext>
             <a:ext uri="{AF507438-7753-43E0-B8FC-AC1667EBCBE1}">
-              <a14:hiddenEffects xmlns:a14="http://schemas.microsoft.com/office/drawing/2010/main">
+              <a14:hiddenEffects xmlns:a14="http://schemas.microsoft.com/office/drawing/2010/main" xmlns="">
                 <a:effectLst>
                   <a:outerShdw dist="35921" dir="2700000" algn="ctr" rotWithShape="0">
                     <a:schemeClr val="bg2"/>
@@ -11184,7 +11270,7 @@
     </p:spTree>
     <p:extLst>
       <p:ext uri="{BB962C8B-B14F-4D97-AF65-F5344CB8AC3E}">
-        <p14:creationId xmlns:p14="http://schemas.microsoft.com/office/powerpoint/2010/main" val="3979580364"/>
+        <p14:creationId xmlns:p14="http://schemas.microsoft.com/office/powerpoint/2010/main" xmlns="" val="3979580364"/>
       </p:ext>
     </p:extLst>
   </p:cSld>
@@ -11357,7 +11443,7 @@
     </p:spTree>
     <p:extLst>
       <p:ext uri="{BB962C8B-B14F-4D97-AF65-F5344CB8AC3E}">
-        <p14:creationId xmlns:p14="http://schemas.microsoft.com/office/powerpoint/2010/main" val="3304284056"/>
+        <p14:creationId xmlns:p14="http://schemas.microsoft.com/office/powerpoint/2010/main" xmlns="" val="3304284056"/>
       </p:ext>
     </p:extLst>
   </p:cSld>
@@ -11495,10 +11581,10 @@
           <p:nvPr/>
         </p:nvPicPr>
         <p:blipFill>
-          <a:blip r:embed="rId2">
+          <a:blip r:embed="rId2" cstate="print">
             <a:extLst>
               <a:ext uri="{28A0092B-C50C-407E-A947-70E740481C1C}">
-                <a14:useLocalDpi xmlns:a14="http://schemas.microsoft.com/office/drawing/2010/main" val="0"/>
+                <a14:useLocalDpi xmlns:a14="http://schemas.microsoft.com/office/drawing/2010/main" xmlns="" val="0"/>
               </a:ext>
             </a:extLst>
           </a:blip>
@@ -11509,7 +11595,7 @@
         </p:blipFill>
         <p:spPr bwMode="auto">
           <a:xfrm>
-            <a:off x="683568" y="1268760"/>
+            <a:off x="807393" y="1725960"/>
             <a:ext cx="3394710" cy="1067276"/>
           </a:xfrm>
           <a:prstGeom prst="rect">
@@ -11522,14 +11608,14 @@
           <a:effectLst/>
           <a:extLst>
             <a:ext uri="{909E8E84-426E-40DD-AFC4-6F175D3DCCD1}">
-              <a14:hiddenFill xmlns:a14="http://schemas.microsoft.com/office/drawing/2010/main">
+              <a14:hiddenFill xmlns:a14="http://schemas.microsoft.com/office/drawing/2010/main" xmlns="">
                 <a:solidFill>
                   <a:schemeClr val="accent1"/>
                 </a:solidFill>
               </a14:hiddenFill>
             </a:ext>
             <a:ext uri="{91240B29-F687-4F45-9708-019B960494DF}">
-              <a14:hiddenLine xmlns:a14="http://schemas.microsoft.com/office/drawing/2010/main" w="9525">
+              <a14:hiddenLine xmlns:a14="http://schemas.microsoft.com/office/drawing/2010/main" xmlns="" w="9525">
                 <a:solidFill>
                   <a:schemeClr val="tx1"/>
                 </a:solidFill>
@@ -11539,7 +11625,7 @@
               </a14:hiddenLine>
             </a:ext>
             <a:ext uri="{AF507438-7753-43E0-B8FC-AC1667EBCBE1}">
-              <a14:hiddenEffects xmlns:a14="http://schemas.microsoft.com/office/drawing/2010/main">
+              <a14:hiddenEffects xmlns:a14="http://schemas.microsoft.com/office/drawing/2010/main" xmlns="">
                 <a:effectLst>
                   <a:outerShdw dist="35921" dir="2700000" algn="ctr" rotWithShape="0">
                     <a:schemeClr val="bg2"/>
@@ -11553,7 +11639,7 @@
     </p:spTree>
     <p:extLst>
       <p:ext uri="{BB962C8B-B14F-4D97-AF65-F5344CB8AC3E}">
-        <p14:creationId xmlns:p14="http://schemas.microsoft.com/office/powerpoint/2010/main" val="2553497530"/>
+        <p14:creationId xmlns:p14="http://schemas.microsoft.com/office/powerpoint/2010/main" xmlns="" val="2553497530"/>
       </p:ext>
     </p:extLst>
   </p:cSld>
@@ -11691,10 +11777,10 @@
           <p:nvPr/>
         </p:nvPicPr>
         <p:blipFill>
-          <a:blip r:embed="rId2">
+          <a:blip r:embed="rId2" cstate="print">
             <a:extLst>
               <a:ext uri="{28A0092B-C50C-407E-A947-70E740481C1C}">
-                <a14:useLocalDpi xmlns:a14="http://schemas.microsoft.com/office/drawing/2010/main" val="0"/>
+                <a14:useLocalDpi xmlns:a14="http://schemas.microsoft.com/office/drawing/2010/main" xmlns="" val="0"/>
               </a:ext>
             </a:extLst>
           </a:blip>
@@ -11705,7 +11791,7 @@
         </p:blipFill>
         <p:spPr bwMode="auto">
           <a:xfrm>
-            <a:off x="683568" y="1340768"/>
+            <a:off x="835968" y="1731293"/>
             <a:ext cx="4269105" cy="1067276"/>
           </a:xfrm>
           <a:prstGeom prst="rect">
@@ -11718,14 +11804,14 @@
           <a:effectLst/>
           <a:extLst>
             <a:ext uri="{909E8E84-426E-40DD-AFC4-6F175D3DCCD1}">
-              <a14:hiddenFill xmlns:a14="http://schemas.microsoft.com/office/drawing/2010/main">
+              <a14:hiddenFill xmlns:a14="http://schemas.microsoft.com/office/drawing/2010/main" xmlns="">
                 <a:solidFill>
                   <a:schemeClr val="accent1"/>
                 </a:solidFill>
               </a14:hiddenFill>
             </a:ext>
             <a:ext uri="{91240B29-F687-4F45-9708-019B960494DF}">
-              <a14:hiddenLine xmlns:a14="http://schemas.microsoft.com/office/drawing/2010/main" w="9525">
+              <a14:hiddenLine xmlns:a14="http://schemas.microsoft.com/office/drawing/2010/main" xmlns="" w="9525">
                 <a:solidFill>
                   <a:schemeClr val="tx1"/>
                 </a:solidFill>
@@ -11735,7 +11821,7 @@
               </a14:hiddenLine>
             </a:ext>
             <a:ext uri="{AF507438-7753-43E0-B8FC-AC1667EBCBE1}">
-              <a14:hiddenEffects xmlns:a14="http://schemas.microsoft.com/office/drawing/2010/main">
+              <a14:hiddenEffects xmlns:a14="http://schemas.microsoft.com/office/drawing/2010/main" xmlns="">
                 <a:effectLst>
                   <a:outerShdw dist="35921" dir="2700000" algn="ctr" rotWithShape="0">
                     <a:schemeClr val="bg2"/>
@@ -11749,7 +11835,7 @@
     </p:spTree>
     <p:extLst>
       <p:ext uri="{BB962C8B-B14F-4D97-AF65-F5344CB8AC3E}">
-        <p14:creationId xmlns:p14="http://schemas.microsoft.com/office/powerpoint/2010/main" val="887722126"/>
+        <p14:creationId xmlns:p14="http://schemas.microsoft.com/office/powerpoint/2010/main" xmlns="" val="887722126"/>
       </p:ext>
     </p:extLst>
   </p:cSld>
@@ -11882,10 +11968,10 @@
           <p:nvPr/>
         </p:nvPicPr>
         <p:blipFill>
-          <a:blip r:embed="rId2">
+          <a:blip r:embed="rId2" cstate="print">
             <a:extLst>
               <a:ext uri="{28A0092B-C50C-407E-A947-70E740481C1C}">
-                <a14:useLocalDpi xmlns:a14="http://schemas.microsoft.com/office/drawing/2010/main" val="0"/>
+                <a14:useLocalDpi xmlns:a14="http://schemas.microsoft.com/office/drawing/2010/main" xmlns="" val="0"/>
               </a:ext>
             </a:extLst>
           </a:blip>
@@ -11909,14 +11995,14 @@
           <a:effectLst/>
           <a:extLst>
             <a:ext uri="{909E8E84-426E-40DD-AFC4-6F175D3DCCD1}">
-              <a14:hiddenFill xmlns:a14="http://schemas.microsoft.com/office/drawing/2010/main">
+              <a14:hiddenFill xmlns:a14="http://schemas.microsoft.com/office/drawing/2010/main" xmlns="">
                 <a:solidFill>
                   <a:schemeClr val="accent1"/>
                 </a:solidFill>
               </a14:hiddenFill>
             </a:ext>
             <a:ext uri="{91240B29-F687-4F45-9708-019B960494DF}">
-              <a14:hiddenLine xmlns:a14="http://schemas.microsoft.com/office/drawing/2010/main" w="9525">
+              <a14:hiddenLine xmlns:a14="http://schemas.microsoft.com/office/drawing/2010/main" xmlns="" w="9525">
                 <a:solidFill>
                   <a:schemeClr val="tx1"/>
                 </a:solidFill>
@@ -11926,7 +12012,7 @@
               </a14:hiddenLine>
             </a:ext>
             <a:ext uri="{AF507438-7753-43E0-B8FC-AC1667EBCBE1}">
-              <a14:hiddenEffects xmlns:a14="http://schemas.microsoft.com/office/drawing/2010/main">
+              <a14:hiddenEffects xmlns:a14="http://schemas.microsoft.com/office/drawing/2010/main" xmlns="">
                 <a:effectLst>
                   <a:outerShdw dist="35921" dir="2700000" algn="ctr" rotWithShape="0">
                     <a:schemeClr val="bg2"/>
@@ -11940,7 +12026,7 @@
     </p:spTree>
     <p:extLst>
       <p:ext uri="{BB962C8B-B14F-4D97-AF65-F5344CB8AC3E}">
-        <p14:creationId xmlns:p14="http://schemas.microsoft.com/office/powerpoint/2010/main" val="4120422303"/>
+        <p14:creationId xmlns:p14="http://schemas.microsoft.com/office/powerpoint/2010/main" xmlns="" val="4120422303"/>
       </p:ext>
     </p:extLst>
   </p:cSld>
@@ -12158,10 +12244,10 @@
           <p:nvPr/>
         </p:nvPicPr>
         <p:blipFill>
-          <a:blip r:embed="rId2">
+          <a:blip r:embed="rId2" cstate="print">
             <a:extLst>
               <a:ext uri="{28A0092B-C50C-407E-A947-70E740481C1C}">
-                <a14:useLocalDpi xmlns:a14="http://schemas.microsoft.com/office/drawing/2010/main" val="0"/>
+                <a14:useLocalDpi xmlns:a14="http://schemas.microsoft.com/office/drawing/2010/main" xmlns="" val="0"/>
               </a:ext>
             </a:extLst>
           </a:blip>
@@ -12172,7 +12258,7 @@
         </p:blipFill>
         <p:spPr bwMode="auto">
           <a:xfrm>
-            <a:off x="539552" y="1268760"/>
+            <a:off x="558602" y="1211610"/>
             <a:ext cx="7959566" cy="2674620"/>
           </a:xfrm>
           <a:prstGeom prst="rect">
@@ -12185,14 +12271,14 @@
           <a:effectLst/>
           <a:extLst>
             <a:ext uri="{909E8E84-426E-40DD-AFC4-6F175D3DCCD1}">
-              <a14:hiddenFill xmlns:a14="http://schemas.microsoft.com/office/drawing/2010/main">
+              <a14:hiddenFill xmlns:a14="http://schemas.microsoft.com/office/drawing/2010/main" xmlns="">
                 <a:solidFill>
                   <a:schemeClr val="accent1"/>
                 </a:solidFill>
               </a14:hiddenFill>
             </a:ext>
             <a:ext uri="{91240B29-F687-4F45-9708-019B960494DF}">
-              <a14:hiddenLine xmlns:a14="http://schemas.microsoft.com/office/drawing/2010/main" w="9525">
+              <a14:hiddenLine xmlns:a14="http://schemas.microsoft.com/office/drawing/2010/main" xmlns="" w="9525">
                 <a:solidFill>
                   <a:schemeClr val="tx1"/>
                 </a:solidFill>
@@ -12202,7 +12288,7 @@
               </a14:hiddenLine>
             </a:ext>
             <a:ext uri="{AF507438-7753-43E0-B8FC-AC1667EBCBE1}">
-              <a14:hiddenEffects xmlns:a14="http://schemas.microsoft.com/office/drawing/2010/main">
+              <a14:hiddenEffects xmlns:a14="http://schemas.microsoft.com/office/drawing/2010/main" xmlns="">
                 <a:effectLst>
                   <a:outerShdw dist="35921" dir="2700000" algn="ctr" rotWithShape="0">
                     <a:schemeClr val="bg2"/>
@@ -12216,7 +12302,7 @@
     </p:spTree>
     <p:extLst>
       <p:ext uri="{BB962C8B-B14F-4D97-AF65-F5344CB8AC3E}">
-        <p14:creationId xmlns:p14="http://schemas.microsoft.com/office/powerpoint/2010/main" val="3466192573"/>
+        <p14:creationId xmlns:p14="http://schemas.microsoft.com/office/powerpoint/2010/main" xmlns="" val="3466192573"/>
       </p:ext>
     </p:extLst>
   </p:cSld>
@@ -12395,10 +12481,10 @@
           <p:nvPr/>
         </p:nvPicPr>
         <p:blipFill>
-          <a:blip r:embed="rId2">
+          <a:blip r:embed="rId2" cstate="print">
             <a:extLst>
               <a:ext uri="{28A0092B-C50C-407E-A947-70E740481C1C}">
-                <a14:useLocalDpi xmlns:a14="http://schemas.microsoft.com/office/drawing/2010/main" val="0"/>
+                <a14:useLocalDpi xmlns:a14="http://schemas.microsoft.com/office/drawing/2010/main" xmlns="" val="0"/>
               </a:ext>
             </a:extLst>
           </a:blip>
@@ -12409,7 +12495,7 @@
         </p:blipFill>
         <p:spPr bwMode="auto">
           <a:xfrm>
-            <a:off x="539552" y="1124744"/>
+            <a:off x="549077" y="1010027"/>
             <a:ext cx="7882414" cy="2726055"/>
           </a:xfrm>
           <a:prstGeom prst="rect">
@@ -12422,14 +12508,14 @@
           <a:effectLst/>
           <a:extLst>
             <a:ext uri="{909E8E84-426E-40DD-AFC4-6F175D3DCCD1}">
-              <a14:hiddenFill xmlns:a14="http://schemas.microsoft.com/office/drawing/2010/main">
+              <a14:hiddenFill xmlns:a14="http://schemas.microsoft.com/office/drawing/2010/main" xmlns="">
                 <a:solidFill>
                   <a:schemeClr val="accent1"/>
                 </a:solidFill>
               </a14:hiddenFill>
             </a:ext>
             <a:ext uri="{91240B29-F687-4F45-9708-019B960494DF}">
-              <a14:hiddenLine xmlns:a14="http://schemas.microsoft.com/office/drawing/2010/main" w="9525">
+              <a14:hiddenLine xmlns:a14="http://schemas.microsoft.com/office/drawing/2010/main" xmlns="" w="9525">
                 <a:solidFill>
                   <a:schemeClr val="tx1"/>
                 </a:solidFill>
@@ -12439,7 +12525,7 @@
               </a14:hiddenLine>
             </a:ext>
             <a:ext uri="{AF507438-7753-43E0-B8FC-AC1667EBCBE1}">
-              <a14:hiddenEffects xmlns:a14="http://schemas.microsoft.com/office/drawing/2010/main">
+              <a14:hiddenEffects xmlns:a14="http://schemas.microsoft.com/office/drawing/2010/main" xmlns="">
                 <a:effectLst>
                   <a:outerShdw dist="35921" dir="2700000" algn="ctr" rotWithShape="0">
                     <a:schemeClr val="bg2"/>
@@ -12453,7 +12539,7 @@
     </p:spTree>
     <p:extLst>
       <p:ext uri="{BB962C8B-B14F-4D97-AF65-F5344CB8AC3E}">
-        <p14:creationId xmlns:p14="http://schemas.microsoft.com/office/powerpoint/2010/main" val="1636049844"/>
+        <p14:creationId xmlns:p14="http://schemas.microsoft.com/office/powerpoint/2010/main" xmlns="" val="1636049844"/>
       </p:ext>
     </p:extLst>
   </p:cSld>
@@ -12586,10 +12672,10 @@
           <p:nvPr/>
         </p:nvPicPr>
         <p:blipFill>
-          <a:blip r:embed="rId2">
+          <a:blip r:embed="rId2" cstate="print">
             <a:extLst>
               <a:ext uri="{28A0092B-C50C-407E-A947-70E740481C1C}">
-                <a14:useLocalDpi xmlns:a14="http://schemas.microsoft.com/office/drawing/2010/main" val="0"/>
+                <a14:useLocalDpi xmlns:a14="http://schemas.microsoft.com/office/drawing/2010/main" xmlns="" val="0"/>
               </a:ext>
             </a:extLst>
           </a:blip>
@@ -12600,7 +12686,7 @@
         </p:blipFill>
         <p:spPr bwMode="auto">
           <a:xfrm>
-            <a:off x="539552" y="1033938"/>
+            <a:off x="558602" y="1005363"/>
             <a:ext cx="7856696" cy="2751773"/>
           </a:xfrm>
           <a:prstGeom prst="rect">
@@ -12613,14 +12699,14 @@
           <a:effectLst/>
           <a:extLst>
             <a:ext uri="{909E8E84-426E-40DD-AFC4-6F175D3DCCD1}">
-              <a14:hiddenFill xmlns:a14="http://schemas.microsoft.com/office/drawing/2010/main">
+              <a14:hiddenFill xmlns:a14="http://schemas.microsoft.com/office/drawing/2010/main" xmlns="">
                 <a:solidFill>
                   <a:schemeClr val="accent1"/>
                 </a:solidFill>
               </a14:hiddenFill>
             </a:ext>
             <a:ext uri="{91240B29-F687-4F45-9708-019B960494DF}">
-              <a14:hiddenLine xmlns:a14="http://schemas.microsoft.com/office/drawing/2010/main" w="9525">
+              <a14:hiddenLine xmlns:a14="http://schemas.microsoft.com/office/drawing/2010/main" xmlns="" w="9525">
                 <a:solidFill>
                   <a:schemeClr val="tx1"/>
                 </a:solidFill>
@@ -12630,7 +12716,7 @@
               </a14:hiddenLine>
             </a:ext>
             <a:ext uri="{AF507438-7753-43E0-B8FC-AC1667EBCBE1}">
-              <a14:hiddenEffects xmlns:a14="http://schemas.microsoft.com/office/drawing/2010/main">
+              <a14:hiddenEffects xmlns:a14="http://schemas.microsoft.com/office/drawing/2010/main" xmlns="">
                 <a:effectLst>
                   <a:outerShdw dist="35921" dir="2700000" algn="ctr" rotWithShape="0">
                     <a:schemeClr val="bg2"/>
@@ -12644,7 +12730,7 @@
     </p:spTree>
     <p:extLst>
       <p:ext uri="{BB962C8B-B14F-4D97-AF65-F5344CB8AC3E}">
-        <p14:creationId xmlns:p14="http://schemas.microsoft.com/office/powerpoint/2010/main" val="355235730"/>
+        <p14:creationId xmlns:p14="http://schemas.microsoft.com/office/powerpoint/2010/main" xmlns="" val="355235730"/>
       </p:ext>
     </p:extLst>
   </p:cSld>
@@ -12777,10 +12863,10 @@
           <p:nvPr/>
         </p:nvPicPr>
         <p:blipFill>
-          <a:blip r:embed="rId2">
+          <a:blip r:embed="rId2" cstate="print">
             <a:extLst>
               <a:ext uri="{28A0092B-C50C-407E-A947-70E740481C1C}">
-                <a14:useLocalDpi xmlns:a14="http://schemas.microsoft.com/office/drawing/2010/main" val="0"/>
+                <a14:useLocalDpi xmlns:a14="http://schemas.microsoft.com/office/drawing/2010/main" xmlns="" val="0"/>
               </a:ext>
             </a:extLst>
           </a:blip>
@@ -12791,7 +12877,7 @@
         </p:blipFill>
         <p:spPr bwMode="auto">
           <a:xfrm>
-            <a:off x="539552" y="1052736"/>
+            <a:off x="568127" y="1005111"/>
             <a:ext cx="7895273" cy="2944654"/>
           </a:xfrm>
           <a:prstGeom prst="rect">
@@ -12804,14 +12890,14 @@
           <a:effectLst/>
           <a:extLst>
             <a:ext uri="{909E8E84-426E-40DD-AFC4-6F175D3DCCD1}">
-              <a14:hiddenFill xmlns:a14="http://schemas.microsoft.com/office/drawing/2010/main">
+              <a14:hiddenFill xmlns:a14="http://schemas.microsoft.com/office/drawing/2010/main" xmlns="">
                 <a:solidFill>
                   <a:schemeClr val="accent1"/>
                 </a:solidFill>
               </a14:hiddenFill>
             </a:ext>
             <a:ext uri="{91240B29-F687-4F45-9708-019B960494DF}">
-              <a14:hiddenLine xmlns:a14="http://schemas.microsoft.com/office/drawing/2010/main" w="9525">
+              <a14:hiddenLine xmlns:a14="http://schemas.microsoft.com/office/drawing/2010/main" xmlns="" w="9525">
                 <a:solidFill>
                   <a:schemeClr val="tx1"/>
                 </a:solidFill>
@@ -12821,7 +12907,7 @@
               </a14:hiddenLine>
             </a:ext>
             <a:ext uri="{AF507438-7753-43E0-B8FC-AC1667EBCBE1}">
-              <a14:hiddenEffects xmlns:a14="http://schemas.microsoft.com/office/drawing/2010/main">
+              <a14:hiddenEffects xmlns:a14="http://schemas.microsoft.com/office/drawing/2010/main" xmlns="">
                 <a:effectLst>
                   <a:outerShdw dist="35921" dir="2700000" algn="ctr" rotWithShape="0">
                     <a:schemeClr val="bg2"/>
@@ -12835,7 +12921,7 @@
     </p:spTree>
     <p:extLst>
       <p:ext uri="{BB962C8B-B14F-4D97-AF65-F5344CB8AC3E}">
-        <p14:creationId xmlns:p14="http://schemas.microsoft.com/office/powerpoint/2010/main" val="2590270831"/>
+        <p14:creationId xmlns:p14="http://schemas.microsoft.com/office/powerpoint/2010/main" xmlns="" val="2590270831"/>
       </p:ext>
     </p:extLst>
   </p:cSld>
@@ -12953,10 +13039,10 @@
           <p:nvPr/>
         </p:nvPicPr>
         <p:blipFill>
-          <a:blip r:embed="rId2">
+          <a:blip r:embed="rId2" cstate="print">
             <a:extLst>
               <a:ext uri="{28A0092B-C50C-407E-A947-70E740481C1C}">
-                <a14:useLocalDpi xmlns:a14="http://schemas.microsoft.com/office/drawing/2010/main" val="0"/>
+                <a14:useLocalDpi xmlns:a14="http://schemas.microsoft.com/office/drawing/2010/main" xmlns="" val="0"/>
               </a:ext>
             </a:extLst>
           </a:blip>
@@ -12967,7 +13053,7 @@
         </p:blipFill>
         <p:spPr bwMode="auto">
           <a:xfrm>
-            <a:off x="539552" y="1052736"/>
+            <a:off x="558602" y="1005111"/>
             <a:ext cx="7882414" cy="3188970"/>
           </a:xfrm>
           <a:prstGeom prst="rect">
@@ -12980,14 +13066,14 @@
           <a:effectLst/>
           <a:extLst>
             <a:ext uri="{909E8E84-426E-40DD-AFC4-6F175D3DCCD1}">
-              <a14:hiddenFill xmlns:a14="http://schemas.microsoft.com/office/drawing/2010/main">
+              <a14:hiddenFill xmlns:a14="http://schemas.microsoft.com/office/drawing/2010/main" xmlns="">
                 <a:solidFill>
                   <a:schemeClr val="accent1"/>
                 </a:solidFill>
               </a14:hiddenFill>
             </a:ext>
             <a:ext uri="{91240B29-F687-4F45-9708-019B960494DF}">
-              <a14:hiddenLine xmlns:a14="http://schemas.microsoft.com/office/drawing/2010/main" w="9525">
+              <a14:hiddenLine xmlns:a14="http://schemas.microsoft.com/office/drawing/2010/main" xmlns="" w="9525">
                 <a:solidFill>
                   <a:schemeClr val="tx1"/>
                 </a:solidFill>
@@ -12997,7 +13083,7 @@
               </a14:hiddenLine>
             </a:ext>
             <a:ext uri="{AF507438-7753-43E0-B8FC-AC1667EBCBE1}">
-              <a14:hiddenEffects xmlns:a14="http://schemas.microsoft.com/office/drawing/2010/main">
+              <a14:hiddenEffects xmlns:a14="http://schemas.microsoft.com/office/drawing/2010/main" xmlns="">
                 <a:effectLst>
                   <a:outerShdw dist="35921" dir="2700000" algn="ctr" rotWithShape="0">
                     <a:schemeClr val="bg2"/>
@@ -13011,7 +13097,7 @@
     </p:spTree>
     <p:extLst>
       <p:ext uri="{BB962C8B-B14F-4D97-AF65-F5344CB8AC3E}">
-        <p14:creationId xmlns:p14="http://schemas.microsoft.com/office/powerpoint/2010/main" val="232547959"/>
+        <p14:creationId xmlns:p14="http://schemas.microsoft.com/office/powerpoint/2010/main" xmlns="" val="232547959"/>
       </p:ext>
     </p:extLst>
   </p:cSld>
@@ -13129,10 +13215,10 @@
           <p:nvPr/>
         </p:nvPicPr>
         <p:blipFill>
-          <a:blip r:embed="rId2">
+          <a:blip r:embed="rId2" cstate="print">
             <a:extLst>
               <a:ext uri="{28A0092B-C50C-407E-A947-70E740481C1C}">
-                <a14:useLocalDpi xmlns:a14="http://schemas.microsoft.com/office/drawing/2010/main" val="0"/>
+                <a14:useLocalDpi xmlns:a14="http://schemas.microsoft.com/office/drawing/2010/main" xmlns="" val="0"/>
               </a:ext>
             </a:extLst>
           </a:blip>
@@ -13143,7 +13229,7 @@
         </p:blipFill>
         <p:spPr bwMode="auto">
           <a:xfrm>
-            <a:off x="467544" y="1196752"/>
+            <a:off x="562794" y="1015777"/>
             <a:ext cx="7895273" cy="3098959"/>
           </a:xfrm>
           <a:prstGeom prst="rect">
@@ -13156,14 +13242,14 @@
           <a:effectLst/>
           <a:extLst>
             <a:ext uri="{909E8E84-426E-40DD-AFC4-6F175D3DCCD1}">
-              <a14:hiddenFill xmlns:a14="http://schemas.microsoft.com/office/drawing/2010/main">
+              <a14:hiddenFill xmlns:a14="http://schemas.microsoft.com/office/drawing/2010/main" xmlns="">
                 <a:solidFill>
                   <a:schemeClr val="accent1"/>
                 </a:solidFill>
               </a14:hiddenFill>
             </a:ext>
             <a:ext uri="{91240B29-F687-4F45-9708-019B960494DF}">
-              <a14:hiddenLine xmlns:a14="http://schemas.microsoft.com/office/drawing/2010/main" w="9525">
+              <a14:hiddenLine xmlns:a14="http://schemas.microsoft.com/office/drawing/2010/main" xmlns="" w="9525">
                 <a:solidFill>
                   <a:schemeClr val="tx1"/>
                 </a:solidFill>
@@ -13173,7 +13259,7 @@
               </a14:hiddenLine>
             </a:ext>
             <a:ext uri="{AF507438-7753-43E0-B8FC-AC1667EBCBE1}">
-              <a14:hiddenEffects xmlns:a14="http://schemas.microsoft.com/office/drawing/2010/main">
+              <a14:hiddenEffects xmlns:a14="http://schemas.microsoft.com/office/drawing/2010/main" xmlns="">
                 <a:effectLst>
                   <a:outerShdw dist="35921" dir="2700000" algn="ctr" rotWithShape="0">
                     <a:schemeClr val="bg2"/>
@@ -13187,7 +13273,7 @@
     </p:spTree>
     <p:extLst>
       <p:ext uri="{BB962C8B-B14F-4D97-AF65-F5344CB8AC3E}">
-        <p14:creationId xmlns:p14="http://schemas.microsoft.com/office/powerpoint/2010/main" val="3158059782"/>
+        <p14:creationId xmlns:p14="http://schemas.microsoft.com/office/powerpoint/2010/main" xmlns="" val="3158059782"/>
       </p:ext>
     </p:extLst>
   </p:cSld>
@@ -13376,37 +13462,7 @@
                   </a:schemeClr>
                 </a:solidFill>
               </a:rPr>
-              <a:t>is </a:t>
-            </a:r>
-            <a:r>
-              <a:rPr lang="en-GB" sz="1800" dirty="0" smtClean="0">
-                <a:solidFill>
-                  <a:schemeClr val="bg1">
-                    <a:lumMod val="50000"/>
-                  </a:schemeClr>
-                </a:solidFill>
-              </a:rPr>
-              <a:t>the </a:t>
-            </a:r>
-            <a:r>
-              <a:rPr lang="en-GB" sz="1800" dirty="0" smtClean="0">
-                <a:solidFill>
-                  <a:schemeClr val="bg1">
-                    <a:lumMod val="50000"/>
-                  </a:schemeClr>
-                </a:solidFill>
-              </a:rPr>
-              <a:t>specific instance </a:t>
-            </a:r>
-            <a:r>
-              <a:rPr lang="en-GB" sz="1800" dirty="0" smtClean="0">
-                <a:solidFill>
-                  <a:schemeClr val="bg1">
-                    <a:lumMod val="50000"/>
-                  </a:schemeClr>
-                </a:solidFill>
-              </a:rPr>
-              <a:t>of our expectations being tested.</a:t>
+              <a:t>is the specific instance of our expectations being tested.</a:t>
             </a:r>
             <a:endParaRPr lang="en-GB" sz="1800" dirty="0">
               <a:solidFill>
@@ -13427,10 +13483,10 @@
           <p:nvPr/>
         </p:nvPicPr>
         <p:blipFill>
-          <a:blip r:embed="rId2">
+          <a:blip r:embed="rId2" cstate="print">
             <a:extLst>
               <a:ext uri="{28A0092B-C50C-407E-A947-70E740481C1C}">
-                <a14:useLocalDpi xmlns:a14="http://schemas.microsoft.com/office/drawing/2010/main" val="0"/>
+                <a14:useLocalDpi xmlns:a14="http://schemas.microsoft.com/office/drawing/2010/main" xmlns="" val="0"/>
               </a:ext>
             </a:extLst>
           </a:blip>
@@ -13441,7 +13497,7 @@
         </p:blipFill>
         <p:spPr bwMode="auto">
           <a:xfrm>
-            <a:off x="467544" y="908720"/>
+            <a:off x="562302" y="817662"/>
             <a:ext cx="7869555" cy="3536156"/>
           </a:xfrm>
           <a:prstGeom prst="rect">
@@ -13454,14 +13510,14 @@
           <a:effectLst/>
           <a:extLst>
             <a:ext uri="{909E8E84-426E-40DD-AFC4-6F175D3DCCD1}">
-              <a14:hiddenFill xmlns:a14="http://schemas.microsoft.com/office/drawing/2010/main">
+              <a14:hiddenFill xmlns:a14="http://schemas.microsoft.com/office/drawing/2010/main" xmlns="">
                 <a:solidFill>
                   <a:schemeClr val="accent1"/>
                 </a:solidFill>
               </a14:hiddenFill>
             </a:ext>
             <a:ext uri="{91240B29-F687-4F45-9708-019B960494DF}">
-              <a14:hiddenLine xmlns:a14="http://schemas.microsoft.com/office/drawing/2010/main" w="9525">
+              <a14:hiddenLine xmlns:a14="http://schemas.microsoft.com/office/drawing/2010/main" xmlns="" w="9525">
                 <a:solidFill>
                   <a:schemeClr val="tx1"/>
                 </a:solidFill>
@@ -13471,7 +13527,7 @@
               </a14:hiddenLine>
             </a:ext>
             <a:ext uri="{AF507438-7753-43E0-B8FC-AC1667EBCBE1}">
-              <a14:hiddenEffects xmlns:a14="http://schemas.microsoft.com/office/drawing/2010/main">
+              <a14:hiddenEffects xmlns:a14="http://schemas.microsoft.com/office/drawing/2010/main" xmlns="">
                 <a:effectLst>
                   <a:outerShdw dist="35921" dir="2700000" algn="ctr" rotWithShape="0">
                     <a:schemeClr val="bg2"/>
@@ -13485,7 +13541,7 @@
     </p:spTree>
     <p:extLst>
       <p:ext uri="{BB962C8B-B14F-4D97-AF65-F5344CB8AC3E}">
-        <p14:creationId xmlns:p14="http://schemas.microsoft.com/office/powerpoint/2010/main" val="3966274092"/>
+        <p14:creationId xmlns:p14="http://schemas.microsoft.com/office/powerpoint/2010/main" xmlns="" val="3966274092"/>
       </p:ext>
     </p:extLst>
   </p:cSld>
@@ -13586,13 +13642,8 @@
             </a:pPr>
             <a:r>
               <a:rPr lang="en-GB" dirty="0" smtClean="0"/>
-              <a:t>For </a:t>
-            </a:r>
-            <a:r>
-              <a:rPr lang="en-GB" dirty="0" smtClean="0"/>
-              <a:t>the bowling alley owner</a:t>
-            </a:r>
-            <a:endParaRPr lang="en-GB" dirty="0" smtClean="0"/>
+              <a:t>For the bowling alley owner</a:t>
+            </a:r>
           </a:p>
           <a:p>
             <a:pPr marL="0" indent="0">
@@ -13653,7 +13704,7 @@
     </p:spTree>
     <p:extLst>
       <p:ext uri="{BB962C8B-B14F-4D97-AF65-F5344CB8AC3E}">
-        <p14:creationId xmlns:p14="http://schemas.microsoft.com/office/powerpoint/2010/main" val="3168361821"/>
+        <p14:creationId xmlns:p14="http://schemas.microsoft.com/office/powerpoint/2010/main" xmlns="" val="3168361821"/>
       </p:ext>
     </p:extLst>
   </p:cSld>
@@ -13804,10 +13855,10 @@
           <p:nvPr/>
         </p:nvPicPr>
         <p:blipFill>
-          <a:blip r:embed="rId2">
+          <a:blip r:embed="rId2" cstate="print">
             <a:extLst>
               <a:ext uri="{28A0092B-C50C-407E-A947-70E740481C1C}">
-                <a14:useLocalDpi xmlns:a14="http://schemas.microsoft.com/office/drawing/2010/main" val="0"/>
+                <a14:useLocalDpi xmlns:a14="http://schemas.microsoft.com/office/drawing/2010/main" xmlns="" val="0"/>
               </a:ext>
             </a:extLst>
           </a:blip>
@@ -13818,7 +13869,7 @@
         </p:blipFill>
         <p:spPr bwMode="auto">
           <a:xfrm>
-            <a:off x="467544" y="908720"/>
+            <a:off x="562302" y="817662"/>
             <a:ext cx="7869555" cy="3536156"/>
           </a:xfrm>
           <a:prstGeom prst="rect">
@@ -13831,14 +13882,14 @@
           <a:effectLst/>
           <a:extLst>
             <a:ext uri="{909E8E84-426E-40DD-AFC4-6F175D3DCCD1}">
-              <a14:hiddenFill xmlns:a14="http://schemas.microsoft.com/office/drawing/2010/main">
+              <a14:hiddenFill xmlns:a14="http://schemas.microsoft.com/office/drawing/2010/main" xmlns="">
                 <a:solidFill>
                   <a:schemeClr val="accent1"/>
                 </a:solidFill>
               </a14:hiddenFill>
             </a:ext>
             <a:ext uri="{91240B29-F687-4F45-9708-019B960494DF}">
-              <a14:hiddenLine xmlns:a14="http://schemas.microsoft.com/office/drawing/2010/main" w="9525">
+              <a14:hiddenLine xmlns:a14="http://schemas.microsoft.com/office/drawing/2010/main" xmlns="" w="9525">
                 <a:solidFill>
                   <a:schemeClr val="tx1"/>
                 </a:solidFill>
@@ -13848,7 +13899,7 @@
               </a14:hiddenLine>
             </a:ext>
             <a:ext uri="{AF507438-7753-43E0-B8FC-AC1667EBCBE1}">
-              <a14:hiddenEffects xmlns:a14="http://schemas.microsoft.com/office/drawing/2010/main">
+              <a14:hiddenEffects xmlns:a14="http://schemas.microsoft.com/office/drawing/2010/main" xmlns="">
                 <a:effectLst>
                   <a:outerShdw dist="35921" dir="2700000" algn="ctr" rotWithShape="0">
                     <a:schemeClr val="bg2"/>
@@ -13862,7 +13913,7 @@
     </p:spTree>
     <p:extLst>
       <p:ext uri="{BB962C8B-B14F-4D97-AF65-F5344CB8AC3E}">
-        <p14:creationId xmlns:p14="http://schemas.microsoft.com/office/powerpoint/2010/main" val="3172263457"/>
+        <p14:creationId xmlns:p14="http://schemas.microsoft.com/office/powerpoint/2010/main" xmlns="" val="3172263457"/>
       </p:ext>
     </p:extLst>
   </p:cSld>
@@ -14020,13 +14071,6 @@
               </a:rPr>
               <a:t>.</a:t>
             </a:r>
-            <a:endParaRPr lang="en-GB" sz="1800" dirty="0" smtClean="0">
-              <a:solidFill>
-                <a:schemeClr val="bg1">
-                  <a:lumMod val="50000"/>
-                </a:schemeClr>
-              </a:solidFill>
-            </a:endParaRPr>
           </a:p>
         </p:txBody>
       </p:sp>
@@ -14039,10 +14083,10 @@
           <p:nvPr/>
         </p:nvPicPr>
         <p:blipFill>
-          <a:blip r:embed="rId2">
+          <a:blip r:embed="rId2" cstate="print">
             <a:extLst>
               <a:ext uri="{28A0092B-C50C-407E-A947-70E740481C1C}">
-                <a14:useLocalDpi xmlns:a14="http://schemas.microsoft.com/office/drawing/2010/main" val="0"/>
+                <a14:useLocalDpi xmlns:a14="http://schemas.microsoft.com/office/drawing/2010/main" xmlns="" val="0"/>
               </a:ext>
             </a:extLst>
           </a:blip>
@@ -14053,7 +14097,7 @@
         </p:blipFill>
         <p:spPr bwMode="auto">
           <a:xfrm>
-            <a:off x="683568" y="1124744"/>
+            <a:off x="659288" y="961678"/>
             <a:ext cx="6197918" cy="2340293"/>
           </a:xfrm>
           <a:prstGeom prst="rect">
@@ -14066,14 +14110,14 @@
           <a:effectLst/>
           <a:extLst>
             <a:ext uri="{909E8E84-426E-40DD-AFC4-6F175D3DCCD1}">
-              <a14:hiddenFill xmlns:a14="http://schemas.microsoft.com/office/drawing/2010/main">
+              <a14:hiddenFill xmlns:a14="http://schemas.microsoft.com/office/drawing/2010/main" xmlns="">
                 <a:solidFill>
                   <a:schemeClr val="accent1"/>
                 </a:solidFill>
               </a14:hiddenFill>
             </a:ext>
             <a:ext uri="{91240B29-F687-4F45-9708-019B960494DF}">
-              <a14:hiddenLine xmlns:a14="http://schemas.microsoft.com/office/drawing/2010/main" w="9525">
+              <a14:hiddenLine xmlns:a14="http://schemas.microsoft.com/office/drawing/2010/main" xmlns="" w="9525">
                 <a:solidFill>
                   <a:schemeClr val="tx1"/>
                 </a:solidFill>
@@ -14083,7 +14127,7 @@
               </a14:hiddenLine>
             </a:ext>
             <a:ext uri="{AF507438-7753-43E0-B8FC-AC1667EBCBE1}">
-              <a14:hiddenEffects xmlns:a14="http://schemas.microsoft.com/office/drawing/2010/main">
+              <a14:hiddenEffects xmlns:a14="http://schemas.microsoft.com/office/drawing/2010/main" xmlns="">
                 <a:effectLst>
                   <a:outerShdw dist="35921" dir="2700000" algn="ctr" rotWithShape="0">
                     <a:schemeClr val="bg2"/>
@@ -14097,7 +14141,7 @@
     </p:spTree>
     <p:extLst>
       <p:ext uri="{BB962C8B-B14F-4D97-AF65-F5344CB8AC3E}">
-        <p14:creationId xmlns:p14="http://schemas.microsoft.com/office/powerpoint/2010/main" val="639238072"/>
+        <p14:creationId xmlns:p14="http://schemas.microsoft.com/office/powerpoint/2010/main" xmlns="" val="639238072"/>
       </p:ext>
     </p:extLst>
   </p:cSld>
@@ -14226,17 +14270,7 @@
                   </a:schemeClr>
                 </a:solidFill>
               </a:rPr>
-              <a:t> for our </a:t>
-            </a:r>
-            <a:r>
-              <a:rPr lang="en-GB" sz="1800" dirty="0" smtClean="0">
-                <a:solidFill>
-                  <a:schemeClr val="bg1">
-                    <a:lumMod val="50000"/>
-                  </a:schemeClr>
-                </a:solidFill>
-              </a:rPr>
-              <a:t>expectation type.</a:t>
+              <a:t> for our expectation type.</a:t>
             </a:r>
           </a:p>
           <a:p>
@@ -14272,10 +14306,10 @@
           <p:nvPr/>
         </p:nvPicPr>
         <p:blipFill>
-          <a:blip r:embed="rId2">
+          <a:blip r:embed="rId2" cstate="print">
             <a:extLst>
               <a:ext uri="{28A0092B-C50C-407E-A947-70E740481C1C}">
-                <a14:useLocalDpi xmlns:a14="http://schemas.microsoft.com/office/drawing/2010/main" val="0"/>
+                <a14:useLocalDpi xmlns:a14="http://schemas.microsoft.com/office/drawing/2010/main" xmlns="" val="0"/>
               </a:ext>
             </a:extLst>
           </a:blip>
@@ -14286,7 +14320,7 @@
         </p:blipFill>
         <p:spPr bwMode="auto">
           <a:xfrm>
-            <a:off x="755576" y="1121653"/>
+            <a:off x="664518" y="990253"/>
             <a:ext cx="6146483" cy="2674620"/>
           </a:xfrm>
           <a:prstGeom prst="rect">
@@ -14299,14 +14333,14 @@
           <a:effectLst/>
           <a:extLst>
             <a:ext uri="{909E8E84-426E-40DD-AFC4-6F175D3DCCD1}">
-              <a14:hiddenFill xmlns:a14="http://schemas.microsoft.com/office/drawing/2010/main">
+              <a14:hiddenFill xmlns:a14="http://schemas.microsoft.com/office/drawing/2010/main" xmlns="">
                 <a:solidFill>
                   <a:schemeClr val="accent1"/>
                 </a:solidFill>
               </a14:hiddenFill>
             </a:ext>
             <a:ext uri="{91240B29-F687-4F45-9708-019B960494DF}">
-              <a14:hiddenLine xmlns:a14="http://schemas.microsoft.com/office/drawing/2010/main" w="9525">
+              <a14:hiddenLine xmlns:a14="http://schemas.microsoft.com/office/drawing/2010/main" xmlns="" w="9525">
                 <a:solidFill>
                   <a:schemeClr val="tx1"/>
                 </a:solidFill>
@@ -14316,7 +14350,7 @@
               </a14:hiddenLine>
             </a:ext>
             <a:ext uri="{AF507438-7753-43E0-B8FC-AC1667EBCBE1}">
-              <a14:hiddenEffects xmlns:a14="http://schemas.microsoft.com/office/drawing/2010/main">
+              <a14:hiddenEffects xmlns:a14="http://schemas.microsoft.com/office/drawing/2010/main" xmlns="">
                 <a:effectLst>
                   <a:outerShdw dist="35921" dir="2700000" algn="ctr" rotWithShape="0">
                     <a:schemeClr val="bg2"/>
@@ -14330,7 +14364,7 @@
     </p:spTree>
     <p:extLst>
       <p:ext uri="{BB962C8B-B14F-4D97-AF65-F5344CB8AC3E}">
-        <p14:creationId xmlns:p14="http://schemas.microsoft.com/office/powerpoint/2010/main" val="4235488175"/>
+        <p14:creationId xmlns:p14="http://schemas.microsoft.com/office/powerpoint/2010/main" xmlns="" val="4235488175"/>
       </p:ext>
     </p:extLst>
   </p:cSld>
@@ -14442,17 +14476,7 @@
                   </a:schemeClr>
                 </a:solidFill>
               </a:rPr>
-              <a:t>Context </a:t>
-            </a:r>
-            <a:r>
-              <a:rPr lang="en-GB" sz="1800" dirty="0" smtClean="0">
-                <a:solidFill>
-                  <a:schemeClr val="bg1">
-                    <a:lumMod val="50000"/>
-                  </a:schemeClr>
-                </a:solidFill>
-              </a:rPr>
-              <a:t>gives us the Given() method, which we use to start contexts.</a:t>
+              <a:t>Context gives us the Given() method, which we use to start contexts.</a:t>
             </a:r>
           </a:p>
           <a:p>
@@ -14488,10 +14512,10 @@
           <p:nvPr/>
         </p:nvPicPr>
         <p:blipFill>
-          <a:blip r:embed="rId2">
+          <a:blip r:embed="rId2" cstate="print">
             <a:extLst>
               <a:ext uri="{28A0092B-C50C-407E-A947-70E740481C1C}">
-                <a14:useLocalDpi xmlns:a14="http://schemas.microsoft.com/office/drawing/2010/main" val="0"/>
+                <a14:useLocalDpi xmlns:a14="http://schemas.microsoft.com/office/drawing/2010/main" xmlns="" val="0"/>
               </a:ext>
             </a:extLst>
           </a:blip>
@@ -14502,7 +14526,7 @@
         </p:blipFill>
         <p:spPr bwMode="auto">
           <a:xfrm>
-            <a:off x="755576" y="1124744"/>
+            <a:off x="664518" y="990253"/>
             <a:ext cx="6159341" cy="3098959"/>
           </a:xfrm>
           <a:prstGeom prst="rect">
@@ -14515,14 +14539,14 @@
           <a:effectLst/>
           <a:extLst>
             <a:ext uri="{909E8E84-426E-40DD-AFC4-6F175D3DCCD1}">
-              <a14:hiddenFill xmlns:a14="http://schemas.microsoft.com/office/drawing/2010/main">
+              <a14:hiddenFill xmlns:a14="http://schemas.microsoft.com/office/drawing/2010/main" xmlns="">
                 <a:solidFill>
                   <a:schemeClr val="accent1"/>
                 </a:solidFill>
               </a14:hiddenFill>
             </a:ext>
             <a:ext uri="{91240B29-F687-4F45-9708-019B960494DF}">
-              <a14:hiddenLine xmlns:a14="http://schemas.microsoft.com/office/drawing/2010/main" w="9525">
+              <a14:hiddenLine xmlns:a14="http://schemas.microsoft.com/office/drawing/2010/main" xmlns="" w="9525">
                 <a:solidFill>
                   <a:schemeClr val="tx1"/>
                 </a:solidFill>
@@ -14532,7 +14556,7 @@
               </a14:hiddenLine>
             </a:ext>
             <a:ext uri="{AF507438-7753-43E0-B8FC-AC1667EBCBE1}">
-              <a14:hiddenEffects xmlns:a14="http://schemas.microsoft.com/office/drawing/2010/main">
+              <a14:hiddenEffects xmlns:a14="http://schemas.microsoft.com/office/drawing/2010/main" xmlns="">
                 <a:effectLst>
                   <a:outerShdw dist="35921" dir="2700000" algn="ctr" rotWithShape="0">
                     <a:schemeClr val="bg2"/>
@@ -14546,7 +14570,7 @@
     </p:spTree>
     <p:extLst>
       <p:ext uri="{BB962C8B-B14F-4D97-AF65-F5344CB8AC3E}">
-        <p14:creationId xmlns:p14="http://schemas.microsoft.com/office/powerpoint/2010/main" val="1019670331"/>
+        <p14:creationId xmlns:p14="http://schemas.microsoft.com/office/powerpoint/2010/main" xmlns="" val="1019670331"/>
       </p:ext>
     </p:extLst>
   </p:cSld>
@@ -14699,10 +14723,10 @@
           <p:nvPr/>
         </p:nvPicPr>
         <p:blipFill>
-          <a:blip r:embed="rId2">
+          <a:blip r:embed="rId2" cstate="print">
             <a:extLst>
               <a:ext uri="{28A0092B-C50C-407E-A947-70E740481C1C}">
-                <a14:useLocalDpi xmlns:a14="http://schemas.microsoft.com/office/drawing/2010/main" val="0"/>
+                <a14:useLocalDpi xmlns:a14="http://schemas.microsoft.com/office/drawing/2010/main" xmlns="" val="0"/>
               </a:ext>
             </a:extLst>
           </a:blip>
@@ -14713,7 +14737,7 @@
         </p:blipFill>
         <p:spPr bwMode="auto">
           <a:xfrm>
-            <a:off x="755576" y="1124744"/>
+            <a:off x="664518" y="961678"/>
             <a:ext cx="6172200" cy="3343275"/>
           </a:xfrm>
           <a:prstGeom prst="rect">
@@ -14726,14 +14750,14 @@
           <a:effectLst/>
           <a:extLst>
             <a:ext uri="{909E8E84-426E-40DD-AFC4-6F175D3DCCD1}">
-              <a14:hiddenFill xmlns:a14="http://schemas.microsoft.com/office/drawing/2010/main">
+              <a14:hiddenFill xmlns:a14="http://schemas.microsoft.com/office/drawing/2010/main" xmlns="">
                 <a:solidFill>
                   <a:schemeClr val="accent1"/>
                 </a:solidFill>
               </a14:hiddenFill>
             </a:ext>
             <a:ext uri="{91240B29-F687-4F45-9708-019B960494DF}">
-              <a14:hiddenLine xmlns:a14="http://schemas.microsoft.com/office/drawing/2010/main" w="9525">
+              <a14:hiddenLine xmlns:a14="http://schemas.microsoft.com/office/drawing/2010/main" xmlns="" w="9525">
                 <a:solidFill>
                   <a:schemeClr val="tx1"/>
                 </a:solidFill>
@@ -14743,7 +14767,7 @@
               </a14:hiddenLine>
             </a:ext>
             <a:ext uri="{AF507438-7753-43E0-B8FC-AC1667EBCBE1}">
-              <a14:hiddenEffects xmlns:a14="http://schemas.microsoft.com/office/drawing/2010/main">
+              <a14:hiddenEffects xmlns:a14="http://schemas.microsoft.com/office/drawing/2010/main" xmlns="">
                 <a:effectLst>
                   <a:outerShdw dist="35921" dir="2700000" algn="ctr" rotWithShape="0">
                     <a:schemeClr val="bg2"/>
@@ -14757,7 +14781,7 @@
     </p:spTree>
     <p:extLst>
       <p:ext uri="{BB962C8B-B14F-4D97-AF65-F5344CB8AC3E}">
-        <p14:creationId xmlns:p14="http://schemas.microsoft.com/office/powerpoint/2010/main" val="2084235740"/>
+        <p14:creationId xmlns:p14="http://schemas.microsoft.com/office/powerpoint/2010/main" xmlns="" val="2084235740"/>
       </p:ext>
     </p:extLst>
   </p:cSld>
@@ -14866,13 +14890,6 @@
               </a:rPr>
               <a:t>given, with a description (which will appear in the tests)…</a:t>
             </a:r>
-            <a:endParaRPr lang="en-GB" sz="1800" dirty="0">
-              <a:solidFill>
-                <a:schemeClr val="bg1">
-                  <a:lumMod val="50000"/>
-                </a:schemeClr>
-              </a:solidFill>
-            </a:endParaRPr>
           </a:p>
         </p:txBody>
       </p:sp>
@@ -14885,10 +14902,10 @@
           <p:nvPr/>
         </p:nvPicPr>
         <p:blipFill>
-          <a:blip r:embed="rId2">
+          <a:blip r:embed="rId2" cstate="print">
             <a:extLst>
               <a:ext uri="{28A0092B-C50C-407E-A947-70E740481C1C}">
-                <a14:useLocalDpi xmlns:a14="http://schemas.microsoft.com/office/drawing/2010/main" val="0"/>
+                <a14:useLocalDpi xmlns:a14="http://schemas.microsoft.com/office/drawing/2010/main" xmlns="" val="0"/>
               </a:ext>
             </a:extLst>
           </a:blip>
@@ -14899,7 +14916,7 @@
         </p:blipFill>
         <p:spPr bwMode="auto">
           <a:xfrm>
-            <a:off x="755576" y="1124744"/>
+            <a:off x="664518" y="980728"/>
             <a:ext cx="6197918" cy="3317558"/>
           </a:xfrm>
           <a:prstGeom prst="rect">
@@ -14912,14 +14929,14 @@
           <a:effectLst/>
           <a:extLst>
             <a:ext uri="{909E8E84-426E-40DD-AFC4-6F175D3DCCD1}">
-              <a14:hiddenFill xmlns:a14="http://schemas.microsoft.com/office/drawing/2010/main">
+              <a14:hiddenFill xmlns:a14="http://schemas.microsoft.com/office/drawing/2010/main" xmlns="">
                 <a:solidFill>
                   <a:schemeClr val="accent1"/>
                 </a:solidFill>
               </a14:hiddenFill>
             </a:ext>
             <a:ext uri="{91240B29-F687-4F45-9708-019B960494DF}">
-              <a14:hiddenLine xmlns:a14="http://schemas.microsoft.com/office/drawing/2010/main" w="9525">
+              <a14:hiddenLine xmlns:a14="http://schemas.microsoft.com/office/drawing/2010/main" xmlns="" w="9525">
                 <a:solidFill>
                   <a:schemeClr val="tx1"/>
                 </a:solidFill>
@@ -14929,7 +14946,7 @@
               </a14:hiddenLine>
             </a:ext>
             <a:ext uri="{AF507438-7753-43E0-B8FC-AC1667EBCBE1}">
-              <a14:hiddenEffects xmlns:a14="http://schemas.microsoft.com/office/drawing/2010/main">
+              <a14:hiddenEffects xmlns:a14="http://schemas.microsoft.com/office/drawing/2010/main" xmlns="">
                 <a:effectLst>
                   <a:outerShdw dist="35921" dir="2700000" algn="ctr" rotWithShape="0">
                     <a:schemeClr val="bg2"/>
@@ -14943,7 +14960,7 @@
     </p:spTree>
     <p:extLst>
       <p:ext uri="{BB962C8B-B14F-4D97-AF65-F5344CB8AC3E}">
-        <p14:creationId xmlns:p14="http://schemas.microsoft.com/office/powerpoint/2010/main" val="2217635476"/>
+        <p14:creationId xmlns:p14="http://schemas.microsoft.com/office/powerpoint/2010/main" xmlns="" val="2217635476"/>
       </p:ext>
     </p:extLst>
   </p:cSld>
@@ -15061,10 +15078,10 @@
           <p:nvPr/>
         </p:nvPicPr>
         <p:blipFill>
-          <a:blip r:embed="rId2">
+          <a:blip r:embed="rId2" cstate="print">
             <a:extLst>
               <a:ext uri="{28A0092B-C50C-407E-A947-70E740481C1C}">
-                <a14:useLocalDpi xmlns:a14="http://schemas.microsoft.com/office/drawing/2010/main" val="0"/>
+                <a14:useLocalDpi xmlns:a14="http://schemas.microsoft.com/office/drawing/2010/main" xmlns="" val="0"/>
               </a:ext>
             </a:extLst>
           </a:blip>
@@ -15075,7 +15092,7 @@
         </p:blipFill>
         <p:spPr bwMode="auto">
           <a:xfrm>
-            <a:off x="626840" y="1124744"/>
+            <a:off x="667290" y="991731"/>
             <a:ext cx="6146483" cy="3291840"/>
           </a:xfrm>
           <a:prstGeom prst="rect">
@@ -15088,14 +15105,14 @@
           <a:effectLst/>
           <a:extLst>
             <a:ext uri="{909E8E84-426E-40DD-AFC4-6F175D3DCCD1}">
-              <a14:hiddenFill xmlns:a14="http://schemas.microsoft.com/office/drawing/2010/main">
+              <a14:hiddenFill xmlns:a14="http://schemas.microsoft.com/office/drawing/2010/main" xmlns="">
                 <a:solidFill>
                   <a:schemeClr val="accent1"/>
                 </a:solidFill>
               </a14:hiddenFill>
             </a:ext>
             <a:ext uri="{91240B29-F687-4F45-9708-019B960494DF}">
-              <a14:hiddenLine xmlns:a14="http://schemas.microsoft.com/office/drawing/2010/main" w="9525">
+              <a14:hiddenLine xmlns:a14="http://schemas.microsoft.com/office/drawing/2010/main" xmlns="" w="9525">
                 <a:solidFill>
                   <a:schemeClr val="tx1"/>
                 </a:solidFill>
@@ -15105,7 +15122,7 @@
               </a14:hiddenLine>
             </a:ext>
             <a:ext uri="{AF507438-7753-43E0-B8FC-AC1667EBCBE1}">
-              <a14:hiddenEffects xmlns:a14="http://schemas.microsoft.com/office/drawing/2010/main">
+              <a14:hiddenEffects xmlns:a14="http://schemas.microsoft.com/office/drawing/2010/main" xmlns="">
                 <a:effectLst>
                   <a:outerShdw dist="35921" dir="2700000" algn="ctr" rotWithShape="0">
                     <a:schemeClr val="bg2"/>
@@ -15119,7 +15136,7 @@
     </p:spTree>
     <p:extLst>
       <p:ext uri="{BB962C8B-B14F-4D97-AF65-F5344CB8AC3E}">
-        <p14:creationId xmlns:p14="http://schemas.microsoft.com/office/powerpoint/2010/main" val="293917220"/>
+        <p14:creationId xmlns:p14="http://schemas.microsoft.com/office/powerpoint/2010/main" xmlns="" val="293917220"/>
       </p:ext>
     </p:extLst>
   </p:cSld>
@@ -15272,10 +15289,10 @@
           <p:nvPr/>
         </p:nvPicPr>
         <p:blipFill>
-          <a:blip r:embed="rId2">
+          <a:blip r:embed="rId2" cstate="print">
             <a:extLst>
               <a:ext uri="{28A0092B-C50C-407E-A947-70E740481C1C}">
-                <a14:useLocalDpi xmlns:a14="http://schemas.microsoft.com/office/drawing/2010/main" val="0"/>
+                <a14:useLocalDpi xmlns:a14="http://schemas.microsoft.com/office/drawing/2010/main" xmlns="" val="0"/>
               </a:ext>
             </a:extLst>
           </a:blip>
@@ -15286,7 +15303,7 @@
         </p:blipFill>
         <p:spPr bwMode="auto">
           <a:xfrm>
-            <a:off x="611560" y="1124744"/>
+            <a:off x="656416" y="980728"/>
             <a:ext cx="7252335" cy="3690461"/>
           </a:xfrm>
           <a:prstGeom prst="rect">
@@ -15299,14 +15316,14 @@
           <a:effectLst/>
           <a:extLst>
             <a:ext uri="{909E8E84-426E-40DD-AFC4-6F175D3DCCD1}">
-              <a14:hiddenFill xmlns:a14="http://schemas.microsoft.com/office/drawing/2010/main">
+              <a14:hiddenFill xmlns:a14="http://schemas.microsoft.com/office/drawing/2010/main" xmlns="">
                 <a:solidFill>
                   <a:schemeClr val="accent1"/>
                 </a:solidFill>
               </a14:hiddenFill>
             </a:ext>
             <a:ext uri="{91240B29-F687-4F45-9708-019B960494DF}">
-              <a14:hiddenLine xmlns:a14="http://schemas.microsoft.com/office/drawing/2010/main" w="9525">
+              <a14:hiddenLine xmlns:a14="http://schemas.microsoft.com/office/drawing/2010/main" xmlns="" w="9525">
                 <a:solidFill>
                   <a:schemeClr val="tx1"/>
                 </a:solidFill>
@@ -15316,7 +15333,7 @@
               </a14:hiddenLine>
             </a:ext>
             <a:ext uri="{AF507438-7753-43E0-B8FC-AC1667EBCBE1}">
-              <a14:hiddenEffects xmlns:a14="http://schemas.microsoft.com/office/drawing/2010/main">
+              <a14:hiddenEffects xmlns:a14="http://schemas.microsoft.com/office/drawing/2010/main" xmlns="">
                 <a:effectLst>
                   <a:outerShdw dist="35921" dir="2700000" algn="ctr" rotWithShape="0">
                     <a:schemeClr val="bg2"/>
@@ -15330,7 +15347,7 @@
     </p:spTree>
     <p:extLst>
       <p:ext uri="{BB962C8B-B14F-4D97-AF65-F5344CB8AC3E}">
-        <p14:creationId xmlns:p14="http://schemas.microsoft.com/office/powerpoint/2010/main" val="2073648008"/>
+        <p14:creationId xmlns:p14="http://schemas.microsoft.com/office/powerpoint/2010/main" xmlns="" val="2073648008"/>
       </p:ext>
     </p:extLst>
   </p:cSld>
@@ -15485,10 +15502,10 @@
           <p:nvPr/>
         </p:nvPicPr>
         <p:blipFill>
-          <a:blip r:embed="rId2">
+          <a:blip r:embed="rId2" cstate="print">
             <a:extLst>
               <a:ext uri="{28A0092B-C50C-407E-A947-70E740481C1C}">
-                <a14:useLocalDpi xmlns:a14="http://schemas.microsoft.com/office/drawing/2010/main" val="0"/>
+                <a14:useLocalDpi xmlns:a14="http://schemas.microsoft.com/office/drawing/2010/main" xmlns="" val="0"/>
               </a:ext>
             </a:extLst>
           </a:blip>
@@ -15499,7 +15516,7 @@
         </p:blipFill>
         <p:spPr bwMode="auto">
           <a:xfrm>
-            <a:off x="611559" y="1052736"/>
+            <a:off x="654417" y="980728"/>
             <a:ext cx="7239476" cy="3909060"/>
           </a:xfrm>
           <a:prstGeom prst="rect">
@@ -15512,14 +15529,14 @@
           <a:effectLst/>
           <a:extLst>
             <a:ext uri="{909E8E84-426E-40DD-AFC4-6F175D3DCCD1}">
-              <a14:hiddenFill xmlns:a14="http://schemas.microsoft.com/office/drawing/2010/main">
+              <a14:hiddenFill xmlns:a14="http://schemas.microsoft.com/office/drawing/2010/main" xmlns="">
                 <a:solidFill>
                   <a:schemeClr val="accent1"/>
                 </a:solidFill>
               </a14:hiddenFill>
             </a:ext>
             <a:ext uri="{91240B29-F687-4F45-9708-019B960494DF}">
-              <a14:hiddenLine xmlns:a14="http://schemas.microsoft.com/office/drawing/2010/main" w="9525">
+              <a14:hiddenLine xmlns:a14="http://schemas.microsoft.com/office/drawing/2010/main" xmlns="" w="9525">
                 <a:solidFill>
                   <a:schemeClr val="tx1"/>
                 </a:solidFill>
@@ -15529,7 +15546,7 @@
               </a14:hiddenLine>
             </a:ext>
             <a:ext uri="{AF507438-7753-43E0-B8FC-AC1667EBCBE1}">
-              <a14:hiddenEffects xmlns:a14="http://schemas.microsoft.com/office/drawing/2010/main">
+              <a14:hiddenEffects xmlns:a14="http://schemas.microsoft.com/office/drawing/2010/main" xmlns="">
                 <a:effectLst>
                   <a:outerShdw dist="35921" dir="2700000" algn="ctr" rotWithShape="0">
                     <a:schemeClr val="bg2"/>
@@ -15543,7 +15560,7 @@
     </p:spTree>
     <p:extLst>
       <p:ext uri="{BB962C8B-B14F-4D97-AF65-F5344CB8AC3E}">
-        <p14:creationId xmlns:p14="http://schemas.microsoft.com/office/powerpoint/2010/main" val="348705829"/>
+        <p14:creationId xmlns:p14="http://schemas.microsoft.com/office/powerpoint/2010/main" xmlns="" val="348705829"/>
       </p:ext>
     </p:extLst>
   </p:cSld>
@@ -15688,10 +15705,10 @@
           <p:nvPr/>
         </p:nvPicPr>
         <p:blipFill>
-          <a:blip r:embed="rId2">
+          <a:blip r:embed="rId2" cstate="print">
             <a:extLst>
               <a:ext uri="{28A0092B-C50C-407E-A947-70E740481C1C}">
-                <a14:useLocalDpi xmlns:a14="http://schemas.microsoft.com/office/drawing/2010/main" val="0"/>
+                <a14:useLocalDpi xmlns:a14="http://schemas.microsoft.com/office/drawing/2010/main" xmlns="" val="0"/>
               </a:ext>
             </a:extLst>
           </a:blip>
@@ -15702,7 +15719,7 @@
         </p:blipFill>
         <p:spPr bwMode="auto">
           <a:xfrm>
-            <a:off x="460723" y="790361"/>
+            <a:off x="510108" y="736129"/>
             <a:ext cx="7715250" cy="4294823"/>
           </a:xfrm>
           <a:prstGeom prst="rect">
@@ -15715,14 +15732,14 @@
           <a:effectLst/>
           <a:extLst>
             <a:ext uri="{909E8E84-426E-40DD-AFC4-6F175D3DCCD1}">
-              <a14:hiddenFill xmlns:a14="http://schemas.microsoft.com/office/drawing/2010/main">
+              <a14:hiddenFill xmlns:a14="http://schemas.microsoft.com/office/drawing/2010/main" xmlns="">
                 <a:solidFill>
                   <a:schemeClr val="accent1"/>
                 </a:solidFill>
               </a14:hiddenFill>
             </a:ext>
             <a:ext uri="{91240B29-F687-4F45-9708-019B960494DF}">
-              <a14:hiddenLine xmlns:a14="http://schemas.microsoft.com/office/drawing/2010/main" w="9525">
+              <a14:hiddenLine xmlns:a14="http://schemas.microsoft.com/office/drawing/2010/main" xmlns="" w="9525">
                 <a:solidFill>
                   <a:schemeClr val="tx1"/>
                 </a:solidFill>
@@ -15732,7 +15749,7 @@
               </a14:hiddenLine>
             </a:ext>
             <a:ext uri="{AF507438-7753-43E0-B8FC-AC1667EBCBE1}">
-              <a14:hiddenEffects xmlns:a14="http://schemas.microsoft.com/office/drawing/2010/main">
+              <a14:hiddenEffects xmlns:a14="http://schemas.microsoft.com/office/drawing/2010/main" xmlns="">
                 <a:effectLst>
                   <a:outerShdw dist="35921" dir="2700000" algn="ctr" rotWithShape="0">
                     <a:schemeClr val="bg2"/>
@@ -15746,7 +15763,7 @@
     </p:spTree>
     <p:extLst>
       <p:ext uri="{BB962C8B-B14F-4D97-AF65-F5344CB8AC3E}">
-        <p14:creationId xmlns:p14="http://schemas.microsoft.com/office/powerpoint/2010/main" val="2869043896"/>
+        <p14:creationId xmlns:p14="http://schemas.microsoft.com/office/powerpoint/2010/main" xmlns="" val="2869043896"/>
       </p:ext>
     </p:extLst>
   </p:cSld>
@@ -15847,13 +15864,8 @@
             </a:pPr>
             <a:r>
               <a:rPr lang="en-GB" dirty="0" smtClean="0"/>
-              <a:t>For </a:t>
-            </a:r>
-            <a:r>
-              <a:rPr lang="en-GB" dirty="0" smtClean="0"/>
-              <a:t>the bowling alley owner</a:t>
-            </a:r>
-            <a:endParaRPr lang="en-GB" dirty="0" smtClean="0"/>
+              <a:t>For the bowling alley owner</a:t>
+            </a:r>
           </a:p>
           <a:p>
             <a:pPr marL="400050" lvl="1" indent="0">
@@ -15863,7 +15875,6 @@
               <a:rPr lang="en-GB" dirty="0" smtClean="0"/>
               <a:t>To show players their scores</a:t>
             </a:r>
-            <a:endParaRPr lang="en-GB" dirty="0" smtClean="0"/>
           </a:p>
           <a:p>
             <a:pPr marL="400050" lvl="1" indent="0">
@@ -15871,15 +15882,7 @@
             </a:pPr>
             <a:r>
               <a:rPr lang="en-GB" dirty="0" smtClean="0"/>
-              <a:t>I want the system to calculate </a:t>
-            </a:r>
-            <a:r>
-              <a:rPr lang="en-GB" dirty="0" smtClean="0"/>
-              <a:t>player’s </a:t>
-            </a:r>
-            <a:r>
-              <a:rPr lang="en-GB" dirty="0" smtClean="0"/>
-              <a:t>total score</a:t>
+              <a:t>I want the system to calculate player’s total score</a:t>
             </a:r>
           </a:p>
           <a:p>
@@ -15942,7 +15945,7 @@
     </p:spTree>
     <p:extLst>
       <p:ext uri="{BB962C8B-B14F-4D97-AF65-F5344CB8AC3E}">
-        <p14:creationId xmlns:p14="http://schemas.microsoft.com/office/powerpoint/2010/main" val="2956739469"/>
+        <p14:creationId xmlns:p14="http://schemas.microsoft.com/office/powerpoint/2010/main" xmlns="" val="2956739469"/>
       </p:ext>
     </p:extLst>
   </p:cSld>
@@ -16075,10 +16078,10 @@
           <p:nvPr/>
         </p:nvPicPr>
         <p:blipFill>
-          <a:blip r:embed="rId2">
+          <a:blip r:embed="rId2" cstate="print">
             <a:extLst>
               <a:ext uri="{28A0092B-C50C-407E-A947-70E740481C1C}">
-                <a14:useLocalDpi xmlns:a14="http://schemas.microsoft.com/office/drawing/2010/main" val="0"/>
+                <a14:useLocalDpi xmlns:a14="http://schemas.microsoft.com/office/drawing/2010/main" xmlns="" val="0"/>
               </a:ext>
             </a:extLst>
           </a:blip>
@@ -16089,7 +16092,7 @@
         </p:blipFill>
         <p:spPr bwMode="auto">
           <a:xfrm>
-            <a:off x="616594" y="996106"/>
+            <a:off x="669552" y="961678"/>
             <a:ext cx="7843838" cy="3729038"/>
           </a:xfrm>
           <a:prstGeom prst="rect">
@@ -16102,14 +16105,14 @@
           <a:effectLst/>
           <a:extLst>
             <a:ext uri="{909E8E84-426E-40DD-AFC4-6F175D3DCCD1}">
-              <a14:hiddenFill xmlns:a14="http://schemas.microsoft.com/office/drawing/2010/main">
+              <a14:hiddenFill xmlns:a14="http://schemas.microsoft.com/office/drawing/2010/main" xmlns="">
                 <a:solidFill>
                   <a:schemeClr val="accent1"/>
                 </a:solidFill>
               </a14:hiddenFill>
             </a:ext>
             <a:ext uri="{91240B29-F687-4F45-9708-019B960494DF}">
-              <a14:hiddenLine xmlns:a14="http://schemas.microsoft.com/office/drawing/2010/main" w="9525">
+              <a14:hiddenLine xmlns:a14="http://schemas.microsoft.com/office/drawing/2010/main" xmlns="" w="9525">
                 <a:solidFill>
                   <a:schemeClr val="tx1"/>
                 </a:solidFill>
@@ -16119,7 +16122,7 @@
               </a14:hiddenLine>
             </a:ext>
             <a:ext uri="{AF507438-7753-43E0-B8FC-AC1667EBCBE1}">
-              <a14:hiddenEffects xmlns:a14="http://schemas.microsoft.com/office/drawing/2010/main">
+              <a14:hiddenEffects xmlns:a14="http://schemas.microsoft.com/office/drawing/2010/main" xmlns="">
                 <a:effectLst>
                   <a:outerShdw dist="35921" dir="2700000" algn="ctr" rotWithShape="0">
                     <a:schemeClr val="bg2"/>
@@ -16133,7 +16136,7 @@
     </p:spTree>
     <p:extLst>
       <p:ext uri="{BB962C8B-B14F-4D97-AF65-F5344CB8AC3E}">
-        <p14:creationId xmlns:p14="http://schemas.microsoft.com/office/powerpoint/2010/main" val="227706727"/>
+        <p14:creationId xmlns:p14="http://schemas.microsoft.com/office/powerpoint/2010/main" xmlns="" val="227706727"/>
       </p:ext>
     </p:extLst>
   </p:cSld>
@@ -16251,10 +16254,10 @@
           <p:nvPr/>
         </p:nvPicPr>
         <p:blipFill>
-          <a:blip r:embed="rId2">
+          <a:blip r:embed="rId2" cstate="print">
             <a:extLst>
               <a:ext uri="{28A0092B-C50C-407E-A947-70E740481C1C}">
-                <a14:useLocalDpi xmlns:a14="http://schemas.microsoft.com/office/drawing/2010/main" val="0"/>
+                <a14:useLocalDpi xmlns:a14="http://schemas.microsoft.com/office/drawing/2010/main" xmlns="" val="0"/>
               </a:ext>
             </a:extLst>
           </a:blip>
@@ -16265,7 +16268,7 @@
         </p:blipFill>
         <p:spPr bwMode="auto">
           <a:xfrm>
-            <a:off x="611560" y="980728"/>
+            <a:off x="659551" y="961678"/>
             <a:ext cx="7882414" cy="3729038"/>
           </a:xfrm>
           <a:prstGeom prst="rect">
@@ -16278,14 +16281,14 @@
           <a:effectLst/>
           <a:extLst>
             <a:ext uri="{909E8E84-426E-40DD-AFC4-6F175D3DCCD1}">
-              <a14:hiddenFill xmlns:a14="http://schemas.microsoft.com/office/drawing/2010/main">
+              <a14:hiddenFill xmlns:a14="http://schemas.microsoft.com/office/drawing/2010/main" xmlns="">
                 <a:solidFill>
                   <a:schemeClr val="accent1"/>
                 </a:solidFill>
               </a14:hiddenFill>
             </a:ext>
             <a:ext uri="{91240B29-F687-4F45-9708-019B960494DF}">
-              <a14:hiddenLine xmlns:a14="http://schemas.microsoft.com/office/drawing/2010/main" w="9525">
+              <a14:hiddenLine xmlns:a14="http://schemas.microsoft.com/office/drawing/2010/main" xmlns="" w="9525">
                 <a:solidFill>
                   <a:schemeClr val="tx1"/>
                 </a:solidFill>
@@ -16295,7 +16298,7 @@
               </a14:hiddenLine>
             </a:ext>
             <a:ext uri="{AF507438-7753-43E0-B8FC-AC1667EBCBE1}">
-              <a14:hiddenEffects xmlns:a14="http://schemas.microsoft.com/office/drawing/2010/main">
+              <a14:hiddenEffects xmlns:a14="http://schemas.microsoft.com/office/drawing/2010/main" xmlns="">
                 <a:effectLst>
                   <a:outerShdw dist="35921" dir="2700000" algn="ctr" rotWithShape="0">
                     <a:schemeClr val="bg2"/>
@@ -16309,7 +16312,7 @@
     </p:spTree>
     <p:extLst>
       <p:ext uri="{BB962C8B-B14F-4D97-AF65-F5344CB8AC3E}">
-        <p14:creationId xmlns:p14="http://schemas.microsoft.com/office/powerpoint/2010/main" val="1664928460"/>
+        <p14:creationId xmlns:p14="http://schemas.microsoft.com/office/powerpoint/2010/main" xmlns="" val="1664928460"/>
       </p:ext>
     </p:extLst>
   </p:cSld>
@@ -16504,10 +16507,10 @@
           <p:nvPr/>
         </p:nvPicPr>
         <p:blipFill>
-          <a:blip r:embed="rId2">
+          <a:blip r:embed="rId2" cstate="print">
             <a:extLst>
               <a:ext uri="{28A0092B-C50C-407E-A947-70E740481C1C}">
-                <a14:useLocalDpi xmlns:a14="http://schemas.microsoft.com/office/drawing/2010/main" val="0"/>
+                <a14:useLocalDpi xmlns:a14="http://schemas.microsoft.com/office/drawing/2010/main" xmlns="" val="0"/>
               </a:ext>
             </a:extLst>
           </a:blip>
@@ -16518,7 +16521,7 @@
         </p:blipFill>
         <p:spPr bwMode="auto">
           <a:xfrm>
-            <a:off x="721692" y="1196752"/>
+            <a:off x="664518" y="980728"/>
             <a:ext cx="6210776" cy="2494598"/>
           </a:xfrm>
           <a:prstGeom prst="rect">
@@ -16531,14 +16534,14 @@
           <a:effectLst/>
           <a:extLst>
             <a:ext uri="{909E8E84-426E-40DD-AFC4-6F175D3DCCD1}">
-              <a14:hiddenFill xmlns:a14="http://schemas.microsoft.com/office/drawing/2010/main">
+              <a14:hiddenFill xmlns:a14="http://schemas.microsoft.com/office/drawing/2010/main" xmlns="">
                 <a:solidFill>
                   <a:schemeClr val="accent1"/>
                 </a:solidFill>
               </a14:hiddenFill>
             </a:ext>
             <a:ext uri="{91240B29-F687-4F45-9708-019B960494DF}">
-              <a14:hiddenLine xmlns:a14="http://schemas.microsoft.com/office/drawing/2010/main" w="9525">
+              <a14:hiddenLine xmlns:a14="http://schemas.microsoft.com/office/drawing/2010/main" xmlns="" w="9525">
                 <a:solidFill>
                   <a:schemeClr val="tx1"/>
                 </a:solidFill>
@@ -16548,7 +16551,7 @@
               </a14:hiddenLine>
             </a:ext>
             <a:ext uri="{AF507438-7753-43E0-B8FC-AC1667EBCBE1}">
-              <a14:hiddenEffects xmlns:a14="http://schemas.microsoft.com/office/drawing/2010/main">
+              <a14:hiddenEffects xmlns:a14="http://schemas.microsoft.com/office/drawing/2010/main" xmlns="">
                 <a:effectLst>
                   <a:outerShdw dist="35921" dir="2700000" algn="ctr" rotWithShape="0">
                     <a:schemeClr val="bg2"/>
@@ -16562,7 +16565,7 @@
     </p:spTree>
     <p:extLst>
       <p:ext uri="{BB962C8B-B14F-4D97-AF65-F5344CB8AC3E}">
-        <p14:creationId xmlns:p14="http://schemas.microsoft.com/office/powerpoint/2010/main" val="228542054"/>
+        <p14:creationId xmlns:p14="http://schemas.microsoft.com/office/powerpoint/2010/main" xmlns="" val="228542054"/>
       </p:ext>
     </p:extLst>
   </p:cSld>
@@ -16727,10 +16730,10 @@
           <p:nvPr/>
         </p:nvPicPr>
         <p:blipFill>
-          <a:blip r:embed="rId2">
+          <a:blip r:embed="rId2" cstate="print">
             <a:extLst>
               <a:ext uri="{28A0092B-C50C-407E-A947-70E740481C1C}">
-                <a14:useLocalDpi xmlns:a14="http://schemas.microsoft.com/office/drawing/2010/main" val="0"/>
+                <a14:useLocalDpi xmlns:a14="http://schemas.microsoft.com/office/drawing/2010/main" xmlns="" val="0"/>
               </a:ext>
             </a:extLst>
           </a:blip>
@@ -16741,7 +16744,7 @@
         </p:blipFill>
         <p:spPr bwMode="auto">
           <a:xfrm>
-            <a:off x="683568" y="1155229"/>
+            <a:off x="630610" y="983263"/>
             <a:ext cx="7496651" cy="2661761"/>
           </a:xfrm>
           <a:prstGeom prst="rect">
@@ -16754,14 +16757,14 @@
           <a:effectLst/>
           <a:extLst>
             <a:ext uri="{909E8E84-426E-40DD-AFC4-6F175D3DCCD1}">
-              <a14:hiddenFill xmlns:a14="http://schemas.microsoft.com/office/drawing/2010/main">
+              <a14:hiddenFill xmlns:a14="http://schemas.microsoft.com/office/drawing/2010/main" xmlns="">
                 <a:solidFill>
                   <a:schemeClr val="accent1"/>
                 </a:solidFill>
               </a14:hiddenFill>
             </a:ext>
             <a:ext uri="{91240B29-F687-4F45-9708-019B960494DF}">
-              <a14:hiddenLine xmlns:a14="http://schemas.microsoft.com/office/drawing/2010/main" w="9525">
+              <a14:hiddenLine xmlns:a14="http://schemas.microsoft.com/office/drawing/2010/main" xmlns="" w="9525">
                 <a:solidFill>
                   <a:schemeClr val="tx1"/>
                 </a:solidFill>
@@ -16771,7 +16774,7 @@
               </a14:hiddenLine>
             </a:ext>
             <a:ext uri="{AF507438-7753-43E0-B8FC-AC1667EBCBE1}">
-              <a14:hiddenEffects xmlns:a14="http://schemas.microsoft.com/office/drawing/2010/main">
+              <a14:hiddenEffects xmlns:a14="http://schemas.microsoft.com/office/drawing/2010/main" xmlns="">
                 <a:effectLst>
                   <a:outerShdw dist="35921" dir="2700000" algn="ctr" rotWithShape="0">
                     <a:schemeClr val="bg2"/>
@@ -16785,7 +16788,7 @@
     </p:spTree>
     <p:extLst>
       <p:ext uri="{BB962C8B-B14F-4D97-AF65-F5344CB8AC3E}">
-        <p14:creationId xmlns:p14="http://schemas.microsoft.com/office/powerpoint/2010/main" val="2914222094"/>
+        <p14:creationId xmlns:p14="http://schemas.microsoft.com/office/powerpoint/2010/main" xmlns="" val="2914222094"/>
       </p:ext>
     </p:extLst>
   </p:cSld>
@@ -16987,10 +16990,10 @@
           <p:nvPr/>
         </p:nvPicPr>
         <p:blipFill>
-          <a:blip r:embed="rId2">
+          <a:blip r:embed="rId2" cstate="print">
             <a:extLst>
               <a:ext uri="{28A0092B-C50C-407E-A947-70E740481C1C}">
-                <a14:useLocalDpi xmlns:a14="http://schemas.microsoft.com/office/drawing/2010/main" val="0"/>
+                <a14:useLocalDpi xmlns:a14="http://schemas.microsoft.com/office/drawing/2010/main" xmlns="" val="0"/>
               </a:ext>
             </a:extLst>
           </a:blip>
@@ -17001,7 +17004,7 @@
         </p:blipFill>
         <p:spPr bwMode="auto">
           <a:xfrm>
-            <a:off x="727184" y="1124744"/>
+            <a:off x="654993" y="946820"/>
             <a:ext cx="7445216" cy="2764631"/>
           </a:xfrm>
           <a:prstGeom prst="rect">
@@ -17014,14 +17017,14 @@
           <a:effectLst/>
           <a:extLst>
             <a:ext uri="{909E8E84-426E-40DD-AFC4-6F175D3DCCD1}">
-              <a14:hiddenFill xmlns:a14="http://schemas.microsoft.com/office/drawing/2010/main">
+              <a14:hiddenFill xmlns:a14="http://schemas.microsoft.com/office/drawing/2010/main" xmlns="">
                 <a:solidFill>
                   <a:schemeClr val="accent1"/>
                 </a:solidFill>
               </a14:hiddenFill>
             </a:ext>
             <a:ext uri="{91240B29-F687-4F45-9708-019B960494DF}">
-              <a14:hiddenLine xmlns:a14="http://schemas.microsoft.com/office/drawing/2010/main" w="9525">
+              <a14:hiddenLine xmlns:a14="http://schemas.microsoft.com/office/drawing/2010/main" xmlns="" w="9525">
                 <a:solidFill>
                   <a:schemeClr val="tx1"/>
                 </a:solidFill>
@@ -17031,7 +17034,7 @@
               </a14:hiddenLine>
             </a:ext>
             <a:ext uri="{AF507438-7753-43E0-B8FC-AC1667EBCBE1}">
-              <a14:hiddenEffects xmlns:a14="http://schemas.microsoft.com/office/drawing/2010/main">
+              <a14:hiddenEffects xmlns:a14="http://schemas.microsoft.com/office/drawing/2010/main" xmlns="">
                 <a:effectLst>
                   <a:outerShdw dist="35921" dir="2700000" algn="ctr" rotWithShape="0">
                     <a:schemeClr val="bg2"/>
@@ -17045,7 +17048,7 @@
     </p:spTree>
     <p:extLst>
       <p:ext uri="{BB962C8B-B14F-4D97-AF65-F5344CB8AC3E}">
-        <p14:creationId xmlns:p14="http://schemas.microsoft.com/office/powerpoint/2010/main" val="3081243756"/>
+        <p14:creationId xmlns:p14="http://schemas.microsoft.com/office/powerpoint/2010/main" xmlns="" val="3081243756"/>
       </p:ext>
     </p:extLst>
   </p:cSld>
@@ -17156,10 +17159,10 @@
           <p:nvPr/>
         </p:nvPicPr>
         <p:blipFill>
-          <a:blip r:embed="rId2">
+          <a:blip r:embed="rId2" cstate="print">
             <a:extLst>
               <a:ext uri="{28A0092B-C50C-407E-A947-70E740481C1C}">
-                <a14:useLocalDpi xmlns:a14="http://schemas.microsoft.com/office/drawing/2010/main" val="0"/>
+                <a14:useLocalDpi xmlns:a14="http://schemas.microsoft.com/office/drawing/2010/main" xmlns="" val="0"/>
               </a:ext>
             </a:extLst>
           </a:blip>
@@ -17170,7 +17173,7 @@
         </p:blipFill>
         <p:spPr bwMode="auto">
           <a:xfrm>
-            <a:off x="683568" y="1155229"/>
+            <a:off x="630610" y="980728"/>
             <a:ext cx="7496651" cy="2661761"/>
           </a:xfrm>
           <a:prstGeom prst="rect">
@@ -17183,14 +17186,14 @@
           <a:effectLst/>
           <a:extLst>
             <a:ext uri="{909E8E84-426E-40DD-AFC4-6F175D3DCCD1}">
-              <a14:hiddenFill xmlns:a14="http://schemas.microsoft.com/office/drawing/2010/main">
+              <a14:hiddenFill xmlns:a14="http://schemas.microsoft.com/office/drawing/2010/main" xmlns="">
                 <a:solidFill>
                   <a:schemeClr val="accent1"/>
                 </a:solidFill>
               </a14:hiddenFill>
             </a:ext>
             <a:ext uri="{91240B29-F687-4F45-9708-019B960494DF}">
-              <a14:hiddenLine xmlns:a14="http://schemas.microsoft.com/office/drawing/2010/main" w="9525">
+              <a14:hiddenLine xmlns:a14="http://schemas.microsoft.com/office/drawing/2010/main" xmlns="" w="9525">
                 <a:solidFill>
                   <a:schemeClr val="tx1"/>
                 </a:solidFill>
@@ -17200,7 +17203,7 @@
               </a14:hiddenLine>
             </a:ext>
             <a:ext uri="{AF507438-7753-43E0-B8FC-AC1667EBCBE1}">
-              <a14:hiddenEffects xmlns:a14="http://schemas.microsoft.com/office/drawing/2010/main">
+              <a14:hiddenEffects xmlns:a14="http://schemas.microsoft.com/office/drawing/2010/main" xmlns="">
                 <a:effectLst>
                   <a:outerShdw dist="35921" dir="2700000" algn="ctr" rotWithShape="0">
                     <a:schemeClr val="bg2"/>
@@ -17214,7 +17217,7 @@
     </p:spTree>
     <p:extLst>
       <p:ext uri="{BB962C8B-B14F-4D97-AF65-F5344CB8AC3E}">
-        <p14:creationId xmlns:p14="http://schemas.microsoft.com/office/powerpoint/2010/main" val="2671032684"/>
+        <p14:creationId xmlns:p14="http://schemas.microsoft.com/office/powerpoint/2010/main" xmlns="" val="2671032684"/>
       </p:ext>
     </p:extLst>
   </p:cSld>
@@ -17311,17 +17314,7 @@
                   </a:schemeClr>
                 </a:solidFill>
               </a:rPr>
-              <a:t>Giving us a Data() method like this</a:t>
-            </a:r>
-            <a:r>
-              <a:rPr lang="en-GB" sz="1800" dirty="0" smtClean="0">
-                <a:solidFill>
-                  <a:schemeClr val="bg1">
-                    <a:lumMod val="50000"/>
-                  </a:schemeClr>
-                </a:solidFill>
-              </a:rPr>
-              <a:t>.</a:t>
+              <a:t>Giving us a Data() method like this.</a:t>
             </a:r>
           </a:p>
           <a:p>
@@ -17350,13 +17343,6 @@
               </a:rPr>
               <a:t>It doesn’t matter how you generate the output for Data(), as long as it’s an array of your provided type.</a:t>
             </a:r>
-            <a:endParaRPr lang="en-GB" sz="1800" dirty="0" smtClean="0">
-              <a:solidFill>
-                <a:schemeClr val="bg1">
-                  <a:lumMod val="50000"/>
-                </a:schemeClr>
-              </a:solidFill>
-            </a:endParaRPr>
           </a:p>
         </p:txBody>
       </p:sp>
@@ -17369,10 +17355,10 @@
           <p:nvPr/>
         </p:nvPicPr>
         <p:blipFill>
-          <a:blip r:embed="rId2">
+          <a:blip r:embed="rId2" cstate="print">
             <a:extLst>
               <a:ext uri="{28A0092B-C50C-407E-A947-70E740481C1C}">
-                <a14:useLocalDpi xmlns:a14="http://schemas.microsoft.com/office/drawing/2010/main" val="0"/>
+                <a14:useLocalDpi xmlns:a14="http://schemas.microsoft.com/office/drawing/2010/main" xmlns="" val="0"/>
               </a:ext>
             </a:extLst>
           </a:blip>
@@ -17396,14 +17382,14 @@
           <a:effectLst/>
           <a:extLst>
             <a:ext uri="{909E8E84-426E-40DD-AFC4-6F175D3DCCD1}">
-              <a14:hiddenFill xmlns:a14="http://schemas.microsoft.com/office/drawing/2010/main">
+              <a14:hiddenFill xmlns:a14="http://schemas.microsoft.com/office/drawing/2010/main" xmlns="">
                 <a:solidFill>
                   <a:schemeClr val="accent1"/>
                 </a:solidFill>
               </a14:hiddenFill>
             </a:ext>
             <a:ext uri="{91240B29-F687-4F45-9708-019B960494DF}">
-              <a14:hiddenLine xmlns:a14="http://schemas.microsoft.com/office/drawing/2010/main" w="9525">
+              <a14:hiddenLine xmlns:a14="http://schemas.microsoft.com/office/drawing/2010/main" xmlns="" w="9525">
                 <a:solidFill>
                   <a:schemeClr val="tx1"/>
                 </a:solidFill>
@@ -17413,7 +17399,7 @@
               </a14:hiddenLine>
             </a:ext>
             <a:ext uri="{AF507438-7753-43E0-B8FC-AC1667EBCBE1}">
-              <a14:hiddenEffects xmlns:a14="http://schemas.microsoft.com/office/drawing/2010/main">
+              <a14:hiddenEffects xmlns:a14="http://schemas.microsoft.com/office/drawing/2010/main" xmlns="">
                 <a:effectLst>
                   <a:outerShdw dist="35921" dir="2700000" algn="ctr" rotWithShape="0">
                     <a:schemeClr val="bg2"/>
@@ -17427,7 +17413,7 @@
     </p:spTree>
     <p:extLst>
       <p:ext uri="{BB962C8B-B14F-4D97-AF65-F5344CB8AC3E}">
-        <p14:creationId xmlns:p14="http://schemas.microsoft.com/office/powerpoint/2010/main" val="784466337"/>
+        <p14:creationId xmlns:p14="http://schemas.microsoft.com/office/powerpoint/2010/main" xmlns="" val="784466337"/>
       </p:ext>
     </p:extLst>
   </p:cSld>
@@ -17532,7 +17518,7 @@
     </p:spTree>
     <p:extLst>
       <p:ext uri="{BB962C8B-B14F-4D97-AF65-F5344CB8AC3E}">
-        <p14:creationId xmlns:p14="http://schemas.microsoft.com/office/powerpoint/2010/main" val="2174903389"/>
+        <p14:creationId xmlns:p14="http://schemas.microsoft.com/office/powerpoint/2010/main" xmlns="" val="2174903389"/>
       </p:ext>
     </p:extLst>
   </p:cSld>
@@ -17643,10 +17629,10 @@
           <p:nvPr/>
         </p:nvPicPr>
         <p:blipFill>
-          <a:blip r:embed="rId2">
+          <a:blip r:embed="rId2" cstate="print">
             <a:extLst>
               <a:ext uri="{28A0092B-C50C-407E-A947-70E740481C1C}">
-                <a14:useLocalDpi xmlns:a14="http://schemas.microsoft.com/office/drawing/2010/main" val="0"/>
+                <a14:useLocalDpi xmlns:a14="http://schemas.microsoft.com/office/drawing/2010/main" xmlns="" val="0"/>
               </a:ext>
             </a:extLst>
           </a:blip>
@@ -17670,14 +17656,14 @@
           <a:effectLst/>
           <a:extLst>
             <a:ext uri="{909E8E84-426E-40DD-AFC4-6F175D3DCCD1}">
-              <a14:hiddenFill xmlns:a14="http://schemas.microsoft.com/office/drawing/2010/main">
+              <a14:hiddenFill xmlns:a14="http://schemas.microsoft.com/office/drawing/2010/main" xmlns="">
                 <a:solidFill>
                   <a:schemeClr val="accent1"/>
                 </a:solidFill>
               </a14:hiddenFill>
             </a:ext>
             <a:ext uri="{91240B29-F687-4F45-9708-019B960494DF}">
-              <a14:hiddenLine xmlns:a14="http://schemas.microsoft.com/office/drawing/2010/main" w="9525">
+              <a14:hiddenLine xmlns:a14="http://schemas.microsoft.com/office/drawing/2010/main" xmlns="" w="9525">
                 <a:solidFill>
                   <a:schemeClr val="tx1"/>
                 </a:solidFill>
@@ -17687,7 +17673,7 @@
               </a14:hiddenLine>
             </a:ext>
             <a:ext uri="{AF507438-7753-43E0-B8FC-AC1667EBCBE1}">
-              <a14:hiddenEffects xmlns:a14="http://schemas.microsoft.com/office/drawing/2010/main">
+              <a14:hiddenEffects xmlns:a14="http://schemas.microsoft.com/office/drawing/2010/main" xmlns="">
                 <a:effectLst>
                   <a:outerShdw dist="35921" dir="2700000" algn="ctr" rotWithShape="0">
                     <a:schemeClr val="bg2"/>
@@ -17701,7 +17687,7 @@
     </p:spTree>
     <p:extLst>
       <p:ext uri="{BB962C8B-B14F-4D97-AF65-F5344CB8AC3E}">
-        <p14:creationId xmlns:p14="http://schemas.microsoft.com/office/powerpoint/2010/main" val="2321437162"/>
+        <p14:creationId xmlns:p14="http://schemas.microsoft.com/office/powerpoint/2010/main" xmlns="" val="2321437162"/>
       </p:ext>
     </p:extLst>
   </p:cSld>
@@ -17818,27 +17804,7 @@
                   </a:schemeClr>
                 </a:solidFill>
               </a:rPr>
-              <a:t>set </a:t>
-            </a:r>
-            <a:r>
-              <a:rPr lang="en-GB" sz="1800" dirty="0" smtClean="0">
-                <a:solidFill>
-                  <a:schemeClr val="bg1">
-                    <a:lumMod val="50000"/>
-                  </a:schemeClr>
-                </a:solidFill>
-              </a:rPr>
-              <a:t>with </a:t>
-            </a:r>
-            <a:r>
-              <a:rPr lang="en-GB" sz="1800" dirty="0" smtClean="0">
-                <a:solidFill>
-                  <a:schemeClr val="bg1">
-                    <a:lumMod val="50000"/>
-                  </a:schemeClr>
-                </a:solidFill>
-              </a:rPr>
-              <a:t>one completed </a:t>
+              <a:t>set with one completed </a:t>
             </a:r>
             <a:r>
               <a:rPr lang="en-GB" sz="1800" b="1" dirty="0" smtClean="0">
@@ -17879,10 +17845,10 @@
           <p:nvPr/>
         </p:nvPicPr>
         <p:blipFill>
-          <a:blip r:embed="rId2">
+          <a:blip r:embed="rId2" cstate="print">
             <a:extLst>
               <a:ext uri="{28A0092B-C50C-407E-A947-70E740481C1C}">
-                <a14:useLocalDpi xmlns:a14="http://schemas.microsoft.com/office/drawing/2010/main" val="0"/>
+                <a14:useLocalDpi xmlns:a14="http://schemas.microsoft.com/office/drawing/2010/main" xmlns="" val="0"/>
               </a:ext>
             </a:extLst>
           </a:blip>
@@ -17906,14 +17872,14 @@
           <a:effectLst/>
           <a:extLst>
             <a:ext uri="{909E8E84-426E-40DD-AFC4-6F175D3DCCD1}">
-              <a14:hiddenFill xmlns:a14="http://schemas.microsoft.com/office/drawing/2010/main">
+              <a14:hiddenFill xmlns:a14="http://schemas.microsoft.com/office/drawing/2010/main" xmlns="">
                 <a:solidFill>
                   <a:schemeClr val="accent1"/>
                 </a:solidFill>
               </a14:hiddenFill>
             </a:ext>
             <a:ext uri="{91240B29-F687-4F45-9708-019B960494DF}">
-              <a14:hiddenLine xmlns:a14="http://schemas.microsoft.com/office/drawing/2010/main" w="9525">
+              <a14:hiddenLine xmlns:a14="http://schemas.microsoft.com/office/drawing/2010/main" xmlns="" w="9525">
                 <a:solidFill>
                   <a:schemeClr val="tx1"/>
                 </a:solidFill>
@@ -17923,7 +17889,7 @@
               </a14:hiddenLine>
             </a:ext>
             <a:ext uri="{AF507438-7753-43E0-B8FC-AC1667EBCBE1}">
-              <a14:hiddenEffects xmlns:a14="http://schemas.microsoft.com/office/drawing/2010/main">
+              <a14:hiddenEffects xmlns:a14="http://schemas.microsoft.com/office/drawing/2010/main" xmlns="">
                 <a:effectLst>
                   <a:outerShdw dist="35921" dir="2700000" algn="ctr" rotWithShape="0">
                     <a:schemeClr val="bg2"/>
@@ -17937,7 +17903,7 @@
     </p:spTree>
     <p:extLst>
       <p:ext uri="{BB962C8B-B14F-4D97-AF65-F5344CB8AC3E}">
-        <p14:creationId xmlns:p14="http://schemas.microsoft.com/office/powerpoint/2010/main" val="54709537"/>
+        <p14:creationId xmlns:p14="http://schemas.microsoft.com/office/powerpoint/2010/main" xmlns="" val="54709537"/>
       </p:ext>
     </p:extLst>
   </p:cSld>
@@ -18035,13 +18001,8 @@
             </a:pPr>
             <a:r>
               <a:rPr lang="en-GB" sz="2400" dirty="0" smtClean="0"/>
-              <a:t>For </a:t>
-            </a:r>
-            <a:r>
-              <a:rPr lang="en-GB" sz="2400" dirty="0" smtClean="0"/>
-              <a:t>the bowling alley owner; To show players’ scores</a:t>
-            </a:r>
-            <a:endParaRPr lang="en-GB" sz="2400" dirty="0" smtClean="0"/>
+              <a:t>For the bowling alley owner; To show players’ scores</a:t>
+            </a:r>
           </a:p>
           <a:p>
             <a:pPr marL="400050" lvl="1" indent="0">
@@ -18051,7 +18012,6 @@
               <a:rPr lang="en-GB" sz="2400" dirty="0" smtClean="0"/>
               <a:t>I want the system to calculate players’ total score</a:t>
             </a:r>
-            <a:endParaRPr lang="en-GB" sz="2400" dirty="0" smtClean="0"/>
           </a:p>
           <a:p>
             <a:pPr marL="0" indent="0">
@@ -18158,7 +18118,7 @@
     </p:spTree>
     <p:extLst>
       <p:ext uri="{BB962C8B-B14F-4D97-AF65-F5344CB8AC3E}">
-        <p14:creationId xmlns:p14="http://schemas.microsoft.com/office/powerpoint/2010/main" val="2456457285"/>
+        <p14:creationId xmlns:p14="http://schemas.microsoft.com/office/powerpoint/2010/main" xmlns="" val="2456457285"/>
       </p:ext>
     </p:extLst>
   </p:cSld>
@@ -18299,10 +18259,10 @@
           <p:nvPr/>
         </p:nvPicPr>
         <p:blipFill>
-          <a:blip r:embed="rId2">
+          <a:blip r:embed="rId2" cstate="print">
             <a:extLst>
               <a:ext uri="{28A0092B-C50C-407E-A947-70E740481C1C}">
-                <a14:useLocalDpi xmlns:a14="http://schemas.microsoft.com/office/drawing/2010/main" val="0"/>
+                <a14:useLocalDpi xmlns:a14="http://schemas.microsoft.com/office/drawing/2010/main" xmlns="" val="0"/>
               </a:ext>
             </a:extLst>
           </a:blip>
@@ -18326,14 +18286,14 @@
           <a:effectLst/>
           <a:extLst>
             <a:ext uri="{909E8E84-426E-40DD-AFC4-6F175D3DCCD1}">
-              <a14:hiddenFill xmlns:a14="http://schemas.microsoft.com/office/drawing/2010/main">
+              <a14:hiddenFill xmlns:a14="http://schemas.microsoft.com/office/drawing/2010/main" xmlns="">
                 <a:solidFill>
                   <a:schemeClr val="accent1"/>
                 </a:solidFill>
               </a14:hiddenFill>
             </a:ext>
             <a:ext uri="{91240B29-F687-4F45-9708-019B960494DF}">
-              <a14:hiddenLine xmlns:a14="http://schemas.microsoft.com/office/drawing/2010/main" w="9525">
+              <a14:hiddenLine xmlns:a14="http://schemas.microsoft.com/office/drawing/2010/main" xmlns="" w="9525">
                 <a:solidFill>
                   <a:schemeClr val="tx1"/>
                 </a:solidFill>
@@ -18343,7 +18303,7 @@
               </a14:hiddenLine>
             </a:ext>
             <a:ext uri="{AF507438-7753-43E0-B8FC-AC1667EBCBE1}">
-              <a14:hiddenEffects xmlns:a14="http://schemas.microsoft.com/office/drawing/2010/main">
+              <a14:hiddenEffects xmlns:a14="http://schemas.microsoft.com/office/drawing/2010/main" xmlns="">
                 <a:effectLst>
                   <a:outerShdw dist="35921" dir="2700000" algn="ctr" rotWithShape="0">
                     <a:schemeClr val="bg2"/>
@@ -18357,7 +18317,7 @@
     </p:spTree>
     <p:extLst>
       <p:ext uri="{BB962C8B-B14F-4D97-AF65-F5344CB8AC3E}">
-        <p14:creationId xmlns:p14="http://schemas.microsoft.com/office/powerpoint/2010/main" val="4125500261"/>
+        <p14:creationId xmlns:p14="http://schemas.microsoft.com/office/powerpoint/2010/main" xmlns="" val="4125500261"/>
       </p:ext>
     </p:extLst>
   </p:cSld>
@@ -18498,10 +18458,10 @@
           <p:nvPr/>
         </p:nvPicPr>
         <p:blipFill>
-          <a:blip r:embed="rId2">
+          <a:blip r:embed="rId2" cstate="print">
             <a:extLst>
               <a:ext uri="{28A0092B-C50C-407E-A947-70E740481C1C}">
-                <a14:useLocalDpi xmlns:a14="http://schemas.microsoft.com/office/drawing/2010/main" val="0"/>
+                <a14:useLocalDpi xmlns:a14="http://schemas.microsoft.com/office/drawing/2010/main" xmlns="" val="0"/>
               </a:ext>
             </a:extLst>
           </a:blip>
@@ -18525,14 +18485,14 @@
           <a:effectLst/>
           <a:extLst>
             <a:ext uri="{909E8E84-426E-40DD-AFC4-6F175D3DCCD1}">
-              <a14:hiddenFill xmlns:a14="http://schemas.microsoft.com/office/drawing/2010/main">
+              <a14:hiddenFill xmlns:a14="http://schemas.microsoft.com/office/drawing/2010/main" xmlns="">
                 <a:solidFill>
                   <a:schemeClr val="accent1"/>
                 </a:solidFill>
               </a14:hiddenFill>
             </a:ext>
             <a:ext uri="{91240B29-F687-4F45-9708-019B960494DF}">
-              <a14:hiddenLine xmlns:a14="http://schemas.microsoft.com/office/drawing/2010/main" w="9525">
+              <a14:hiddenLine xmlns:a14="http://schemas.microsoft.com/office/drawing/2010/main" xmlns="" w="9525">
                 <a:solidFill>
                   <a:schemeClr val="tx1"/>
                 </a:solidFill>
@@ -18542,7 +18502,7 @@
               </a14:hiddenLine>
             </a:ext>
             <a:ext uri="{AF507438-7753-43E0-B8FC-AC1667EBCBE1}">
-              <a14:hiddenEffects xmlns:a14="http://schemas.microsoft.com/office/drawing/2010/main">
+              <a14:hiddenEffects xmlns:a14="http://schemas.microsoft.com/office/drawing/2010/main" xmlns="">
                 <a:effectLst>
                   <a:outerShdw dist="35921" dir="2700000" algn="ctr" rotWithShape="0">
                     <a:schemeClr val="bg2"/>
@@ -18556,7 +18516,7 @@
     </p:spTree>
     <p:extLst>
       <p:ext uri="{BB962C8B-B14F-4D97-AF65-F5344CB8AC3E}">
-        <p14:creationId xmlns:p14="http://schemas.microsoft.com/office/powerpoint/2010/main" val="4081165194"/>
+        <p14:creationId xmlns:p14="http://schemas.microsoft.com/office/powerpoint/2010/main" xmlns="" val="4081165194"/>
       </p:ext>
     </p:extLst>
   </p:cSld>
@@ -18707,10 +18667,10 @@
           <p:nvPr/>
         </p:nvPicPr>
         <p:blipFill>
-          <a:blip r:embed="rId2">
+          <a:blip r:embed="rId2" cstate="print">
             <a:extLst>
               <a:ext uri="{28A0092B-C50C-407E-A947-70E740481C1C}">
-                <a14:useLocalDpi xmlns:a14="http://schemas.microsoft.com/office/drawing/2010/main" val="0"/>
+                <a14:useLocalDpi xmlns:a14="http://schemas.microsoft.com/office/drawing/2010/main" xmlns="" val="0"/>
               </a:ext>
             </a:extLst>
           </a:blip>
@@ -18734,14 +18694,14 @@
           <a:effectLst/>
           <a:extLst>
             <a:ext uri="{909E8E84-426E-40DD-AFC4-6F175D3DCCD1}">
-              <a14:hiddenFill xmlns:a14="http://schemas.microsoft.com/office/drawing/2010/main">
+              <a14:hiddenFill xmlns:a14="http://schemas.microsoft.com/office/drawing/2010/main" xmlns="">
                 <a:solidFill>
                   <a:schemeClr val="accent1"/>
                 </a:solidFill>
               </a14:hiddenFill>
             </a:ext>
             <a:ext uri="{91240B29-F687-4F45-9708-019B960494DF}">
-              <a14:hiddenLine xmlns:a14="http://schemas.microsoft.com/office/drawing/2010/main" w="9525">
+              <a14:hiddenLine xmlns:a14="http://schemas.microsoft.com/office/drawing/2010/main" xmlns="" w="9525">
                 <a:solidFill>
                   <a:schemeClr val="tx1"/>
                 </a:solidFill>
@@ -18751,7 +18711,7 @@
               </a14:hiddenLine>
             </a:ext>
             <a:ext uri="{AF507438-7753-43E0-B8FC-AC1667EBCBE1}">
-              <a14:hiddenEffects xmlns:a14="http://schemas.microsoft.com/office/drawing/2010/main">
+              <a14:hiddenEffects xmlns:a14="http://schemas.microsoft.com/office/drawing/2010/main" xmlns="">
                 <a:effectLst>
                   <a:outerShdw dist="35921" dir="2700000" algn="ctr" rotWithShape="0">
                     <a:schemeClr val="bg2"/>
@@ -18765,7 +18725,7 @@
     </p:spTree>
     <p:extLst>
       <p:ext uri="{BB962C8B-B14F-4D97-AF65-F5344CB8AC3E}">
-        <p14:creationId xmlns:p14="http://schemas.microsoft.com/office/powerpoint/2010/main" val="3647927809"/>
+        <p14:creationId xmlns:p14="http://schemas.microsoft.com/office/powerpoint/2010/main" xmlns="" val="3647927809"/>
       </p:ext>
     </p:extLst>
   </p:cSld>
@@ -18916,10 +18876,10 @@
           <p:nvPr/>
         </p:nvPicPr>
         <p:blipFill>
-          <a:blip r:embed="rId2">
+          <a:blip r:embed="rId2" cstate="print">
             <a:extLst>
               <a:ext uri="{28A0092B-C50C-407E-A947-70E740481C1C}">
-                <a14:useLocalDpi xmlns:a14="http://schemas.microsoft.com/office/drawing/2010/main" val="0"/>
+                <a14:useLocalDpi xmlns:a14="http://schemas.microsoft.com/office/drawing/2010/main" xmlns="" val="0"/>
               </a:ext>
             </a:extLst>
           </a:blip>
@@ -18943,14 +18903,14 @@
           <a:effectLst/>
           <a:extLst>
             <a:ext uri="{909E8E84-426E-40DD-AFC4-6F175D3DCCD1}">
-              <a14:hiddenFill xmlns:a14="http://schemas.microsoft.com/office/drawing/2010/main">
+              <a14:hiddenFill xmlns:a14="http://schemas.microsoft.com/office/drawing/2010/main" xmlns="">
                 <a:solidFill>
                   <a:schemeClr val="accent1"/>
                 </a:solidFill>
               </a14:hiddenFill>
             </a:ext>
             <a:ext uri="{91240B29-F687-4F45-9708-019B960494DF}">
-              <a14:hiddenLine xmlns:a14="http://schemas.microsoft.com/office/drawing/2010/main" w="9525">
+              <a14:hiddenLine xmlns:a14="http://schemas.microsoft.com/office/drawing/2010/main" xmlns="" w="9525">
                 <a:solidFill>
                   <a:schemeClr val="tx1"/>
                 </a:solidFill>
@@ -18960,7 +18920,7 @@
               </a14:hiddenLine>
             </a:ext>
             <a:ext uri="{AF507438-7753-43E0-B8FC-AC1667EBCBE1}">
-              <a14:hiddenEffects xmlns:a14="http://schemas.microsoft.com/office/drawing/2010/main">
+              <a14:hiddenEffects xmlns:a14="http://schemas.microsoft.com/office/drawing/2010/main" xmlns="">
                 <a:effectLst>
                   <a:outerShdw dist="35921" dir="2700000" algn="ctr" rotWithShape="0">
                     <a:schemeClr val="bg2"/>
@@ -18974,7 +18934,7 @@
     </p:spTree>
     <p:extLst>
       <p:ext uri="{BB962C8B-B14F-4D97-AF65-F5344CB8AC3E}">
-        <p14:creationId xmlns:p14="http://schemas.microsoft.com/office/powerpoint/2010/main" val="1362684882"/>
+        <p14:creationId xmlns:p14="http://schemas.microsoft.com/office/powerpoint/2010/main" xmlns="" val="1362684882"/>
       </p:ext>
     </p:extLst>
   </p:cSld>
@@ -19085,10 +19045,10 @@
           <p:nvPr/>
         </p:nvPicPr>
         <p:blipFill>
-          <a:blip r:embed="rId2">
+          <a:blip r:embed="rId2" cstate="print">
             <a:extLst>
               <a:ext uri="{28A0092B-C50C-407E-A947-70E740481C1C}">
-                <a14:useLocalDpi xmlns:a14="http://schemas.microsoft.com/office/drawing/2010/main" val="0"/>
+                <a14:useLocalDpi xmlns:a14="http://schemas.microsoft.com/office/drawing/2010/main" xmlns="" val="0"/>
               </a:ext>
             </a:extLst>
           </a:blip>
@@ -19112,14 +19072,14 @@
           <a:effectLst/>
           <a:extLst>
             <a:ext uri="{909E8E84-426E-40DD-AFC4-6F175D3DCCD1}">
-              <a14:hiddenFill xmlns:a14="http://schemas.microsoft.com/office/drawing/2010/main">
+              <a14:hiddenFill xmlns:a14="http://schemas.microsoft.com/office/drawing/2010/main" xmlns="">
                 <a:solidFill>
                   <a:schemeClr val="accent1"/>
                 </a:solidFill>
               </a14:hiddenFill>
             </a:ext>
             <a:ext uri="{91240B29-F687-4F45-9708-019B960494DF}">
-              <a14:hiddenLine xmlns:a14="http://schemas.microsoft.com/office/drawing/2010/main" w="9525">
+              <a14:hiddenLine xmlns:a14="http://schemas.microsoft.com/office/drawing/2010/main" xmlns="" w="9525">
                 <a:solidFill>
                   <a:schemeClr val="tx1"/>
                 </a:solidFill>
@@ -19129,7 +19089,7 @@
               </a14:hiddenLine>
             </a:ext>
             <a:ext uri="{AF507438-7753-43E0-B8FC-AC1667EBCBE1}">
-              <a14:hiddenEffects xmlns:a14="http://schemas.microsoft.com/office/drawing/2010/main">
+              <a14:hiddenEffects xmlns:a14="http://schemas.microsoft.com/office/drawing/2010/main" xmlns="">
                 <a:effectLst>
                   <a:outerShdw dist="35921" dir="2700000" algn="ctr" rotWithShape="0">
                     <a:schemeClr val="bg2"/>
@@ -19143,7 +19103,7 @@
     </p:spTree>
     <p:extLst>
       <p:ext uri="{BB962C8B-B14F-4D97-AF65-F5344CB8AC3E}">
-        <p14:creationId xmlns:p14="http://schemas.microsoft.com/office/powerpoint/2010/main" val="3215858859"/>
+        <p14:creationId xmlns:p14="http://schemas.microsoft.com/office/powerpoint/2010/main" xmlns="" val="3215858859"/>
       </p:ext>
     </p:extLst>
   </p:cSld>
@@ -19276,10 +19236,10 @@
           <p:nvPr/>
         </p:nvPicPr>
         <p:blipFill>
-          <a:blip r:embed="rId2">
+          <a:blip r:embed="rId2" cstate="print">
             <a:extLst>
               <a:ext uri="{28A0092B-C50C-407E-A947-70E740481C1C}">
-                <a14:useLocalDpi xmlns:a14="http://schemas.microsoft.com/office/drawing/2010/main" val="0"/>
+                <a14:useLocalDpi xmlns:a14="http://schemas.microsoft.com/office/drawing/2010/main" xmlns="" val="0"/>
               </a:ext>
             </a:extLst>
           </a:blip>
@@ -19303,14 +19263,14 @@
           <a:effectLst/>
           <a:extLst>
             <a:ext uri="{909E8E84-426E-40DD-AFC4-6F175D3DCCD1}">
-              <a14:hiddenFill xmlns:a14="http://schemas.microsoft.com/office/drawing/2010/main">
+              <a14:hiddenFill xmlns:a14="http://schemas.microsoft.com/office/drawing/2010/main" xmlns="">
                 <a:solidFill>
                   <a:schemeClr val="accent1"/>
                 </a:solidFill>
               </a14:hiddenFill>
             </a:ext>
             <a:ext uri="{91240B29-F687-4F45-9708-019B960494DF}">
-              <a14:hiddenLine xmlns:a14="http://schemas.microsoft.com/office/drawing/2010/main" w="9525">
+              <a14:hiddenLine xmlns:a14="http://schemas.microsoft.com/office/drawing/2010/main" xmlns="" w="9525">
                 <a:solidFill>
                   <a:schemeClr val="tx1"/>
                 </a:solidFill>
@@ -19320,7 +19280,7 @@
               </a14:hiddenLine>
             </a:ext>
             <a:ext uri="{AF507438-7753-43E0-B8FC-AC1667EBCBE1}">
-              <a14:hiddenEffects xmlns:a14="http://schemas.microsoft.com/office/drawing/2010/main">
+              <a14:hiddenEffects xmlns:a14="http://schemas.microsoft.com/office/drawing/2010/main" xmlns="">
                 <a:effectLst>
                   <a:outerShdw dist="35921" dir="2700000" algn="ctr" rotWithShape="0">
                     <a:schemeClr val="bg2"/>
@@ -19334,7 +19294,7 @@
     </p:spTree>
     <p:extLst>
       <p:ext uri="{BB962C8B-B14F-4D97-AF65-F5344CB8AC3E}">
-        <p14:creationId xmlns:p14="http://schemas.microsoft.com/office/powerpoint/2010/main" val="2894804364"/>
+        <p14:creationId xmlns:p14="http://schemas.microsoft.com/office/powerpoint/2010/main" xmlns="" val="2894804364"/>
       </p:ext>
     </p:extLst>
   </p:cSld>
@@ -19431,17 +19391,7 @@
                   </a:schemeClr>
                 </a:solidFill>
               </a:rPr>
-              <a:t>Notice the progression in the unit tests follows that of the scenario</a:t>
-            </a:r>
-            <a:r>
-              <a:rPr lang="en-GB" sz="1800" dirty="0" smtClean="0">
-                <a:solidFill>
-                  <a:schemeClr val="bg1">
-                    <a:lumMod val="50000"/>
-                  </a:schemeClr>
-                </a:solidFill>
-              </a:rPr>
-              <a:t>,</a:t>
+              <a:t>Notice the progression in the unit tests follows that of the scenario,</a:t>
             </a:r>
           </a:p>
           <a:p>
@@ -19492,10 +19442,10 @@
           <p:nvPr/>
         </p:nvPicPr>
         <p:blipFill>
-          <a:blip r:embed="rId2">
+          <a:blip r:embed="rId2" cstate="print">
             <a:extLst>
               <a:ext uri="{28A0092B-C50C-407E-A947-70E740481C1C}">
-                <a14:useLocalDpi xmlns:a14="http://schemas.microsoft.com/office/drawing/2010/main" val="0"/>
+                <a14:useLocalDpi xmlns:a14="http://schemas.microsoft.com/office/drawing/2010/main" xmlns="" val="0"/>
               </a:ext>
             </a:extLst>
           </a:blip>
@@ -19519,14 +19469,14 @@
           <a:effectLst/>
           <a:extLst>
             <a:ext uri="{909E8E84-426E-40DD-AFC4-6F175D3DCCD1}">
-              <a14:hiddenFill xmlns:a14="http://schemas.microsoft.com/office/drawing/2010/main">
+              <a14:hiddenFill xmlns:a14="http://schemas.microsoft.com/office/drawing/2010/main" xmlns="">
                 <a:solidFill>
                   <a:schemeClr val="accent1"/>
                 </a:solidFill>
               </a14:hiddenFill>
             </a:ext>
             <a:ext uri="{91240B29-F687-4F45-9708-019B960494DF}">
-              <a14:hiddenLine xmlns:a14="http://schemas.microsoft.com/office/drawing/2010/main" w="9525">
+              <a14:hiddenLine xmlns:a14="http://schemas.microsoft.com/office/drawing/2010/main" xmlns="" w="9525">
                 <a:solidFill>
                   <a:schemeClr val="tx1"/>
                 </a:solidFill>
@@ -19536,7 +19486,7 @@
               </a14:hiddenLine>
             </a:ext>
             <a:ext uri="{AF507438-7753-43E0-B8FC-AC1667EBCBE1}">
-              <a14:hiddenEffects xmlns:a14="http://schemas.microsoft.com/office/drawing/2010/main">
+              <a14:hiddenEffects xmlns:a14="http://schemas.microsoft.com/office/drawing/2010/main" xmlns="">
                 <a:effectLst>
                   <a:outerShdw dist="35921" dir="2700000" algn="ctr" rotWithShape="0">
                     <a:schemeClr val="bg2"/>
@@ -19550,7 +19500,7 @@
     </p:spTree>
     <p:extLst>
       <p:ext uri="{BB962C8B-B14F-4D97-AF65-F5344CB8AC3E}">
-        <p14:creationId xmlns:p14="http://schemas.microsoft.com/office/powerpoint/2010/main" val="1244175611"/>
+        <p14:creationId xmlns:p14="http://schemas.microsoft.com/office/powerpoint/2010/main" xmlns="" val="1244175611"/>
       </p:ext>
     </p:extLst>
   </p:cSld>
@@ -19661,10 +19611,10 @@
           <p:nvPr/>
         </p:nvPicPr>
         <p:blipFill>
-          <a:blip r:embed="rId2">
+          <a:blip r:embed="rId2" cstate="print">
             <a:extLst>
               <a:ext uri="{28A0092B-C50C-407E-A947-70E740481C1C}">
-                <a14:useLocalDpi xmlns:a14="http://schemas.microsoft.com/office/drawing/2010/main" val="0"/>
+                <a14:useLocalDpi xmlns:a14="http://schemas.microsoft.com/office/drawing/2010/main" xmlns="" val="0"/>
               </a:ext>
             </a:extLst>
           </a:blip>
@@ -19688,14 +19638,14 @@
           <a:effectLst/>
           <a:extLst>
             <a:ext uri="{909E8E84-426E-40DD-AFC4-6F175D3DCCD1}">
-              <a14:hiddenFill xmlns:a14="http://schemas.microsoft.com/office/drawing/2010/main">
+              <a14:hiddenFill xmlns:a14="http://schemas.microsoft.com/office/drawing/2010/main" xmlns="">
                 <a:solidFill>
                   <a:schemeClr val="accent1"/>
                 </a:solidFill>
               </a14:hiddenFill>
             </a:ext>
             <a:ext uri="{91240B29-F687-4F45-9708-019B960494DF}">
-              <a14:hiddenLine xmlns:a14="http://schemas.microsoft.com/office/drawing/2010/main" w="9525">
+              <a14:hiddenLine xmlns:a14="http://schemas.microsoft.com/office/drawing/2010/main" xmlns="" w="9525">
                 <a:solidFill>
                   <a:schemeClr val="tx1"/>
                 </a:solidFill>
@@ -19705,7 +19655,7 @@
               </a14:hiddenLine>
             </a:ext>
             <a:ext uri="{AF507438-7753-43E0-B8FC-AC1667EBCBE1}">
-              <a14:hiddenEffects xmlns:a14="http://schemas.microsoft.com/office/drawing/2010/main">
+              <a14:hiddenEffects xmlns:a14="http://schemas.microsoft.com/office/drawing/2010/main" xmlns="">
                 <a:effectLst>
                   <a:outerShdw dist="35921" dir="2700000" algn="ctr" rotWithShape="0">
                     <a:schemeClr val="bg2"/>
@@ -19719,7 +19669,7 @@
     </p:spTree>
     <p:extLst>
       <p:ext uri="{BB962C8B-B14F-4D97-AF65-F5344CB8AC3E}">
-        <p14:creationId xmlns:p14="http://schemas.microsoft.com/office/powerpoint/2010/main" val="3391514646"/>
+        <p14:creationId xmlns:p14="http://schemas.microsoft.com/office/powerpoint/2010/main" xmlns="" val="3391514646"/>
       </p:ext>
     </p:extLst>
   </p:cSld>
@@ -19848,10 +19798,10 @@
           <p:nvPr/>
         </p:nvPicPr>
         <p:blipFill>
-          <a:blip r:embed="rId2">
+          <a:blip r:embed="rId2" cstate="print">
             <a:extLst>
               <a:ext uri="{28A0092B-C50C-407E-A947-70E740481C1C}">
-                <a14:useLocalDpi xmlns:a14="http://schemas.microsoft.com/office/drawing/2010/main" val="0"/>
+                <a14:useLocalDpi xmlns:a14="http://schemas.microsoft.com/office/drawing/2010/main" xmlns="" val="0"/>
               </a:ext>
             </a:extLst>
           </a:blip>
@@ -19875,14 +19825,14 @@
           <a:effectLst/>
           <a:extLst>
             <a:ext uri="{909E8E84-426E-40DD-AFC4-6F175D3DCCD1}">
-              <a14:hiddenFill xmlns:a14="http://schemas.microsoft.com/office/drawing/2010/main">
+              <a14:hiddenFill xmlns:a14="http://schemas.microsoft.com/office/drawing/2010/main" xmlns="">
                 <a:solidFill>
                   <a:schemeClr val="accent1"/>
                 </a:solidFill>
               </a14:hiddenFill>
             </a:ext>
             <a:ext uri="{91240B29-F687-4F45-9708-019B960494DF}">
-              <a14:hiddenLine xmlns:a14="http://schemas.microsoft.com/office/drawing/2010/main" w="9525">
+              <a14:hiddenLine xmlns:a14="http://schemas.microsoft.com/office/drawing/2010/main" xmlns="" w="9525">
                 <a:solidFill>
                   <a:schemeClr val="tx1"/>
                 </a:solidFill>
@@ -19892,7 +19842,7 @@
               </a14:hiddenLine>
             </a:ext>
             <a:ext uri="{AF507438-7753-43E0-B8FC-AC1667EBCBE1}">
-              <a14:hiddenEffects xmlns:a14="http://schemas.microsoft.com/office/drawing/2010/main">
+              <a14:hiddenEffects xmlns:a14="http://schemas.microsoft.com/office/drawing/2010/main" xmlns="">
                 <a:effectLst>
                   <a:outerShdw dist="35921" dir="2700000" algn="ctr" rotWithShape="0">
                     <a:schemeClr val="bg2"/>
@@ -19906,7 +19856,7 @@
     </p:spTree>
     <p:extLst>
       <p:ext uri="{BB962C8B-B14F-4D97-AF65-F5344CB8AC3E}">
-        <p14:creationId xmlns:p14="http://schemas.microsoft.com/office/powerpoint/2010/main" val="3062305772"/>
+        <p14:creationId xmlns:p14="http://schemas.microsoft.com/office/powerpoint/2010/main" xmlns="" val="3062305772"/>
       </p:ext>
     </p:extLst>
   </p:cSld>
@@ -20098,7 +20048,7 @@
     </p:spTree>
     <p:extLst>
       <p:ext uri="{BB962C8B-B14F-4D97-AF65-F5344CB8AC3E}">
-        <p14:creationId xmlns:p14="http://schemas.microsoft.com/office/powerpoint/2010/main" val="166526720"/>
+        <p14:creationId xmlns:p14="http://schemas.microsoft.com/office/powerpoint/2010/main" xmlns="" val="166526720"/>
       </p:ext>
     </p:extLst>
   </p:cSld>
@@ -20311,7 +20261,7 @@
     </p:spTree>
     <p:extLst>
       <p:ext uri="{BB962C8B-B14F-4D97-AF65-F5344CB8AC3E}">
-        <p14:creationId xmlns:p14="http://schemas.microsoft.com/office/powerpoint/2010/main" val="1192670715"/>
+        <p14:creationId xmlns:p14="http://schemas.microsoft.com/office/powerpoint/2010/main" xmlns="" val="1192670715"/>
       </p:ext>
     </p:extLst>
   </p:cSld>
@@ -20516,7 +20466,7 @@
     </p:spTree>
     <p:extLst>
       <p:ext uri="{BB962C8B-B14F-4D97-AF65-F5344CB8AC3E}">
-        <p14:creationId xmlns:p14="http://schemas.microsoft.com/office/powerpoint/2010/main" val="4110050774"/>
+        <p14:creationId xmlns:p14="http://schemas.microsoft.com/office/powerpoint/2010/main" xmlns="" val="4110050774"/>
       </p:ext>
     </p:extLst>
   </p:cSld>
@@ -20705,7 +20655,7 @@
     </p:spTree>
     <p:extLst>
       <p:ext uri="{BB962C8B-B14F-4D97-AF65-F5344CB8AC3E}">
-        <p14:creationId xmlns:p14="http://schemas.microsoft.com/office/powerpoint/2010/main" val="3585191795"/>
+        <p14:creationId xmlns:p14="http://schemas.microsoft.com/office/powerpoint/2010/main" xmlns="" val="3585191795"/>
       </p:ext>
     </p:extLst>
   </p:cSld>
@@ -20994,10 +20944,10 @@
           <p:nvPr/>
         </p:nvPicPr>
         <p:blipFill>
-          <a:blip r:embed="rId2">
+          <a:blip r:embed="rId2" cstate="print">
             <a:extLst>
               <a:ext uri="{28A0092B-C50C-407E-A947-70E740481C1C}">
-                <a14:useLocalDpi xmlns:a14="http://schemas.microsoft.com/office/drawing/2010/main" val="0"/>
+                <a14:useLocalDpi xmlns:a14="http://schemas.microsoft.com/office/drawing/2010/main" xmlns="" val="0"/>
               </a:ext>
             </a:extLst>
           </a:blip>
@@ -21008,7 +20958,7 @@
         </p:blipFill>
         <p:spPr bwMode="auto">
           <a:xfrm>
-            <a:off x="971600" y="2155984"/>
+            <a:off x="933500" y="1907307"/>
             <a:ext cx="7162324" cy="1273016"/>
           </a:xfrm>
           <a:prstGeom prst="rect">
@@ -21021,14 +20971,14 @@
           <a:effectLst/>
           <a:extLst>
             <a:ext uri="{909E8E84-426E-40DD-AFC4-6F175D3DCCD1}">
-              <a14:hiddenFill xmlns:a14="http://schemas.microsoft.com/office/drawing/2010/main">
+              <a14:hiddenFill xmlns:a14="http://schemas.microsoft.com/office/drawing/2010/main" xmlns="">
                 <a:solidFill>
                   <a:schemeClr val="accent1"/>
                 </a:solidFill>
               </a14:hiddenFill>
             </a:ext>
             <a:ext uri="{91240B29-F687-4F45-9708-019B960494DF}">
-              <a14:hiddenLine xmlns:a14="http://schemas.microsoft.com/office/drawing/2010/main" w="9525">
+              <a14:hiddenLine xmlns:a14="http://schemas.microsoft.com/office/drawing/2010/main" xmlns="" w="9525">
                 <a:solidFill>
                   <a:schemeClr val="tx1"/>
                 </a:solidFill>
@@ -21038,7 +20988,7 @@
               </a14:hiddenLine>
             </a:ext>
             <a:ext uri="{AF507438-7753-43E0-B8FC-AC1667EBCBE1}">
-              <a14:hiddenEffects xmlns:a14="http://schemas.microsoft.com/office/drawing/2010/main">
+              <a14:hiddenEffects xmlns:a14="http://schemas.microsoft.com/office/drawing/2010/main" xmlns="">
                 <a:effectLst>
                   <a:outerShdw dist="35921" dir="2700000" algn="ctr" rotWithShape="0">
                     <a:schemeClr val="bg2"/>
@@ -21052,7 +21002,7 @@
     </p:spTree>
     <p:extLst>
       <p:ext uri="{BB962C8B-B14F-4D97-AF65-F5344CB8AC3E}">
-        <p14:creationId xmlns:p14="http://schemas.microsoft.com/office/powerpoint/2010/main" val="488585451"/>
+        <p14:creationId xmlns:p14="http://schemas.microsoft.com/office/powerpoint/2010/main" xmlns="" val="488585451"/>
       </p:ext>
     </p:extLst>
   </p:cSld>
@@ -21302,10 +21252,10 @@
           <p:nvPr/>
         </p:nvPicPr>
         <p:blipFill>
-          <a:blip r:embed="rId2">
+          <a:blip r:embed="rId2" cstate="print">
             <a:extLst>
               <a:ext uri="{28A0092B-C50C-407E-A947-70E740481C1C}">
-                <a14:useLocalDpi xmlns:a14="http://schemas.microsoft.com/office/drawing/2010/main" val="0"/>
+                <a14:useLocalDpi xmlns:a14="http://schemas.microsoft.com/office/drawing/2010/main" xmlns="" val="0"/>
               </a:ext>
             </a:extLst>
           </a:blip>
@@ -21316,7 +21266,7 @@
         </p:blipFill>
         <p:spPr bwMode="auto">
           <a:xfrm>
-            <a:off x="971600" y="2204864"/>
+            <a:off x="947217" y="1916832"/>
             <a:ext cx="7213759" cy="1285875"/>
           </a:xfrm>
           <a:prstGeom prst="rect">
@@ -21329,14 +21279,14 @@
           <a:effectLst/>
           <a:extLst>
             <a:ext uri="{909E8E84-426E-40DD-AFC4-6F175D3DCCD1}">
-              <a14:hiddenFill xmlns:a14="http://schemas.microsoft.com/office/drawing/2010/main">
+              <a14:hiddenFill xmlns:a14="http://schemas.microsoft.com/office/drawing/2010/main" xmlns="">
                 <a:solidFill>
                   <a:schemeClr val="accent1"/>
                 </a:solidFill>
               </a14:hiddenFill>
             </a:ext>
             <a:ext uri="{91240B29-F687-4F45-9708-019B960494DF}">
-              <a14:hiddenLine xmlns:a14="http://schemas.microsoft.com/office/drawing/2010/main" w="9525">
+              <a14:hiddenLine xmlns:a14="http://schemas.microsoft.com/office/drawing/2010/main" xmlns="" w="9525">
                 <a:solidFill>
                   <a:schemeClr val="tx1"/>
                 </a:solidFill>
@@ -21346,7 +21296,7 @@
               </a14:hiddenLine>
             </a:ext>
             <a:ext uri="{AF507438-7753-43E0-B8FC-AC1667EBCBE1}">
-              <a14:hiddenEffects xmlns:a14="http://schemas.microsoft.com/office/drawing/2010/main">
+              <a14:hiddenEffects xmlns:a14="http://schemas.microsoft.com/office/drawing/2010/main" xmlns="">
                 <a:effectLst>
                   <a:outerShdw dist="35921" dir="2700000" algn="ctr" rotWithShape="0">
                     <a:schemeClr val="bg2"/>
@@ -21360,7 +21310,7 @@
     </p:spTree>
     <p:extLst>
       <p:ext uri="{BB962C8B-B14F-4D97-AF65-F5344CB8AC3E}">
-        <p14:creationId xmlns:p14="http://schemas.microsoft.com/office/powerpoint/2010/main" val="1275642783"/>
+        <p14:creationId xmlns:p14="http://schemas.microsoft.com/office/powerpoint/2010/main" xmlns="" val="1275642783"/>
       </p:ext>
     </p:extLst>
   </p:cSld>
@@ -21573,7 +21523,7 @@
     </p:spTree>
     <p:extLst>
       <p:ext uri="{BB962C8B-B14F-4D97-AF65-F5344CB8AC3E}">
-        <p14:creationId xmlns:p14="http://schemas.microsoft.com/office/powerpoint/2010/main" val="2665139218"/>
+        <p14:creationId xmlns:p14="http://schemas.microsoft.com/office/powerpoint/2010/main" xmlns="" val="2665139218"/>
       </p:ext>
     </p:extLst>
   </p:cSld>
@@ -21855,7 +21805,7 @@
     </p:spTree>
     <p:extLst>
       <p:ext uri="{BB962C8B-B14F-4D97-AF65-F5344CB8AC3E}">
-        <p14:creationId xmlns:p14="http://schemas.microsoft.com/office/powerpoint/2010/main" val="2022052353"/>
+        <p14:creationId xmlns:p14="http://schemas.microsoft.com/office/powerpoint/2010/main" xmlns="" val="2022052353"/>
       </p:ext>
     </p:extLst>
   </p:cSld>
@@ -22129,7 +22079,17 @@
                   </a:schemeClr>
                 </a:solidFill>
               </a:rPr>
-              <a:t>Note, we use “Verify” rather than “When”</a:t>
+              <a:t>Note, we use “Verify” rather than “When</a:t>
+            </a:r>
+            <a:r>
+              <a:rPr lang="en-GB" sz="1800" dirty="0" smtClean="0">
+                <a:solidFill>
+                  <a:schemeClr val="bg1">
+                    <a:lumMod val="50000"/>
+                  </a:schemeClr>
+                </a:solidFill>
+              </a:rPr>
+              <a:t>” – this means we don’t need to give an action to perform.</a:t>
             </a:r>
             <a:endParaRPr lang="en-GB" sz="1800" dirty="0"/>
           </a:p>
@@ -22144,10 +22104,10 @@
           <p:nvPr/>
         </p:nvPicPr>
         <p:blipFill>
-          <a:blip r:embed="rId2">
+          <a:blip r:embed="rId2" cstate="print">
             <a:extLst>
               <a:ext uri="{28A0092B-C50C-407E-A947-70E740481C1C}">
-                <a14:useLocalDpi xmlns:a14="http://schemas.microsoft.com/office/drawing/2010/main" val="0"/>
+                <a14:useLocalDpi xmlns:a14="http://schemas.microsoft.com/office/drawing/2010/main" xmlns="" val="0"/>
               </a:ext>
             </a:extLst>
           </a:blip>
@@ -22171,14 +22131,14 @@
           <a:effectLst/>
           <a:extLst>
             <a:ext uri="{909E8E84-426E-40DD-AFC4-6F175D3DCCD1}">
-              <a14:hiddenFill xmlns:a14="http://schemas.microsoft.com/office/drawing/2010/main">
+              <a14:hiddenFill xmlns:a14="http://schemas.microsoft.com/office/drawing/2010/main" xmlns="">
                 <a:solidFill>
                   <a:schemeClr val="accent1"/>
                 </a:solidFill>
               </a14:hiddenFill>
             </a:ext>
             <a:ext uri="{91240B29-F687-4F45-9708-019B960494DF}">
-              <a14:hiddenLine xmlns:a14="http://schemas.microsoft.com/office/drawing/2010/main" w="9525">
+              <a14:hiddenLine xmlns:a14="http://schemas.microsoft.com/office/drawing/2010/main" xmlns="" w="9525">
                 <a:solidFill>
                   <a:schemeClr val="tx1"/>
                 </a:solidFill>
@@ -22188,7 +22148,7 @@
               </a14:hiddenLine>
             </a:ext>
             <a:ext uri="{AF507438-7753-43E0-B8FC-AC1667EBCBE1}">
-              <a14:hiddenEffects xmlns:a14="http://schemas.microsoft.com/office/drawing/2010/main">
+              <a14:hiddenEffects xmlns:a14="http://schemas.microsoft.com/office/drawing/2010/main" xmlns="">
                 <a:effectLst>
                   <a:outerShdw dist="35921" dir="2700000" algn="ctr" rotWithShape="0">
                     <a:schemeClr val="bg2"/>
@@ -22202,7 +22162,7 @@
     </p:spTree>
     <p:extLst>
       <p:ext uri="{BB962C8B-B14F-4D97-AF65-F5344CB8AC3E}">
-        <p14:creationId xmlns:p14="http://schemas.microsoft.com/office/powerpoint/2010/main" val="3617027753"/>
+        <p14:creationId xmlns:p14="http://schemas.microsoft.com/office/powerpoint/2010/main" xmlns="" val="3617027753"/>
       </p:ext>
     </p:extLst>
   </p:cSld>
@@ -22415,7 +22375,7 @@
     </p:spTree>
     <p:extLst>
       <p:ext uri="{BB962C8B-B14F-4D97-AF65-F5344CB8AC3E}">
-        <p14:creationId xmlns:p14="http://schemas.microsoft.com/office/powerpoint/2010/main" val="3371580196"/>
+        <p14:creationId xmlns:p14="http://schemas.microsoft.com/office/powerpoint/2010/main" xmlns="" val="3371580196"/>
       </p:ext>
     </p:extLst>
   </p:cSld>
@@ -22655,7 +22615,7 @@
     </p:spTree>
     <p:extLst>
       <p:ext uri="{BB962C8B-B14F-4D97-AF65-F5344CB8AC3E}">
-        <p14:creationId xmlns:p14="http://schemas.microsoft.com/office/powerpoint/2010/main" val="467858229"/>
+        <p14:creationId xmlns:p14="http://schemas.microsoft.com/office/powerpoint/2010/main" xmlns="" val="467858229"/>
       </p:ext>
     </p:extLst>
   </p:cSld>
@@ -22767,10 +22727,10 @@
           <p:nvPr/>
         </p:nvPicPr>
         <p:blipFill>
-          <a:blip r:embed="rId2">
+          <a:blip r:embed="rId2" cstate="print">
             <a:extLst>
               <a:ext uri="{28A0092B-C50C-407E-A947-70E740481C1C}">
-                <a14:useLocalDpi xmlns:a14="http://schemas.microsoft.com/office/drawing/2010/main" val="0"/>
+                <a14:useLocalDpi xmlns:a14="http://schemas.microsoft.com/office/drawing/2010/main" xmlns="" val="0"/>
               </a:ext>
             </a:extLst>
           </a:blip>
@@ -22794,14 +22754,14 @@
           <a:effectLst/>
           <a:extLst>
             <a:ext uri="{909E8E84-426E-40DD-AFC4-6F175D3DCCD1}">
-              <a14:hiddenFill xmlns:a14="http://schemas.microsoft.com/office/drawing/2010/main">
+              <a14:hiddenFill xmlns:a14="http://schemas.microsoft.com/office/drawing/2010/main" xmlns="">
                 <a:solidFill>
                   <a:schemeClr val="accent1"/>
                 </a:solidFill>
               </a14:hiddenFill>
             </a:ext>
             <a:ext uri="{91240B29-F687-4F45-9708-019B960494DF}">
-              <a14:hiddenLine xmlns:a14="http://schemas.microsoft.com/office/drawing/2010/main" w="9525">
+              <a14:hiddenLine xmlns:a14="http://schemas.microsoft.com/office/drawing/2010/main" xmlns="" w="9525">
                 <a:solidFill>
                   <a:schemeClr val="tx1"/>
                 </a:solidFill>
@@ -22811,7 +22771,7 @@
               </a14:hiddenLine>
             </a:ext>
             <a:ext uri="{AF507438-7753-43E0-B8FC-AC1667EBCBE1}">
-              <a14:hiddenEffects xmlns:a14="http://schemas.microsoft.com/office/drawing/2010/main">
+              <a14:hiddenEffects xmlns:a14="http://schemas.microsoft.com/office/drawing/2010/main" xmlns="">
                 <a:effectLst>
                   <a:outerShdw dist="35921" dir="2700000" algn="ctr" rotWithShape="0">
                     <a:schemeClr val="bg2"/>
@@ -22825,7 +22785,7 @@
     </p:spTree>
     <p:extLst>
       <p:ext uri="{BB962C8B-B14F-4D97-AF65-F5344CB8AC3E}">
-        <p14:creationId xmlns:p14="http://schemas.microsoft.com/office/powerpoint/2010/main" val="2124924051"/>
+        <p14:creationId xmlns:p14="http://schemas.microsoft.com/office/powerpoint/2010/main" xmlns="" val="2124924051"/>
       </p:ext>
     </p:extLst>
   </p:cSld>
@@ -23103,7 +23063,7 @@
     </p:spTree>
     <p:extLst>
       <p:ext uri="{BB962C8B-B14F-4D97-AF65-F5344CB8AC3E}">
-        <p14:creationId xmlns:p14="http://schemas.microsoft.com/office/powerpoint/2010/main" val="2588093384"/>
+        <p14:creationId xmlns:p14="http://schemas.microsoft.com/office/powerpoint/2010/main" xmlns="" val="2588093384"/>
       </p:ext>
     </p:extLst>
   </p:cSld>
@@ -23320,7 +23280,7 @@
     </p:spTree>
     <p:extLst>
       <p:ext uri="{BB962C8B-B14F-4D97-AF65-F5344CB8AC3E}">
-        <p14:creationId xmlns:p14="http://schemas.microsoft.com/office/powerpoint/2010/main" val="3459451356"/>
+        <p14:creationId xmlns:p14="http://schemas.microsoft.com/office/powerpoint/2010/main" xmlns="" val="3459451356"/>
       </p:ext>
     </p:extLst>
   </p:cSld>
@@ -23417,7 +23377,7 @@
     </p:spTree>
     <p:extLst>
       <p:ext uri="{BB962C8B-B14F-4D97-AF65-F5344CB8AC3E}">
-        <p14:creationId xmlns:p14="http://schemas.microsoft.com/office/powerpoint/2010/main" val="8261071"/>
+        <p14:creationId xmlns:p14="http://schemas.microsoft.com/office/powerpoint/2010/main" xmlns="" val="8261071"/>
       </p:ext>
     </p:extLst>
   </p:cSld>
@@ -23582,7 +23542,7 @@
     </p:spTree>
     <p:extLst>
       <p:ext uri="{BB962C8B-B14F-4D97-AF65-F5344CB8AC3E}">
-        <p14:creationId xmlns:p14="http://schemas.microsoft.com/office/powerpoint/2010/main" val="3153738763"/>
+        <p14:creationId xmlns:p14="http://schemas.microsoft.com/office/powerpoint/2010/main" xmlns="" val="3153738763"/>
       </p:ext>
     </p:extLst>
   </p:cSld>
@@ -23699,10 +23659,10 @@
           <p:nvPr/>
         </p:nvPicPr>
         <p:blipFill>
-          <a:blip r:embed="rId2">
+          <a:blip r:embed="rId2" cstate="print">
             <a:extLst>
               <a:ext uri="{28A0092B-C50C-407E-A947-70E740481C1C}">
-                <a14:useLocalDpi xmlns:a14="http://schemas.microsoft.com/office/drawing/2010/main" val="0"/>
+                <a14:useLocalDpi xmlns:a14="http://schemas.microsoft.com/office/drawing/2010/main" xmlns="" val="0"/>
               </a:ext>
             </a:extLst>
           </a:blip>
@@ -23726,14 +23686,14 @@
           <a:effectLst/>
           <a:extLst>
             <a:ext uri="{909E8E84-426E-40DD-AFC4-6F175D3DCCD1}">
-              <a14:hiddenFill xmlns:a14="http://schemas.microsoft.com/office/drawing/2010/main">
+              <a14:hiddenFill xmlns:a14="http://schemas.microsoft.com/office/drawing/2010/main" xmlns="">
                 <a:solidFill>
                   <a:schemeClr val="accent1"/>
                 </a:solidFill>
               </a14:hiddenFill>
             </a:ext>
             <a:ext uri="{91240B29-F687-4F45-9708-019B960494DF}">
-              <a14:hiddenLine xmlns:a14="http://schemas.microsoft.com/office/drawing/2010/main" w="9525">
+              <a14:hiddenLine xmlns:a14="http://schemas.microsoft.com/office/drawing/2010/main" xmlns="" w="9525">
                 <a:solidFill>
                   <a:schemeClr val="tx1"/>
                 </a:solidFill>
@@ -23743,7 +23703,7 @@
               </a14:hiddenLine>
             </a:ext>
             <a:ext uri="{AF507438-7753-43E0-B8FC-AC1667EBCBE1}">
-              <a14:hiddenEffects xmlns:a14="http://schemas.microsoft.com/office/drawing/2010/main">
+              <a14:hiddenEffects xmlns:a14="http://schemas.microsoft.com/office/drawing/2010/main" xmlns="">
                 <a:effectLst>
                   <a:outerShdw dist="35921" dir="2700000" algn="ctr" rotWithShape="0">
                     <a:schemeClr val="bg2"/>
@@ -23757,7 +23717,7 @@
     </p:spTree>
     <p:extLst>
       <p:ext uri="{BB962C8B-B14F-4D97-AF65-F5344CB8AC3E}">
-        <p14:creationId xmlns:p14="http://schemas.microsoft.com/office/powerpoint/2010/main" val="3671867509"/>
+        <p14:creationId xmlns:p14="http://schemas.microsoft.com/office/powerpoint/2010/main" xmlns="" val="3671867509"/>
       </p:ext>
     </p:extLst>
   </p:cSld>
@@ -23874,10 +23834,10 @@
           <p:nvPr/>
         </p:nvPicPr>
         <p:blipFill>
-          <a:blip r:embed="rId2">
+          <a:blip r:embed="rId2" cstate="print">
             <a:extLst>
               <a:ext uri="{28A0092B-C50C-407E-A947-70E740481C1C}">
-                <a14:useLocalDpi xmlns:a14="http://schemas.microsoft.com/office/drawing/2010/main" val="0"/>
+                <a14:useLocalDpi xmlns:a14="http://schemas.microsoft.com/office/drawing/2010/main" xmlns="" val="0"/>
               </a:ext>
             </a:extLst>
           </a:blip>
@@ -23901,14 +23861,14 @@
           <a:effectLst/>
           <a:extLst>
             <a:ext uri="{909E8E84-426E-40DD-AFC4-6F175D3DCCD1}">
-              <a14:hiddenFill xmlns:a14="http://schemas.microsoft.com/office/drawing/2010/main">
+              <a14:hiddenFill xmlns:a14="http://schemas.microsoft.com/office/drawing/2010/main" xmlns="">
                 <a:solidFill>
                   <a:schemeClr val="accent1"/>
                 </a:solidFill>
               </a14:hiddenFill>
             </a:ext>
             <a:ext uri="{91240B29-F687-4F45-9708-019B960494DF}">
-              <a14:hiddenLine xmlns:a14="http://schemas.microsoft.com/office/drawing/2010/main" w="9525">
+              <a14:hiddenLine xmlns:a14="http://schemas.microsoft.com/office/drawing/2010/main" xmlns="" w="9525">
                 <a:solidFill>
                   <a:schemeClr val="tx1"/>
                 </a:solidFill>
@@ -23918,7 +23878,7 @@
               </a14:hiddenLine>
             </a:ext>
             <a:ext uri="{AF507438-7753-43E0-B8FC-AC1667EBCBE1}">
-              <a14:hiddenEffects xmlns:a14="http://schemas.microsoft.com/office/drawing/2010/main">
+              <a14:hiddenEffects xmlns:a14="http://schemas.microsoft.com/office/drawing/2010/main" xmlns="">
                 <a:effectLst>
                   <a:outerShdw dist="35921" dir="2700000" algn="ctr" rotWithShape="0">
                     <a:schemeClr val="bg2"/>
@@ -23932,7 +23892,7 @@
     </p:spTree>
     <p:extLst>
       <p:ext uri="{BB962C8B-B14F-4D97-AF65-F5344CB8AC3E}">
-        <p14:creationId xmlns:p14="http://schemas.microsoft.com/office/powerpoint/2010/main" val="1406544160"/>
+        <p14:creationId xmlns:p14="http://schemas.microsoft.com/office/powerpoint/2010/main" xmlns="" val="1406544160"/>
       </p:ext>
     </p:extLst>
   </p:cSld>
@@ -24071,10 +24031,10 @@
           <p:nvPr/>
         </p:nvPicPr>
         <p:blipFill>
-          <a:blip r:embed="rId2">
+          <a:blip r:embed="rId2" cstate="print">
             <a:extLst>
               <a:ext uri="{28A0092B-C50C-407E-A947-70E740481C1C}">
-                <a14:useLocalDpi xmlns:a14="http://schemas.microsoft.com/office/drawing/2010/main" val="0"/>
+                <a14:useLocalDpi xmlns:a14="http://schemas.microsoft.com/office/drawing/2010/main" xmlns="" val="0"/>
               </a:ext>
             </a:extLst>
           </a:blip>
@@ -24098,14 +24058,14 @@
           <a:effectLst/>
           <a:extLst>
             <a:ext uri="{909E8E84-426E-40DD-AFC4-6F175D3DCCD1}">
-              <a14:hiddenFill xmlns:a14="http://schemas.microsoft.com/office/drawing/2010/main">
+              <a14:hiddenFill xmlns:a14="http://schemas.microsoft.com/office/drawing/2010/main" xmlns="">
                 <a:solidFill>
                   <a:schemeClr val="accent1"/>
                 </a:solidFill>
               </a14:hiddenFill>
             </a:ext>
             <a:ext uri="{91240B29-F687-4F45-9708-019B960494DF}">
-              <a14:hiddenLine xmlns:a14="http://schemas.microsoft.com/office/drawing/2010/main" w="9525">
+              <a14:hiddenLine xmlns:a14="http://schemas.microsoft.com/office/drawing/2010/main" xmlns="" w="9525">
                 <a:solidFill>
                   <a:schemeClr val="tx1"/>
                 </a:solidFill>
@@ -24115,7 +24075,7 @@
               </a14:hiddenLine>
             </a:ext>
             <a:ext uri="{AF507438-7753-43E0-B8FC-AC1667EBCBE1}">
-              <a14:hiddenEffects xmlns:a14="http://schemas.microsoft.com/office/drawing/2010/main">
+              <a14:hiddenEffects xmlns:a14="http://schemas.microsoft.com/office/drawing/2010/main" xmlns="">
                 <a:effectLst>
                   <a:outerShdw dist="35921" dir="2700000" algn="ctr" rotWithShape="0">
                     <a:schemeClr val="bg2"/>
@@ -24129,7 +24089,7 @@
     </p:spTree>
     <p:extLst>
       <p:ext uri="{BB962C8B-B14F-4D97-AF65-F5344CB8AC3E}">
-        <p14:creationId xmlns:p14="http://schemas.microsoft.com/office/powerpoint/2010/main" val="979654725"/>
+        <p14:creationId xmlns:p14="http://schemas.microsoft.com/office/powerpoint/2010/main" xmlns="" val="979654725"/>
       </p:ext>
     </p:extLst>
   </p:cSld>
@@ -24247,17 +24207,7 @@
                   </a:schemeClr>
                 </a:solidFill>
               </a:rPr>
-              <a:t> </a:t>
-            </a:r>
-            <a:r>
-              <a:rPr lang="en-GB" sz="1800" dirty="0" smtClean="0">
-                <a:solidFill>
-                  <a:schemeClr val="bg1">
-                    <a:lumMod val="50000"/>
-                  </a:schemeClr>
-                </a:solidFill>
-              </a:rPr>
-              <a:t>interface provides the expectations used in the context and assertions, with no references to concretes outside of “Using”</a:t>
+              <a:t> interface provides the expectations used in the context and assertions, with no references to concretes outside of “Using”</a:t>
             </a:r>
             <a:endParaRPr lang="en-GB" sz="1800" dirty="0">
               <a:solidFill>
@@ -24278,10 +24228,10 @@
           <p:nvPr/>
         </p:nvPicPr>
         <p:blipFill>
-          <a:blip r:embed="rId2">
+          <a:blip r:embed="rId2" cstate="print">
             <a:extLst>
               <a:ext uri="{28A0092B-C50C-407E-A947-70E740481C1C}">
-                <a14:useLocalDpi xmlns:a14="http://schemas.microsoft.com/office/drawing/2010/main" val="0"/>
+                <a14:useLocalDpi xmlns:a14="http://schemas.microsoft.com/office/drawing/2010/main" xmlns="" val="0"/>
               </a:ext>
             </a:extLst>
           </a:blip>
@@ -24305,14 +24255,14 @@
           <a:effectLst/>
           <a:extLst>
             <a:ext uri="{909E8E84-426E-40DD-AFC4-6F175D3DCCD1}">
-              <a14:hiddenFill xmlns:a14="http://schemas.microsoft.com/office/drawing/2010/main">
+              <a14:hiddenFill xmlns:a14="http://schemas.microsoft.com/office/drawing/2010/main" xmlns="">
                 <a:solidFill>
                   <a:schemeClr val="accent1"/>
                 </a:solidFill>
               </a14:hiddenFill>
             </a:ext>
             <a:ext uri="{91240B29-F687-4F45-9708-019B960494DF}">
-              <a14:hiddenLine xmlns:a14="http://schemas.microsoft.com/office/drawing/2010/main" w="9525">
+              <a14:hiddenLine xmlns:a14="http://schemas.microsoft.com/office/drawing/2010/main" xmlns="" w="9525">
                 <a:solidFill>
                   <a:schemeClr val="tx1"/>
                 </a:solidFill>
@@ -24322,7 +24272,7 @@
               </a14:hiddenLine>
             </a:ext>
             <a:ext uri="{AF507438-7753-43E0-B8FC-AC1667EBCBE1}">
-              <a14:hiddenEffects xmlns:a14="http://schemas.microsoft.com/office/drawing/2010/main">
+              <a14:hiddenEffects xmlns:a14="http://schemas.microsoft.com/office/drawing/2010/main" xmlns="">
                 <a:effectLst>
                   <a:outerShdw dist="35921" dir="2700000" algn="ctr" rotWithShape="0">
                     <a:schemeClr val="bg2"/>
@@ -24336,7 +24286,7 @@
     </p:spTree>
     <p:extLst>
       <p:ext uri="{BB962C8B-B14F-4D97-AF65-F5344CB8AC3E}">
-        <p14:creationId xmlns:p14="http://schemas.microsoft.com/office/powerpoint/2010/main" val="2262545237"/>
+        <p14:creationId xmlns:p14="http://schemas.microsoft.com/office/powerpoint/2010/main" xmlns="" val="2262545237"/>
       </p:ext>
     </p:extLst>
   </p:cSld>
@@ -24454,17 +24404,7 @@
                   </a:schemeClr>
                 </a:solidFill>
               </a:rPr>
-              <a:t> </a:t>
-            </a:r>
-            <a:r>
-              <a:rPr lang="en-GB" sz="1800" dirty="0" smtClean="0">
-                <a:solidFill>
-                  <a:schemeClr val="bg1">
-                    <a:lumMod val="50000"/>
-                  </a:schemeClr>
-                </a:solidFill>
-              </a:rPr>
-              <a:t>interface and the </a:t>
+              <a:t> interface and the </a:t>
             </a:r>
             <a:r>
               <a:rPr lang="en-GB" sz="1800" dirty="0" smtClean="0">
@@ -24507,10 +24447,10 @@
           <p:nvPr/>
         </p:nvPicPr>
         <p:blipFill>
-          <a:blip r:embed="rId2">
+          <a:blip r:embed="rId2" cstate="print">
             <a:extLst>
               <a:ext uri="{28A0092B-C50C-407E-A947-70E740481C1C}">
-                <a14:useLocalDpi xmlns:a14="http://schemas.microsoft.com/office/drawing/2010/main" val="0"/>
+                <a14:useLocalDpi xmlns:a14="http://schemas.microsoft.com/office/drawing/2010/main" xmlns="" val="0"/>
               </a:ext>
             </a:extLst>
           </a:blip>
@@ -24534,14 +24474,14 @@
           <a:effectLst/>
           <a:extLst>
             <a:ext uri="{909E8E84-426E-40DD-AFC4-6F175D3DCCD1}">
-              <a14:hiddenFill xmlns:a14="http://schemas.microsoft.com/office/drawing/2010/main">
+              <a14:hiddenFill xmlns:a14="http://schemas.microsoft.com/office/drawing/2010/main" xmlns="">
                 <a:solidFill>
                   <a:schemeClr val="accent1"/>
                 </a:solidFill>
               </a14:hiddenFill>
             </a:ext>
             <a:ext uri="{91240B29-F687-4F45-9708-019B960494DF}">
-              <a14:hiddenLine xmlns:a14="http://schemas.microsoft.com/office/drawing/2010/main" w="9525">
+              <a14:hiddenLine xmlns:a14="http://schemas.microsoft.com/office/drawing/2010/main" xmlns="" w="9525">
                 <a:solidFill>
                   <a:schemeClr val="tx1"/>
                 </a:solidFill>
@@ -24551,7 +24491,7 @@
               </a14:hiddenLine>
             </a:ext>
             <a:ext uri="{AF507438-7753-43E0-B8FC-AC1667EBCBE1}">
-              <a14:hiddenEffects xmlns:a14="http://schemas.microsoft.com/office/drawing/2010/main">
+              <a14:hiddenEffects xmlns:a14="http://schemas.microsoft.com/office/drawing/2010/main" xmlns="">
                 <a:effectLst>
                   <a:outerShdw dist="35921" dir="2700000" algn="ctr" rotWithShape="0">
                     <a:schemeClr val="bg2"/>
@@ -24565,7 +24505,7 @@
     </p:spTree>
     <p:extLst>
       <p:ext uri="{BB962C8B-B14F-4D97-AF65-F5344CB8AC3E}">
-        <p14:creationId xmlns:p14="http://schemas.microsoft.com/office/powerpoint/2010/main" val="2529258343"/>
+        <p14:creationId xmlns:p14="http://schemas.microsoft.com/office/powerpoint/2010/main" xmlns="" val="2529258343"/>
       </p:ext>
     </p:extLst>
   </p:cSld>
@@ -24683,17 +24623,7 @@
                   </a:schemeClr>
                 </a:solidFill>
               </a:rPr>
-              <a:t> </a:t>
-            </a:r>
-            <a:r>
-              <a:rPr lang="en-GB" sz="1800" dirty="0" smtClean="0">
-                <a:solidFill>
-                  <a:schemeClr val="bg1">
-                    <a:lumMod val="50000"/>
-                  </a:schemeClr>
-                </a:solidFill>
-              </a:rPr>
-              <a:t>interface that is being provided…</a:t>
+              <a:t> interface that is being provided…</a:t>
             </a:r>
             <a:endParaRPr lang="en-GB" sz="1800" i="1" dirty="0">
               <a:solidFill>
@@ -24714,10 +24644,10 @@
           <p:nvPr/>
         </p:nvPicPr>
         <p:blipFill>
-          <a:blip r:embed="rId2">
+          <a:blip r:embed="rId2" cstate="print">
             <a:extLst>
               <a:ext uri="{28A0092B-C50C-407E-A947-70E740481C1C}">
-                <a14:useLocalDpi xmlns:a14="http://schemas.microsoft.com/office/drawing/2010/main" val="0"/>
+                <a14:useLocalDpi xmlns:a14="http://schemas.microsoft.com/office/drawing/2010/main" xmlns="" val="0"/>
               </a:ext>
             </a:extLst>
           </a:blip>
@@ -24741,14 +24671,14 @@
           <a:effectLst/>
           <a:extLst>
             <a:ext uri="{909E8E84-426E-40DD-AFC4-6F175D3DCCD1}">
-              <a14:hiddenFill xmlns:a14="http://schemas.microsoft.com/office/drawing/2010/main">
+              <a14:hiddenFill xmlns:a14="http://schemas.microsoft.com/office/drawing/2010/main" xmlns="">
                 <a:solidFill>
                   <a:schemeClr val="accent1"/>
                 </a:solidFill>
               </a14:hiddenFill>
             </a:ext>
             <a:ext uri="{91240B29-F687-4F45-9708-019B960494DF}">
-              <a14:hiddenLine xmlns:a14="http://schemas.microsoft.com/office/drawing/2010/main" w="9525">
+              <a14:hiddenLine xmlns:a14="http://schemas.microsoft.com/office/drawing/2010/main" xmlns="" w="9525">
                 <a:solidFill>
                   <a:schemeClr val="tx1"/>
                 </a:solidFill>
@@ -24758,7 +24688,7 @@
               </a14:hiddenLine>
             </a:ext>
             <a:ext uri="{AF507438-7753-43E0-B8FC-AC1667EBCBE1}">
-              <a14:hiddenEffects xmlns:a14="http://schemas.microsoft.com/office/drawing/2010/main">
+              <a14:hiddenEffects xmlns:a14="http://schemas.microsoft.com/office/drawing/2010/main" xmlns="">
                 <a:effectLst>
                   <a:outerShdw dist="35921" dir="2700000" algn="ctr" rotWithShape="0">
                     <a:schemeClr val="bg2"/>
@@ -24772,7 +24702,7 @@
     </p:spTree>
     <p:extLst>
       <p:ext uri="{BB962C8B-B14F-4D97-AF65-F5344CB8AC3E}">
-        <p14:creationId xmlns:p14="http://schemas.microsoft.com/office/powerpoint/2010/main" val="1686767329"/>
+        <p14:creationId xmlns:p14="http://schemas.microsoft.com/office/powerpoint/2010/main" xmlns="" val="1686767329"/>
       </p:ext>
     </p:extLst>
   </p:cSld>
@@ -24889,10 +24819,10 @@
           <p:nvPr/>
         </p:nvPicPr>
         <p:blipFill>
-          <a:blip r:embed="rId2">
+          <a:blip r:embed="rId2" cstate="print">
             <a:extLst>
               <a:ext uri="{28A0092B-C50C-407E-A947-70E740481C1C}">
-                <a14:useLocalDpi xmlns:a14="http://schemas.microsoft.com/office/drawing/2010/main" val="0"/>
+                <a14:useLocalDpi xmlns:a14="http://schemas.microsoft.com/office/drawing/2010/main" xmlns="" val="0"/>
               </a:ext>
             </a:extLst>
           </a:blip>
@@ -24916,14 +24846,14 @@
           <a:effectLst/>
           <a:extLst>
             <a:ext uri="{909E8E84-426E-40DD-AFC4-6F175D3DCCD1}">
-              <a14:hiddenFill xmlns:a14="http://schemas.microsoft.com/office/drawing/2010/main">
+              <a14:hiddenFill xmlns:a14="http://schemas.microsoft.com/office/drawing/2010/main" xmlns="">
                 <a:solidFill>
                   <a:schemeClr val="accent1"/>
                 </a:solidFill>
               </a14:hiddenFill>
             </a:ext>
             <a:ext uri="{91240B29-F687-4F45-9708-019B960494DF}">
-              <a14:hiddenLine xmlns:a14="http://schemas.microsoft.com/office/drawing/2010/main" w="9525">
+              <a14:hiddenLine xmlns:a14="http://schemas.microsoft.com/office/drawing/2010/main" xmlns="" w="9525">
                 <a:solidFill>
                   <a:schemeClr val="tx1"/>
                 </a:solidFill>
@@ -24933,7 +24863,7 @@
               </a14:hiddenLine>
             </a:ext>
             <a:ext uri="{AF507438-7753-43E0-B8FC-AC1667EBCBE1}">
-              <a14:hiddenEffects xmlns:a14="http://schemas.microsoft.com/office/drawing/2010/main">
+              <a14:hiddenEffects xmlns:a14="http://schemas.microsoft.com/office/drawing/2010/main" xmlns="">
                 <a:effectLst>
                   <a:outerShdw dist="35921" dir="2700000" algn="ctr" rotWithShape="0">
                     <a:schemeClr val="bg2"/>
@@ -24947,7 +24877,7 @@
     </p:spTree>
     <p:extLst>
       <p:ext uri="{BB962C8B-B14F-4D97-AF65-F5344CB8AC3E}">
-        <p14:creationId xmlns:p14="http://schemas.microsoft.com/office/powerpoint/2010/main" val="3005866779"/>
+        <p14:creationId xmlns:p14="http://schemas.microsoft.com/office/powerpoint/2010/main" xmlns="" val="3005866779"/>
       </p:ext>
     </p:extLst>
   </p:cSld>
